--- a/ゼミ0720.pptx
+++ b/ゼミ0720.pptx
@@ -7,6 +7,7 @@
   <p:sldIdLst>
     <p:sldId id="256" r:id="rId2"/>
     <p:sldId id="257" r:id="rId3"/>
+    <p:sldId id="258" r:id="rId4"/>
   </p:sldIdLst>
   <p:sldSz cx="12192000" cy="6858000"/>
   <p:notesSz cx="6858000" cy="9144000"/>
@@ -105,6 +106,11 @@
       </a:defRPr>
     </a:lvl9pPr>
   </p:defaultTextStyle>
+  <p:extLst>
+    <p:ext uri="{EFAFB233-063F-42B5-8137-9DF3F51BA10A}">
+      <p15:sldGuideLst xmlns:p15="http://schemas.microsoft.com/office/powerpoint/2012/main"/>
+    </p:ext>
+  </p:extLst>
 </p:presentation>
 </file>
 
@@ -255,7 +261,7 @@
           <a:p>
             <a:fld id="{0F52EE3C-6D03-454F-9D3C-725F01881AB8}" type="datetimeFigureOut">
               <a:rPr kumimoji="1" lang="ja-JP" altLang="en-US" smtClean="0"/>
-              <a:t>2021/7/16</a:t>
+              <a:t>2021/7/19</a:t>
             </a:fld>
             <a:endParaRPr kumimoji="1" lang="ja-JP" altLang="en-US"/>
           </a:p>
@@ -485,7 +491,7 @@
           <a:p>
             <a:fld id="{0F52EE3C-6D03-454F-9D3C-725F01881AB8}" type="datetimeFigureOut">
               <a:rPr kumimoji="1" lang="ja-JP" altLang="en-US" smtClean="0"/>
-              <a:t>2021/7/16</a:t>
+              <a:t>2021/7/19</a:t>
             </a:fld>
             <a:endParaRPr kumimoji="1" lang="ja-JP" altLang="en-US"/>
           </a:p>
@@ -725,7 +731,7 @@
           <a:p>
             <a:fld id="{0F52EE3C-6D03-454F-9D3C-725F01881AB8}" type="datetimeFigureOut">
               <a:rPr kumimoji="1" lang="ja-JP" altLang="en-US" smtClean="0"/>
-              <a:t>2021/7/16</a:t>
+              <a:t>2021/7/19</a:t>
             </a:fld>
             <a:endParaRPr kumimoji="1" lang="ja-JP" altLang="en-US"/>
           </a:p>
@@ -955,7 +961,7 @@
           <a:p>
             <a:fld id="{0F52EE3C-6D03-454F-9D3C-725F01881AB8}" type="datetimeFigureOut">
               <a:rPr kumimoji="1" lang="ja-JP" altLang="en-US" smtClean="0"/>
-              <a:t>2021/7/16</a:t>
+              <a:t>2021/7/19</a:t>
             </a:fld>
             <a:endParaRPr kumimoji="1" lang="ja-JP" altLang="en-US"/>
           </a:p>
@@ -1230,7 +1236,7 @@
           <a:p>
             <a:fld id="{0F52EE3C-6D03-454F-9D3C-725F01881AB8}" type="datetimeFigureOut">
               <a:rPr kumimoji="1" lang="ja-JP" altLang="en-US" smtClean="0"/>
-              <a:t>2021/7/16</a:t>
+              <a:t>2021/7/19</a:t>
             </a:fld>
             <a:endParaRPr kumimoji="1" lang="ja-JP" altLang="en-US"/>
           </a:p>
@@ -1559,7 +1565,7 @@
           <a:p>
             <a:fld id="{0F52EE3C-6D03-454F-9D3C-725F01881AB8}" type="datetimeFigureOut">
               <a:rPr kumimoji="1" lang="ja-JP" altLang="en-US" smtClean="0"/>
-              <a:t>2021/7/16</a:t>
+              <a:t>2021/7/19</a:t>
             </a:fld>
             <a:endParaRPr kumimoji="1" lang="ja-JP" altLang="en-US"/>
           </a:p>
@@ -2035,7 +2041,7 @@
           <a:p>
             <a:fld id="{0F52EE3C-6D03-454F-9D3C-725F01881AB8}" type="datetimeFigureOut">
               <a:rPr kumimoji="1" lang="ja-JP" altLang="en-US" smtClean="0"/>
-              <a:t>2021/7/16</a:t>
+              <a:t>2021/7/19</a:t>
             </a:fld>
             <a:endParaRPr kumimoji="1" lang="ja-JP" altLang="en-US"/>
           </a:p>
@@ -2176,7 +2182,7 @@
           <a:p>
             <a:fld id="{0F52EE3C-6D03-454F-9D3C-725F01881AB8}" type="datetimeFigureOut">
               <a:rPr kumimoji="1" lang="ja-JP" altLang="en-US" smtClean="0"/>
-              <a:t>2021/7/16</a:t>
+              <a:t>2021/7/19</a:t>
             </a:fld>
             <a:endParaRPr kumimoji="1" lang="ja-JP" altLang="en-US"/>
           </a:p>
@@ -2289,7 +2295,7 @@
           <a:p>
             <a:fld id="{0F52EE3C-6D03-454F-9D3C-725F01881AB8}" type="datetimeFigureOut">
               <a:rPr kumimoji="1" lang="ja-JP" altLang="en-US" smtClean="0"/>
-              <a:t>2021/7/16</a:t>
+              <a:t>2021/7/19</a:t>
             </a:fld>
             <a:endParaRPr kumimoji="1" lang="ja-JP" altLang="en-US"/>
           </a:p>
@@ -2632,7 +2638,7 @@
           <a:p>
             <a:fld id="{0F52EE3C-6D03-454F-9D3C-725F01881AB8}" type="datetimeFigureOut">
               <a:rPr kumimoji="1" lang="ja-JP" altLang="en-US" smtClean="0"/>
-              <a:t>2021/7/16</a:t>
+              <a:t>2021/7/19</a:t>
             </a:fld>
             <a:endParaRPr kumimoji="1" lang="ja-JP" altLang="en-US"/>
           </a:p>
@@ -2920,7 +2926,7 @@
           <a:p>
             <a:fld id="{0F52EE3C-6D03-454F-9D3C-725F01881AB8}" type="datetimeFigureOut">
               <a:rPr kumimoji="1" lang="ja-JP" altLang="en-US" smtClean="0"/>
-              <a:t>2021/7/16</a:t>
+              <a:t>2021/7/19</a:t>
             </a:fld>
             <a:endParaRPr kumimoji="1" lang="ja-JP" altLang="en-US"/>
           </a:p>
@@ -3193,7 +3199,7 @@
           <a:p>
             <a:fld id="{0F52EE3C-6D03-454F-9D3C-725F01881AB8}" type="datetimeFigureOut">
               <a:rPr kumimoji="1" lang="ja-JP" altLang="en-US" smtClean="0"/>
-              <a:t>2021/7/16</a:t>
+              <a:t>2021/7/19</a:t>
             </a:fld>
             <a:endParaRPr kumimoji="1" lang="ja-JP" altLang="en-US"/>
           </a:p>
@@ -3754,6 +3760,13 @@
           <a:p>
             <a:r>
               <a:rPr kumimoji="1" lang="ja-JP" altLang="en-US"/>
+              <a:t>修正したモデルでもう一度回す</a:t>
+            </a:r>
+            <a:endParaRPr kumimoji="1" lang="en-US" altLang="ja-JP" dirty="0"/>
+          </a:p>
+          <a:p>
+            <a:r>
+              <a:rPr kumimoji="1" lang="ja-JP" altLang="en-US"/>
               <a:t>パラメータをプロットしてグラフを作る</a:t>
             </a:r>
             <a:endParaRPr kumimoji="1" lang="en-US" altLang="ja-JP" dirty="0"/>
@@ -3765,9 +3778,19 @@
             </a:r>
             <a:r>
               <a:rPr lang="ja-JP" altLang="en-US"/>
-              <a:t>を作る→途中</a:t>
-            </a:r>
-            <a:endParaRPr lang="en-US" altLang="ja-JP"/>
+              <a:t>を作る</a:t>
+            </a:r>
+            <a:endParaRPr lang="en-US" altLang="ja-JP" dirty="0"/>
+          </a:p>
+          <a:p>
+            <a:pPr marL="0" indent="0">
+              <a:buNone/>
+            </a:pPr>
+            <a:r>
+              <a:rPr lang="ja-JP" altLang="en-US"/>
+              <a:t>　　→実行に時間がかかっていてまだ結果が見れていない</a:t>
+            </a:r>
+            <a:endParaRPr lang="en-US" altLang="ja-JP" dirty="0"/>
           </a:p>
         </p:txBody>
       </p:sp>
@@ -3775,6 +3798,3683 @@
     <p:extLst>
       <p:ext uri="{BB962C8B-B14F-4D97-AF65-F5344CB8AC3E}">
         <p14:creationId xmlns:p14="http://schemas.microsoft.com/office/powerpoint/2010/main" val="2807330856"/>
+      </p:ext>
+    </p:extLst>
+  </p:cSld>
+  <p:clrMapOvr>
+    <a:masterClrMapping/>
+  </p:clrMapOvr>
+</p:sld>
+</file>
+
+<file path=ppt/slides/slide3.xml><?xml version="1.0" encoding="utf-8"?>
+<p:sld xmlns:a="http://schemas.openxmlformats.org/drawingml/2006/main" xmlns:r="http://schemas.openxmlformats.org/officeDocument/2006/relationships" xmlns:p="http://schemas.openxmlformats.org/presentationml/2006/main">
+  <p:cSld>
+    <p:spTree>
+      <p:nvGrpSpPr>
+        <p:cNvPr id="1" name=""/>
+        <p:cNvGrpSpPr/>
+        <p:nvPr/>
+      </p:nvGrpSpPr>
+      <p:grpSpPr>
+        <a:xfrm>
+          <a:off x="0" y="0"/>
+          <a:ext cx="0" cy="0"/>
+          <a:chOff x="0" y="0"/>
+          <a:chExt cx="0" cy="0"/>
+        </a:xfrm>
+      </p:grpSpPr>
+      <p:sp>
+        <p:nvSpPr>
+          <p:cNvPr id="2" name="タイトル 1">
+            <a:extLst>
+              <a:ext uri="{FF2B5EF4-FFF2-40B4-BE49-F238E27FC236}">
+                <a16:creationId xmlns:a16="http://schemas.microsoft.com/office/drawing/2014/main" id="{5E1E61BE-45CA-9B4F-A73A-CBF2F254628B}"/>
+              </a:ext>
+            </a:extLst>
+          </p:cNvPr>
+          <p:cNvSpPr>
+            <a:spLocks noGrp="1"/>
+          </p:cNvSpPr>
+          <p:nvPr>
+            <p:ph type="title"/>
+          </p:nvPr>
+        </p:nvSpPr>
+        <p:spPr/>
+        <p:txBody>
+          <a:bodyPr/>
+          <a:lstStyle/>
+          <a:p>
+            <a:r>
+              <a:rPr kumimoji="1" lang="ja-JP" altLang="en-US"/>
+              <a:t>実行結果</a:t>
+            </a:r>
+          </a:p>
+        </p:txBody>
+      </p:sp>
+      <p:sp>
+        <p:nvSpPr>
+          <p:cNvPr id="3" name="コンテンツ プレースホルダー 2">
+            <a:extLst>
+              <a:ext uri="{FF2B5EF4-FFF2-40B4-BE49-F238E27FC236}">
+                <a16:creationId xmlns:a16="http://schemas.microsoft.com/office/drawing/2014/main" id="{B3B14A07-A8D1-D045-AC09-72BD2701C989}"/>
+              </a:ext>
+            </a:extLst>
+          </p:cNvPr>
+          <p:cNvSpPr>
+            <a:spLocks noGrp="1"/>
+          </p:cNvSpPr>
+          <p:nvPr>
+            <p:ph idx="1"/>
+          </p:nvPr>
+        </p:nvSpPr>
+        <p:spPr>
+          <a:xfrm>
+            <a:off x="4202130" y="1825625"/>
+            <a:ext cx="3852809" cy="4351338"/>
+          </a:xfrm>
+        </p:spPr>
+        <p:txBody>
+          <a:bodyPr/>
+          <a:lstStyle/>
+          <a:p>
+            <a:r>
+              <a:rPr kumimoji="1" lang="ja-JP" altLang="en-US"/>
+              <a:t>提案モデル</a:t>
+            </a:r>
+            <a:r>
+              <a:rPr kumimoji="1" lang="en-US" altLang="ja-JP" dirty="0"/>
+              <a:t>(</a:t>
+            </a:r>
+            <a:r>
+              <a:rPr kumimoji="1" lang="ja-JP" altLang="en-US"/>
+              <a:t>分散</a:t>
+            </a:r>
+            <a:r>
+              <a:rPr kumimoji="1" lang="en-US" altLang="ja-JP" dirty="0"/>
+              <a:t>0.1)</a:t>
+            </a:r>
+          </a:p>
+          <a:p>
+            <a:endParaRPr kumimoji="1" lang="ja-JP" altLang="en-US"/>
+          </a:p>
+        </p:txBody>
+      </p:sp>
+      <p:sp>
+        <p:nvSpPr>
+          <p:cNvPr id="6" name="コンテンツ プレースホルダー 2">
+            <a:extLst>
+              <a:ext uri="{FF2B5EF4-FFF2-40B4-BE49-F238E27FC236}">
+                <a16:creationId xmlns:a16="http://schemas.microsoft.com/office/drawing/2014/main" id="{750651C4-C94C-EA40-9FB5-D17AD1BEEF4E}"/>
+              </a:ext>
+            </a:extLst>
+          </p:cNvPr>
+          <p:cNvSpPr txBox="1">
+            <a:spLocks/>
+          </p:cNvSpPr>
+          <p:nvPr/>
+        </p:nvSpPr>
+        <p:spPr>
+          <a:xfrm>
+            <a:off x="799988" y="1779050"/>
+            <a:ext cx="5181600" cy="4351338"/>
+          </a:xfrm>
+          <a:prstGeom prst="rect">
+            <a:avLst/>
+          </a:prstGeom>
+        </p:spPr>
+        <p:txBody>
+          <a:bodyPr vert="horz" lIns="91440" tIns="45720" rIns="91440" bIns="45720" rtlCol="0">
+            <a:normAutofit/>
+          </a:bodyPr>
+          <a:lstStyle>
+            <a:lvl1pPr marL="228600" indent="-228600" algn="l" defTabSz="914400" rtl="0" eaLnBrk="1" latinLnBrk="0" hangingPunct="1">
+              <a:lnSpc>
+                <a:spcPct val="90000"/>
+              </a:lnSpc>
+              <a:spcBef>
+                <a:spcPts val="1000"/>
+              </a:spcBef>
+              <a:buFont typeface="Arial" panose="020B0604020202020204" pitchFamily="34" charset="0"/>
+              <a:buChar char="•"/>
+              <a:defRPr kumimoji="1" sz="2800" kern="1200">
+                <a:solidFill>
+                  <a:schemeClr val="tx1"/>
+                </a:solidFill>
+                <a:latin typeface="+mn-lt"/>
+                <a:ea typeface="+mn-ea"/>
+                <a:cs typeface="+mn-cs"/>
+              </a:defRPr>
+            </a:lvl1pPr>
+            <a:lvl2pPr marL="685800" indent="-228600" algn="l" defTabSz="914400" rtl="0" eaLnBrk="1" latinLnBrk="0" hangingPunct="1">
+              <a:lnSpc>
+                <a:spcPct val="90000"/>
+              </a:lnSpc>
+              <a:spcBef>
+                <a:spcPts val="500"/>
+              </a:spcBef>
+              <a:buFont typeface="Arial" panose="020B0604020202020204" pitchFamily="34" charset="0"/>
+              <a:buChar char="•"/>
+              <a:defRPr kumimoji="1" sz="2400" kern="1200">
+                <a:solidFill>
+                  <a:schemeClr val="tx1"/>
+                </a:solidFill>
+                <a:latin typeface="+mn-lt"/>
+                <a:ea typeface="+mn-ea"/>
+                <a:cs typeface="+mn-cs"/>
+              </a:defRPr>
+            </a:lvl2pPr>
+            <a:lvl3pPr marL="1143000" indent="-228600" algn="l" defTabSz="914400" rtl="0" eaLnBrk="1" latinLnBrk="0" hangingPunct="1">
+              <a:lnSpc>
+                <a:spcPct val="90000"/>
+              </a:lnSpc>
+              <a:spcBef>
+                <a:spcPts val="500"/>
+              </a:spcBef>
+              <a:buFont typeface="Arial" panose="020B0604020202020204" pitchFamily="34" charset="0"/>
+              <a:buChar char="•"/>
+              <a:defRPr kumimoji="1" sz="2000" kern="1200">
+                <a:solidFill>
+                  <a:schemeClr val="tx1"/>
+                </a:solidFill>
+                <a:latin typeface="+mn-lt"/>
+                <a:ea typeface="+mn-ea"/>
+                <a:cs typeface="+mn-cs"/>
+              </a:defRPr>
+            </a:lvl3pPr>
+            <a:lvl4pPr marL="1600200" indent="-228600" algn="l" defTabSz="914400" rtl="0" eaLnBrk="1" latinLnBrk="0" hangingPunct="1">
+              <a:lnSpc>
+                <a:spcPct val="90000"/>
+              </a:lnSpc>
+              <a:spcBef>
+                <a:spcPts val="500"/>
+              </a:spcBef>
+              <a:buFont typeface="Arial" panose="020B0604020202020204" pitchFamily="34" charset="0"/>
+              <a:buChar char="•"/>
+              <a:defRPr kumimoji="1" sz="1800" kern="1200">
+                <a:solidFill>
+                  <a:schemeClr val="tx1"/>
+                </a:solidFill>
+                <a:latin typeface="+mn-lt"/>
+                <a:ea typeface="+mn-ea"/>
+                <a:cs typeface="+mn-cs"/>
+              </a:defRPr>
+            </a:lvl4pPr>
+            <a:lvl5pPr marL="2057400" indent="-228600" algn="l" defTabSz="914400" rtl="0" eaLnBrk="1" latinLnBrk="0" hangingPunct="1">
+              <a:lnSpc>
+                <a:spcPct val="90000"/>
+              </a:lnSpc>
+              <a:spcBef>
+                <a:spcPts val="500"/>
+              </a:spcBef>
+              <a:buFont typeface="Arial" panose="020B0604020202020204" pitchFamily="34" charset="0"/>
+              <a:buChar char="•"/>
+              <a:defRPr kumimoji="1" sz="1800" kern="1200">
+                <a:solidFill>
+                  <a:schemeClr val="tx1"/>
+                </a:solidFill>
+                <a:latin typeface="+mn-lt"/>
+                <a:ea typeface="+mn-ea"/>
+                <a:cs typeface="+mn-cs"/>
+              </a:defRPr>
+            </a:lvl5pPr>
+            <a:lvl6pPr marL="2514600" indent="-228600" algn="l" defTabSz="914400" rtl="0" eaLnBrk="1" latinLnBrk="0" hangingPunct="1">
+              <a:lnSpc>
+                <a:spcPct val="90000"/>
+              </a:lnSpc>
+              <a:spcBef>
+                <a:spcPts val="500"/>
+              </a:spcBef>
+              <a:buFont typeface="Arial" panose="020B0604020202020204" pitchFamily="34" charset="0"/>
+              <a:buChar char="•"/>
+              <a:defRPr kumimoji="1" sz="1800" kern="1200">
+                <a:solidFill>
+                  <a:schemeClr val="tx1"/>
+                </a:solidFill>
+                <a:latin typeface="+mn-lt"/>
+                <a:ea typeface="+mn-ea"/>
+                <a:cs typeface="+mn-cs"/>
+              </a:defRPr>
+            </a:lvl6pPr>
+            <a:lvl7pPr marL="2971800" indent="-228600" algn="l" defTabSz="914400" rtl="0" eaLnBrk="1" latinLnBrk="0" hangingPunct="1">
+              <a:lnSpc>
+                <a:spcPct val="90000"/>
+              </a:lnSpc>
+              <a:spcBef>
+                <a:spcPts val="500"/>
+              </a:spcBef>
+              <a:buFont typeface="Arial" panose="020B0604020202020204" pitchFamily="34" charset="0"/>
+              <a:buChar char="•"/>
+              <a:defRPr kumimoji="1" sz="1800" kern="1200">
+                <a:solidFill>
+                  <a:schemeClr val="tx1"/>
+                </a:solidFill>
+                <a:latin typeface="+mn-lt"/>
+                <a:ea typeface="+mn-ea"/>
+                <a:cs typeface="+mn-cs"/>
+              </a:defRPr>
+            </a:lvl7pPr>
+            <a:lvl8pPr marL="3429000" indent="-228600" algn="l" defTabSz="914400" rtl="0" eaLnBrk="1" latinLnBrk="0" hangingPunct="1">
+              <a:lnSpc>
+                <a:spcPct val="90000"/>
+              </a:lnSpc>
+              <a:spcBef>
+                <a:spcPts val="500"/>
+              </a:spcBef>
+              <a:buFont typeface="Arial" panose="020B0604020202020204" pitchFamily="34" charset="0"/>
+              <a:buChar char="•"/>
+              <a:defRPr kumimoji="1" sz="1800" kern="1200">
+                <a:solidFill>
+                  <a:schemeClr val="tx1"/>
+                </a:solidFill>
+                <a:latin typeface="+mn-lt"/>
+                <a:ea typeface="+mn-ea"/>
+                <a:cs typeface="+mn-cs"/>
+              </a:defRPr>
+            </a:lvl8pPr>
+            <a:lvl9pPr marL="3886200" indent="-228600" algn="l" defTabSz="914400" rtl="0" eaLnBrk="1" latinLnBrk="0" hangingPunct="1">
+              <a:lnSpc>
+                <a:spcPct val="90000"/>
+              </a:lnSpc>
+              <a:spcBef>
+                <a:spcPts val="500"/>
+              </a:spcBef>
+              <a:buFont typeface="Arial" panose="020B0604020202020204" pitchFamily="34" charset="0"/>
+              <a:buChar char="•"/>
+              <a:defRPr kumimoji="1" sz="1800" kern="1200">
+                <a:solidFill>
+                  <a:schemeClr val="tx1"/>
+                </a:solidFill>
+                <a:latin typeface="+mn-lt"/>
+                <a:ea typeface="+mn-ea"/>
+                <a:cs typeface="+mn-cs"/>
+              </a:defRPr>
+            </a:lvl9pPr>
+          </a:lstStyle>
+          <a:p>
+            <a:r>
+              <a:rPr lang="ja-JP" altLang="en-US"/>
+              <a:t>既存モデル</a:t>
+            </a:r>
+            <a:endParaRPr lang="en-US" altLang="ja-JP"/>
+          </a:p>
+          <a:p>
+            <a:endParaRPr lang="ja-JP" altLang="en-US"/>
+          </a:p>
+        </p:txBody>
+      </p:sp>
+      <p:graphicFrame>
+        <p:nvGraphicFramePr>
+          <p:cNvPr id="7" name="表 6">
+            <a:extLst>
+              <a:ext uri="{FF2B5EF4-FFF2-40B4-BE49-F238E27FC236}">
+                <a16:creationId xmlns:a16="http://schemas.microsoft.com/office/drawing/2014/main" id="{D57ED180-0562-E645-A672-9BAE20D21FE1}"/>
+              </a:ext>
+            </a:extLst>
+          </p:cNvPr>
+          <p:cNvGraphicFramePr>
+            <a:graphicFrameLocks noGrp="1"/>
+          </p:cNvGraphicFramePr>
+          <p:nvPr>
+            <p:extLst>
+              <p:ext uri="{D42A27DB-BD31-4B8C-83A1-F6EECF244321}">
+                <p14:modId xmlns:p14="http://schemas.microsoft.com/office/powerpoint/2010/main" val="1497809169"/>
+              </p:ext>
+            </p:extLst>
+          </p:nvPr>
+        </p:nvGraphicFramePr>
+        <p:xfrm>
+          <a:off x="922534" y="2428535"/>
+          <a:ext cx="2743199" cy="3466649"/>
+        </p:xfrm>
+        <a:graphic>
+          <a:graphicData uri="http://schemas.openxmlformats.org/drawingml/2006/table">
+            <a:tbl>
+              <a:tblPr/>
+              <a:tblGrid>
+                <a:gridCol w="390417">
+                  <a:extLst>
+                    <a:ext uri="{9D8B030D-6E8A-4147-A177-3AD203B41FA5}">
+                      <a16:colId xmlns:a16="http://schemas.microsoft.com/office/drawing/2014/main" val="476239027"/>
+                    </a:ext>
+                  </a:extLst>
+                </a:gridCol>
+                <a:gridCol w="1047964">
+                  <a:extLst>
+                    <a:ext uri="{9D8B030D-6E8A-4147-A177-3AD203B41FA5}">
+                      <a16:colId xmlns:a16="http://schemas.microsoft.com/office/drawing/2014/main" val="3098815093"/>
+                    </a:ext>
+                  </a:extLst>
+                </a:gridCol>
+                <a:gridCol w="1304818">
+                  <a:extLst>
+                    <a:ext uri="{9D8B030D-6E8A-4147-A177-3AD203B41FA5}">
+                      <a16:colId xmlns:a16="http://schemas.microsoft.com/office/drawing/2014/main" val="2806955985"/>
+                    </a:ext>
+                  </a:extLst>
+                </a:gridCol>
+              </a:tblGrid>
+              <a:tr h="293373">
+                <a:tc>
+                  <a:txBody>
+                    <a:bodyPr/>
+                    <a:lstStyle/>
+                    <a:p>
+                      <a:br>
+                        <a:rPr lang="ja-JP" altLang="en-US" sz="1100">
+                          <a:effectLst/>
+                          <a:latin typeface="Helvetica" pitchFamily="2" charset="0"/>
+                        </a:rPr>
+                      </a:br>
+                      <a:endParaRPr lang="ja-JP" altLang="en-US" sz="1100">
+                        <a:effectLst/>
+                        <a:latin typeface="Helvetica" pitchFamily="2" charset="0"/>
+                      </a:endParaRPr>
+                    </a:p>
+                  </a:txBody>
+                  <a:tcPr marL="23047" marR="23047" marT="23047" marB="23047">
+                    <a:lnL w="9525" cap="flat" cmpd="sng" algn="ctr">
+                      <a:solidFill>
+                        <a:srgbClr val="000000"/>
+                      </a:solidFill>
+                      <a:prstDash val="solid"/>
+                      <a:round/>
+                      <a:headEnd type="none" w="med" len="med"/>
+                      <a:tailEnd type="none" w="med" len="med"/>
+                    </a:lnL>
+                    <a:lnR w="9525" cap="flat" cmpd="sng" algn="ctr">
+                      <a:solidFill>
+                        <a:srgbClr val="000000"/>
+                      </a:solidFill>
+                      <a:prstDash val="solid"/>
+                      <a:round/>
+                      <a:headEnd type="none" w="med" len="med"/>
+                      <a:tailEnd type="none" w="med" len="med"/>
+                    </a:lnR>
+                    <a:lnT w="9525" cap="flat" cmpd="sng" algn="ctr">
+                      <a:solidFill>
+                        <a:srgbClr val="000000"/>
+                      </a:solidFill>
+                      <a:prstDash val="solid"/>
+                      <a:round/>
+                      <a:headEnd type="none" w="med" len="med"/>
+                      <a:tailEnd type="none" w="med" len="med"/>
+                    </a:lnT>
+                    <a:lnB w="9525" cap="flat" cmpd="sng" algn="ctr">
+                      <a:solidFill>
+                        <a:srgbClr val="000000"/>
+                      </a:solidFill>
+                      <a:prstDash val="solid"/>
+                      <a:round/>
+                      <a:headEnd type="none" w="med" len="med"/>
+                      <a:tailEnd type="none" w="med" len="med"/>
+                    </a:lnB>
+                    <a:solidFill>
+                      <a:srgbClr val="B0B3B2"/>
+                    </a:solidFill>
+                  </a:tcPr>
+                </a:tc>
+                <a:tc>
+                  <a:txBody>
+                    <a:bodyPr/>
+                    <a:lstStyle/>
+                    <a:p>
+                      <a:r>
+                        <a:rPr lang="en" sz="1100" b="1">
+                          <a:solidFill>
+                            <a:srgbClr val="000000"/>
+                          </a:solidFill>
+                          <a:effectLst/>
+                          <a:latin typeface="Hiragino Kaku Gothic ProN" panose="020B0300000000000000" pitchFamily="34" charset="-128"/>
+                          <a:ea typeface="Hiragino Kaku Gothic ProN" panose="020B0300000000000000" pitchFamily="34" charset="-128"/>
+                        </a:rPr>
+                        <a:t>V1</a:t>
+                      </a:r>
+                      <a:endParaRPr lang="en" sz="1100">
+                        <a:effectLst/>
+                      </a:endParaRPr>
+                    </a:p>
+                  </a:txBody>
+                  <a:tcPr marL="23047" marR="23047" marT="23047" marB="23047">
+                    <a:lnL w="9525" cap="flat" cmpd="sng" algn="ctr">
+                      <a:solidFill>
+                        <a:srgbClr val="000000"/>
+                      </a:solidFill>
+                      <a:prstDash val="solid"/>
+                      <a:round/>
+                      <a:headEnd type="none" w="med" len="med"/>
+                      <a:tailEnd type="none" w="med" len="med"/>
+                    </a:lnL>
+                    <a:lnR w="9525" cap="flat" cmpd="sng" algn="ctr">
+                      <a:solidFill>
+                        <a:srgbClr val="000000"/>
+                      </a:solidFill>
+                      <a:prstDash val="solid"/>
+                      <a:round/>
+                      <a:headEnd type="none" w="med" len="med"/>
+                      <a:tailEnd type="none" w="med" len="med"/>
+                    </a:lnR>
+                    <a:lnT w="9525" cap="flat" cmpd="sng" algn="ctr">
+                      <a:solidFill>
+                        <a:srgbClr val="000000"/>
+                      </a:solidFill>
+                      <a:prstDash val="solid"/>
+                      <a:round/>
+                      <a:headEnd type="none" w="med" len="med"/>
+                      <a:tailEnd type="none" w="med" len="med"/>
+                    </a:lnT>
+                    <a:lnB w="9525" cap="flat" cmpd="sng" algn="ctr">
+                      <a:solidFill>
+                        <a:srgbClr val="000000"/>
+                      </a:solidFill>
+                      <a:prstDash val="solid"/>
+                      <a:round/>
+                      <a:headEnd type="none" w="med" len="med"/>
+                      <a:tailEnd type="none" w="med" len="med"/>
+                    </a:lnB>
+                    <a:solidFill>
+                      <a:srgbClr val="B0B3B2"/>
+                    </a:solidFill>
+                  </a:tcPr>
+                </a:tc>
+                <a:tc>
+                  <a:txBody>
+                    <a:bodyPr/>
+                    <a:lstStyle/>
+                    <a:p>
+                      <a:r>
+                        <a:rPr lang="en" sz="1100" b="1" dirty="0">
+                          <a:solidFill>
+                            <a:srgbClr val="000000"/>
+                          </a:solidFill>
+                          <a:effectLst/>
+                          <a:latin typeface="Hiragino Kaku Gothic ProN" panose="020B0300000000000000" pitchFamily="34" charset="-128"/>
+                          <a:ea typeface="Hiragino Kaku Gothic ProN" panose="020B0300000000000000" pitchFamily="34" charset="-128"/>
+                        </a:rPr>
+                        <a:t>V2</a:t>
+                      </a:r>
+                      <a:endParaRPr lang="en" sz="1100" dirty="0">
+                        <a:effectLst/>
+                      </a:endParaRPr>
+                    </a:p>
+                  </a:txBody>
+                  <a:tcPr marL="23047" marR="23047" marT="23047" marB="23047">
+                    <a:lnL w="9525" cap="flat" cmpd="sng" algn="ctr">
+                      <a:solidFill>
+                        <a:srgbClr val="000000"/>
+                      </a:solidFill>
+                      <a:prstDash val="solid"/>
+                      <a:round/>
+                      <a:headEnd type="none" w="med" len="med"/>
+                      <a:tailEnd type="none" w="med" len="med"/>
+                    </a:lnL>
+                    <a:lnR w="9525" cap="flat" cmpd="sng" algn="ctr">
+                      <a:solidFill>
+                        <a:srgbClr val="000000"/>
+                      </a:solidFill>
+                      <a:prstDash val="solid"/>
+                      <a:round/>
+                      <a:headEnd type="none" w="med" len="med"/>
+                      <a:tailEnd type="none" w="med" len="med"/>
+                    </a:lnR>
+                    <a:lnT w="9525" cap="flat" cmpd="sng" algn="ctr">
+                      <a:solidFill>
+                        <a:srgbClr val="000000"/>
+                      </a:solidFill>
+                      <a:prstDash val="solid"/>
+                      <a:round/>
+                      <a:headEnd type="none" w="med" len="med"/>
+                      <a:tailEnd type="none" w="med" len="med"/>
+                    </a:lnT>
+                    <a:lnB w="9525" cap="flat" cmpd="sng" algn="ctr">
+                      <a:solidFill>
+                        <a:srgbClr val="000000"/>
+                      </a:solidFill>
+                      <a:prstDash val="solid"/>
+                      <a:round/>
+                      <a:headEnd type="none" w="med" len="med"/>
+                      <a:tailEnd type="none" w="med" len="med"/>
+                    </a:lnB>
+                    <a:solidFill>
+                      <a:srgbClr val="B0B3B2"/>
+                    </a:solidFill>
+                  </a:tcPr>
+                </a:tc>
+                <a:extLst>
+                  <a:ext uri="{0D108BD9-81ED-4DB2-BD59-A6C34878D82A}">
+                    <a16:rowId xmlns:a16="http://schemas.microsoft.com/office/drawing/2014/main" val="309989113"/>
+                  </a:ext>
+                </a:extLst>
+              </a:tr>
+              <a:tr h="422331">
+                <a:tc>
+                  <a:txBody>
+                    <a:bodyPr/>
+                    <a:lstStyle/>
+                    <a:p>
+                      <a:r>
+                        <a:rPr lang="en-US" altLang="ja-JP" sz="1100" b="1">
+                          <a:solidFill>
+                            <a:srgbClr val="000000"/>
+                          </a:solidFill>
+                          <a:effectLst/>
+                          <a:latin typeface="Hiragino Kaku Gothic ProN" panose="020B0300000000000000" pitchFamily="34" charset="-128"/>
+                          <a:ea typeface="Hiragino Kaku Gothic ProN" panose="020B0300000000000000" pitchFamily="34" charset="-128"/>
+                        </a:rPr>
+                        <a:t>1</a:t>
+                      </a:r>
+                      <a:endParaRPr lang="ja-JP" altLang="en-US" sz="1100">
+                        <a:effectLst/>
+                      </a:endParaRPr>
+                    </a:p>
+                  </a:txBody>
+                  <a:tcPr marL="23047" marR="23047" marT="23047" marB="23047">
+                    <a:lnL w="9525" cap="flat" cmpd="sng" algn="ctr">
+                      <a:solidFill>
+                        <a:srgbClr val="000000"/>
+                      </a:solidFill>
+                      <a:prstDash val="solid"/>
+                      <a:round/>
+                      <a:headEnd type="none" w="med" len="med"/>
+                      <a:tailEnd type="none" w="med" len="med"/>
+                    </a:lnL>
+                    <a:lnR w="9525" cap="flat" cmpd="sng" algn="ctr">
+                      <a:solidFill>
+                        <a:srgbClr val="000000"/>
+                      </a:solidFill>
+                      <a:prstDash val="solid"/>
+                      <a:round/>
+                      <a:headEnd type="none" w="med" len="med"/>
+                      <a:tailEnd type="none" w="med" len="med"/>
+                    </a:lnR>
+                    <a:lnT w="9525" cap="flat" cmpd="sng" algn="ctr">
+                      <a:solidFill>
+                        <a:srgbClr val="000000"/>
+                      </a:solidFill>
+                      <a:prstDash val="solid"/>
+                      <a:round/>
+                      <a:headEnd type="none" w="med" len="med"/>
+                      <a:tailEnd type="none" w="med" len="med"/>
+                    </a:lnT>
+                    <a:lnB w="9525" cap="flat" cmpd="sng" algn="ctr">
+                      <a:solidFill>
+                        <a:srgbClr val="000000"/>
+                      </a:solidFill>
+                      <a:prstDash val="solid"/>
+                      <a:round/>
+                      <a:headEnd type="none" w="med" len="med"/>
+                      <a:tailEnd type="none" w="med" len="med"/>
+                    </a:lnB>
+                    <a:solidFill>
+                      <a:srgbClr val="D4D4D4"/>
+                    </a:solidFill>
+                  </a:tcPr>
+                </a:tc>
+                <a:tc>
+                  <a:txBody>
+                    <a:bodyPr/>
+                    <a:lstStyle/>
+                    <a:p>
+                      <a:r>
+                        <a:rPr lang="en" sz="1100">
+                          <a:solidFill>
+                            <a:srgbClr val="000000"/>
+                          </a:solidFill>
+                          <a:effectLst/>
+                          <a:latin typeface="Hiragino Kaku Gothic ProN" panose="020B0300000000000000" pitchFamily="34" charset="-128"/>
+                          <a:ea typeface="Hiragino Kaku Gothic ProN" panose="020B0300000000000000" pitchFamily="34" charset="-128"/>
+                        </a:rPr>
+                        <a:t>WAIC</a:t>
+                      </a:r>
+                      <a:endParaRPr lang="en" sz="1100">
+                        <a:effectLst/>
+                      </a:endParaRPr>
+                    </a:p>
+                  </a:txBody>
+                  <a:tcPr marL="23047" marR="23047" marT="23047" marB="23047">
+                    <a:lnL w="9525" cap="flat" cmpd="sng" algn="ctr">
+                      <a:solidFill>
+                        <a:srgbClr val="000000"/>
+                      </a:solidFill>
+                      <a:prstDash val="solid"/>
+                      <a:round/>
+                      <a:headEnd type="none" w="med" len="med"/>
+                      <a:tailEnd type="none" w="med" len="med"/>
+                    </a:lnL>
+                    <a:lnR w="9525" cap="flat" cmpd="sng" algn="ctr">
+                      <a:solidFill>
+                        <a:srgbClr val="000000"/>
+                      </a:solidFill>
+                      <a:prstDash val="solid"/>
+                      <a:round/>
+                      <a:headEnd type="none" w="med" len="med"/>
+                      <a:tailEnd type="none" w="med" len="med"/>
+                    </a:lnR>
+                    <a:lnT w="9525" cap="flat" cmpd="sng" algn="ctr">
+                      <a:solidFill>
+                        <a:srgbClr val="000000"/>
+                      </a:solidFill>
+                      <a:prstDash val="solid"/>
+                      <a:round/>
+                      <a:headEnd type="none" w="med" len="med"/>
+                      <a:tailEnd type="none" w="med" len="med"/>
+                    </a:lnT>
+                    <a:lnB w="9525" cap="flat" cmpd="sng" algn="ctr">
+                      <a:solidFill>
+                        <a:srgbClr val="000000"/>
+                      </a:solidFill>
+                      <a:prstDash val="solid"/>
+                      <a:round/>
+                      <a:headEnd type="none" w="med" len="med"/>
+                      <a:tailEnd type="none" w="med" len="med"/>
+                    </a:lnB>
+                  </a:tcPr>
+                </a:tc>
+                <a:tc>
+                  <a:txBody>
+                    <a:bodyPr/>
+                    <a:lstStyle/>
+                    <a:p>
+                      <a:r>
+                        <a:rPr lang="en-US" altLang="ja-JP" sz="1100">
+                          <a:solidFill>
+                            <a:srgbClr val="000000"/>
+                          </a:solidFill>
+                          <a:effectLst/>
+                          <a:latin typeface="Hiragino Kaku Gothic ProN" panose="020B0300000000000000" pitchFamily="34" charset="-128"/>
+                          <a:ea typeface="Hiragino Kaku Gothic ProN" panose="020B0300000000000000" pitchFamily="34" charset="-128"/>
+                        </a:rPr>
+                        <a:t>3102.79458116312</a:t>
+                      </a:r>
+                      <a:endParaRPr lang="ja-JP" altLang="en-US" sz="1100">
+                        <a:effectLst/>
+                      </a:endParaRPr>
+                    </a:p>
+                  </a:txBody>
+                  <a:tcPr marL="23047" marR="23047" marT="23047" marB="23047">
+                    <a:lnL w="9525" cap="flat" cmpd="sng" algn="ctr">
+                      <a:solidFill>
+                        <a:srgbClr val="000000"/>
+                      </a:solidFill>
+                      <a:prstDash val="solid"/>
+                      <a:round/>
+                      <a:headEnd type="none" w="med" len="med"/>
+                      <a:tailEnd type="none" w="med" len="med"/>
+                    </a:lnL>
+                    <a:lnR w="9525" cap="flat" cmpd="sng" algn="ctr">
+                      <a:solidFill>
+                        <a:srgbClr val="000000"/>
+                      </a:solidFill>
+                      <a:prstDash val="solid"/>
+                      <a:round/>
+                      <a:headEnd type="none" w="med" len="med"/>
+                      <a:tailEnd type="none" w="med" len="med"/>
+                    </a:lnR>
+                    <a:lnT w="9525" cap="flat" cmpd="sng" algn="ctr">
+                      <a:solidFill>
+                        <a:srgbClr val="000000"/>
+                      </a:solidFill>
+                      <a:prstDash val="solid"/>
+                      <a:round/>
+                      <a:headEnd type="none" w="med" len="med"/>
+                      <a:tailEnd type="none" w="med" len="med"/>
+                    </a:lnT>
+                    <a:lnB w="9525" cap="flat" cmpd="sng" algn="ctr">
+                      <a:solidFill>
+                        <a:srgbClr val="000000"/>
+                      </a:solidFill>
+                      <a:prstDash val="solid"/>
+                      <a:round/>
+                      <a:headEnd type="none" w="med" len="med"/>
+                      <a:tailEnd type="none" w="med" len="med"/>
+                    </a:lnB>
+                  </a:tcPr>
+                </a:tc>
+                <a:extLst>
+                  <a:ext uri="{0D108BD9-81ED-4DB2-BD59-A6C34878D82A}">
+                    <a16:rowId xmlns:a16="http://schemas.microsoft.com/office/drawing/2014/main" val="880817577"/>
+                  </a:ext>
+                </a:extLst>
+              </a:tr>
+              <a:tr h="422331">
+                <a:tc>
+                  <a:txBody>
+                    <a:bodyPr/>
+                    <a:lstStyle/>
+                    <a:p>
+                      <a:r>
+                        <a:rPr lang="en-US" altLang="ja-JP" sz="1100" b="1">
+                          <a:solidFill>
+                            <a:srgbClr val="000000"/>
+                          </a:solidFill>
+                          <a:effectLst/>
+                          <a:latin typeface="Hiragino Kaku Gothic ProN" panose="020B0300000000000000" pitchFamily="34" charset="-128"/>
+                          <a:ea typeface="Hiragino Kaku Gothic ProN" panose="020B0300000000000000" pitchFamily="34" charset="-128"/>
+                        </a:rPr>
+                        <a:t>2</a:t>
+                      </a:r>
+                      <a:endParaRPr lang="ja-JP" altLang="en-US" sz="1100">
+                        <a:effectLst/>
+                      </a:endParaRPr>
+                    </a:p>
+                  </a:txBody>
+                  <a:tcPr marL="23047" marR="23047" marT="23047" marB="23047">
+                    <a:lnL w="9525" cap="flat" cmpd="sng" algn="ctr">
+                      <a:solidFill>
+                        <a:srgbClr val="000000"/>
+                      </a:solidFill>
+                      <a:prstDash val="solid"/>
+                      <a:round/>
+                      <a:headEnd type="none" w="med" len="med"/>
+                      <a:tailEnd type="none" w="med" len="med"/>
+                    </a:lnL>
+                    <a:lnR w="9525" cap="flat" cmpd="sng" algn="ctr">
+                      <a:solidFill>
+                        <a:srgbClr val="000000"/>
+                      </a:solidFill>
+                      <a:prstDash val="solid"/>
+                      <a:round/>
+                      <a:headEnd type="none" w="med" len="med"/>
+                      <a:tailEnd type="none" w="med" len="med"/>
+                    </a:lnR>
+                    <a:lnT w="9525" cap="flat" cmpd="sng" algn="ctr">
+                      <a:solidFill>
+                        <a:srgbClr val="000000"/>
+                      </a:solidFill>
+                      <a:prstDash val="solid"/>
+                      <a:round/>
+                      <a:headEnd type="none" w="med" len="med"/>
+                      <a:tailEnd type="none" w="med" len="med"/>
+                    </a:lnT>
+                    <a:lnB w="9525" cap="flat" cmpd="sng" algn="ctr">
+                      <a:solidFill>
+                        <a:srgbClr val="000000"/>
+                      </a:solidFill>
+                      <a:prstDash val="solid"/>
+                      <a:round/>
+                      <a:headEnd type="none" w="med" len="med"/>
+                      <a:tailEnd type="none" w="med" len="med"/>
+                    </a:lnB>
+                    <a:solidFill>
+                      <a:srgbClr val="D4D4D4"/>
+                    </a:solidFill>
+                  </a:tcPr>
+                </a:tc>
+                <a:tc>
+                  <a:txBody>
+                    <a:bodyPr/>
+                    <a:lstStyle/>
+                    <a:p>
+                      <a:r>
+                        <a:rPr lang="en" sz="1100">
+                          <a:solidFill>
+                            <a:srgbClr val="000000"/>
+                          </a:solidFill>
+                          <a:effectLst/>
+                          <a:latin typeface="Hiragino Kaku Gothic ProN" panose="020B0300000000000000" pitchFamily="34" charset="-128"/>
+                          <a:ea typeface="Hiragino Kaku Gothic ProN" panose="020B0300000000000000" pitchFamily="34" charset="-128"/>
+                        </a:rPr>
+                        <a:t>ML</a:t>
+                      </a:r>
+                      <a:endParaRPr lang="en" sz="1100">
+                        <a:effectLst/>
+                      </a:endParaRPr>
+                    </a:p>
+                  </a:txBody>
+                  <a:tcPr marL="23047" marR="23047" marT="23047" marB="23047">
+                    <a:lnL w="9525" cap="flat" cmpd="sng" algn="ctr">
+                      <a:solidFill>
+                        <a:srgbClr val="000000"/>
+                      </a:solidFill>
+                      <a:prstDash val="solid"/>
+                      <a:round/>
+                      <a:headEnd type="none" w="med" len="med"/>
+                      <a:tailEnd type="none" w="med" len="med"/>
+                    </a:lnL>
+                    <a:lnR w="9525" cap="flat" cmpd="sng" algn="ctr">
+                      <a:solidFill>
+                        <a:srgbClr val="000000"/>
+                      </a:solidFill>
+                      <a:prstDash val="solid"/>
+                      <a:round/>
+                      <a:headEnd type="none" w="med" len="med"/>
+                      <a:tailEnd type="none" w="med" len="med"/>
+                    </a:lnR>
+                    <a:lnT w="9525" cap="flat" cmpd="sng" algn="ctr">
+                      <a:solidFill>
+                        <a:srgbClr val="000000"/>
+                      </a:solidFill>
+                      <a:prstDash val="solid"/>
+                      <a:round/>
+                      <a:headEnd type="none" w="med" len="med"/>
+                      <a:tailEnd type="none" w="med" len="med"/>
+                    </a:lnT>
+                    <a:lnB w="9525" cap="flat" cmpd="sng" algn="ctr">
+                      <a:solidFill>
+                        <a:srgbClr val="000000"/>
+                      </a:solidFill>
+                      <a:prstDash val="solid"/>
+                      <a:round/>
+                      <a:headEnd type="none" w="med" len="med"/>
+                      <a:tailEnd type="none" w="med" len="med"/>
+                    </a:lnB>
+                  </a:tcPr>
+                </a:tc>
+                <a:tc>
+                  <a:txBody>
+                    <a:bodyPr/>
+                    <a:lstStyle/>
+                    <a:p>
+                      <a:r>
+                        <a:rPr lang="en-US" altLang="ja-JP" sz="1100">
+                          <a:solidFill>
+                            <a:srgbClr val="000000"/>
+                          </a:solidFill>
+                          <a:effectLst/>
+                          <a:latin typeface="Hiragino Kaku Gothic ProN" panose="020B0300000000000000" pitchFamily="34" charset="-128"/>
+                          <a:ea typeface="Hiragino Kaku Gothic ProN" panose="020B0300000000000000" pitchFamily="34" charset="-128"/>
+                        </a:rPr>
+                        <a:t>3066.33583379206</a:t>
+                      </a:r>
+                      <a:endParaRPr lang="ja-JP" altLang="en-US" sz="1100">
+                        <a:effectLst/>
+                      </a:endParaRPr>
+                    </a:p>
+                  </a:txBody>
+                  <a:tcPr marL="23047" marR="23047" marT="23047" marB="23047">
+                    <a:lnL w="9525" cap="flat" cmpd="sng" algn="ctr">
+                      <a:solidFill>
+                        <a:srgbClr val="000000"/>
+                      </a:solidFill>
+                      <a:prstDash val="solid"/>
+                      <a:round/>
+                      <a:headEnd type="none" w="med" len="med"/>
+                      <a:tailEnd type="none" w="med" len="med"/>
+                    </a:lnL>
+                    <a:lnR w="9525" cap="flat" cmpd="sng" algn="ctr">
+                      <a:solidFill>
+                        <a:srgbClr val="000000"/>
+                      </a:solidFill>
+                      <a:prstDash val="solid"/>
+                      <a:round/>
+                      <a:headEnd type="none" w="med" len="med"/>
+                      <a:tailEnd type="none" w="med" len="med"/>
+                    </a:lnR>
+                    <a:lnT w="9525" cap="flat" cmpd="sng" algn="ctr">
+                      <a:solidFill>
+                        <a:srgbClr val="000000"/>
+                      </a:solidFill>
+                      <a:prstDash val="solid"/>
+                      <a:round/>
+                      <a:headEnd type="none" w="med" len="med"/>
+                      <a:tailEnd type="none" w="med" len="med"/>
+                    </a:lnT>
+                    <a:lnB w="9525" cap="flat" cmpd="sng" algn="ctr">
+                      <a:solidFill>
+                        <a:srgbClr val="000000"/>
+                      </a:solidFill>
+                      <a:prstDash val="solid"/>
+                      <a:round/>
+                      <a:headEnd type="none" w="med" len="med"/>
+                      <a:tailEnd type="none" w="med" len="med"/>
+                    </a:lnB>
+                  </a:tcPr>
+                </a:tc>
+                <a:extLst>
+                  <a:ext uri="{0D108BD9-81ED-4DB2-BD59-A6C34878D82A}">
+                    <a16:rowId xmlns:a16="http://schemas.microsoft.com/office/drawing/2014/main" val="2589121111"/>
+                  </a:ext>
+                </a:extLst>
+              </a:tr>
+              <a:tr h="293373">
+                <a:tc>
+                  <a:txBody>
+                    <a:bodyPr/>
+                    <a:lstStyle/>
+                    <a:p>
+                      <a:r>
+                        <a:rPr lang="en-US" altLang="ja-JP" sz="1100" b="1">
+                          <a:solidFill>
+                            <a:srgbClr val="000000"/>
+                          </a:solidFill>
+                          <a:effectLst/>
+                          <a:latin typeface="Hiragino Kaku Gothic ProN" panose="020B0300000000000000" pitchFamily="34" charset="-128"/>
+                          <a:ea typeface="Hiragino Kaku Gothic ProN" panose="020B0300000000000000" pitchFamily="34" charset="-128"/>
+                        </a:rPr>
+                        <a:t>3</a:t>
+                      </a:r>
+                      <a:endParaRPr lang="ja-JP" altLang="en-US" sz="1100">
+                        <a:effectLst/>
+                      </a:endParaRPr>
+                    </a:p>
+                  </a:txBody>
+                  <a:tcPr marL="23047" marR="23047" marT="23047" marB="23047">
+                    <a:lnL w="9525" cap="flat" cmpd="sng" algn="ctr">
+                      <a:solidFill>
+                        <a:srgbClr val="000000"/>
+                      </a:solidFill>
+                      <a:prstDash val="solid"/>
+                      <a:round/>
+                      <a:headEnd type="none" w="med" len="med"/>
+                      <a:tailEnd type="none" w="med" len="med"/>
+                    </a:lnL>
+                    <a:lnR w="9525" cap="flat" cmpd="sng" algn="ctr">
+                      <a:solidFill>
+                        <a:srgbClr val="000000"/>
+                      </a:solidFill>
+                      <a:prstDash val="solid"/>
+                      <a:round/>
+                      <a:headEnd type="none" w="med" len="med"/>
+                      <a:tailEnd type="none" w="med" len="med"/>
+                    </a:lnR>
+                    <a:lnT w="9525" cap="flat" cmpd="sng" algn="ctr">
+                      <a:solidFill>
+                        <a:srgbClr val="000000"/>
+                      </a:solidFill>
+                      <a:prstDash val="solid"/>
+                      <a:round/>
+                      <a:headEnd type="none" w="med" len="med"/>
+                      <a:tailEnd type="none" w="med" len="med"/>
+                    </a:lnT>
+                    <a:lnB w="9525" cap="flat" cmpd="sng" algn="ctr">
+                      <a:solidFill>
+                        <a:srgbClr val="000000"/>
+                      </a:solidFill>
+                      <a:prstDash val="solid"/>
+                      <a:round/>
+                      <a:headEnd type="none" w="med" len="med"/>
+                      <a:tailEnd type="none" w="med" len="med"/>
+                    </a:lnB>
+                    <a:solidFill>
+                      <a:srgbClr val="D4D4D4"/>
+                    </a:solidFill>
+                  </a:tcPr>
+                </a:tc>
+                <a:tc>
+                  <a:txBody>
+                    <a:bodyPr/>
+                    <a:lstStyle/>
+                    <a:p>
+                      <a:r>
+                        <a:rPr lang="en" sz="1100">
+                          <a:solidFill>
+                            <a:srgbClr val="000000"/>
+                          </a:solidFill>
+                          <a:effectLst/>
+                          <a:latin typeface="Hiragino Kaku Gothic ProN" panose="020B0300000000000000" pitchFamily="34" charset="-128"/>
+                          <a:ea typeface="Hiragino Kaku Gothic ProN" panose="020B0300000000000000" pitchFamily="34" charset="-128"/>
+                        </a:rPr>
+                        <a:t>AIC</a:t>
+                      </a:r>
+                      <a:endParaRPr lang="en" sz="1100">
+                        <a:effectLst/>
+                      </a:endParaRPr>
+                    </a:p>
+                  </a:txBody>
+                  <a:tcPr marL="23047" marR="23047" marT="23047" marB="23047">
+                    <a:lnL w="9525" cap="flat" cmpd="sng" algn="ctr">
+                      <a:solidFill>
+                        <a:srgbClr val="000000"/>
+                      </a:solidFill>
+                      <a:prstDash val="solid"/>
+                      <a:round/>
+                      <a:headEnd type="none" w="med" len="med"/>
+                      <a:tailEnd type="none" w="med" len="med"/>
+                    </a:lnL>
+                    <a:lnR w="9525" cap="flat" cmpd="sng" algn="ctr">
+                      <a:solidFill>
+                        <a:srgbClr val="000000"/>
+                      </a:solidFill>
+                      <a:prstDash val="solid"/>
+                      <a:round/>
+                      <a:headEnd type="none" w="med" len="med"/>
+                      <a:tailEnd type="none" w="med" len="med"/>
+                    </a:lnR>
+                    <a:lnT w="9525" cap="flat" cmpd="sng" algn="ctr">
+                      <a:solidFill>
+                        <a:srgbClr val="000000"/>
+                      </a:solidFill>
+                      <a:prstDash val="solid"/>
+                      <a:round/>
+                      <a:headEnd type="none" w="med" len="med"/>
+                      <a:tailEnd type="none" w="med" len="med"/>
+                    </a:lnT>
+                    <a:lnB w="9525" cap="flat" cmpd="sng" algn="ctr">
+                      <a:solidFill>
+                        <a:srgbClr val="000000"/>
+                      </a:solidFill>
+                      <a:prstDash val="solid"/>
+                      <a:round/>
+                      <a:headEnd type="none" w="med" len="med"/>
+                      <a:tailEnd type="none" w="med" len="med"/>
+                    </a:lnB>
+                  </a:tcPr>
+                </a:tc>
+                <a:tc>
+                  <a:txBody>
+                    <a:bodyPr/>
+                    <a:lstStyle/>
+                    <a:p>
+                      <a:r>
+                        <a:rPr lang="en" sz="1100">
+                          <a:solidFill>
+                            <a:srgbClr val="000000"/>
+                          </a:solidFill>
+                          <a:effectLst/>
+                          <a:latin typeface="Hiragino Kaku Gothic ProN" panose="020B0300000000000000" pitchFamily="34" charset="-128"/>
+                          <a:ea typeface="Hiragino Kaku Gothic ProN" panose="020B0300000000000000" pitchFamily="34" charset="-128"/>
+                        </a:rPr>
+                        <a:t>BIC</a:t>
+                      </a:r>
+                      <a:endParaRPr lang="en" sz="1100">
+                        <a:effectLst/>
+                      </a:endParaRPr>
+                    </a:p>
+                  </a:txBody>
+                  <a:tcPr marL="23047" marR="23047" marT="23047" marB="23047">
+                    <a:lnL w="9525" cap="flat" cmpd="sng" algn="ctr">
+                      <a:solidFill>
+                        <a:srgbClr val="000000"/>
+                      </a:solidFill>
+                      <a:prstDash val="solid"/>
+                      <a:round/>
+                      <a:headEnd type="none" w="med" len="med"/>
+                      <a:tailEnd type="none" w="med" len="med"/>
+                    </a:lnL>
+                    <a:lnR w="9525" cap="flat" cmpd="sng" algn="ctr">
+                      <a:solidFill>
+                        <a:srgbClr val="000000"/>
+                      </a:solidFill>
+                      <a:prstDash val="solid"/>
+                      <a:round/>
+                      <a:headEnd type="none" w="med" len="med"/>
+                      <a:tailEnd type="none" w="med" len="med"/>
+                    </a:lnR>
+                    <a:lnT w="9525" cap="flat" cmpd="sng" algn="ctr">
+                      <a:solidFill>
+                        <a:srgbClr val="000000"/>
+                      </a:solidFill>
+                      <a:prstDash val="solid"/>
+                      <a:round/>
+                      <a:headEnd type="none" w="med" len="med"/>
+                      <a:tailEnd type="none" w="med" len="med"/>
+                    </a:lnT>
+                    <a:lnB w="9525" cap="flat" cmpd="sng" algn="ctr">
+                      <a:solidFill>
+                        <a:srgbClr val="000000"/>
+                      </a:solidFill>
+                      <a:prstDash val="solid"/>
+                      <a:round/>
+                      <a:headEnd type="none" w="med" len="med"/>
+                      <a:tailEnd type="none" w="med" len="med"/>
+                    </a:lnB>
+                  </a:tcPr>
+                </a:tc>
+                <a:extLst>
+                  <a:ext uri="{0D108BD9-81ED-4DB2-BD59-A6C34878D82A}">
+                    <a16:rowId xmlns:a16="http://schemas.microsoft.com/office/drawing/2014/main" val="2923073519"/>
+                  </a:ext>
+                </a:extLst>
+              </a:tr>
+              <a:tr h="551289">
+                <a:tc>
+                  <a:txBody>
+                    <a:bodyPr/>
+                    <a:lstStyle/>
+                    <a:p>
+                      <a:r>
+                        <a:rPr lang="en-US" altLang="ja-JP" sz="1100" b="1">
+                          <a:solidFill>
+                            <a:srgbClr val="000000"/>
+                          </a:solidFill>
+                          <a:effectLst/>
+                          <a:latin typeface="Hiragino Kaku Gothic ProN" panose="020B0300000000000000" pitchFamily="34" charset="-128"/>
+                          <a:ea typeface="Hiragino Kaku Gothic ProN" panose="020B0300000000000000" pitchFamily="34" charset="-128"/>
+                        </a:rPr>
+                        <a:t>4</a:t>
+                      </a:r>
+                      <a:endParaRPr lang="ja-JP" altLang="en-US" sz="1100">
+                        <a:effectLst/>
+                      </a:endParaRPr>
+                    </a:p>
+                  </a:txBody>
+                  <a:tcPr marL="23047" marR="23047" marT="23047" marB="23047">
+                    <a:lnL w="9525" cap="flat" cmpd="sng" algn="ctr">
+                      <a:solidFill>
+                        <a:srgbClr val="000000"/>
+                      </a:solidFill>
+                      <a:prstDash val="solid"/>
+                      <a:round/>
+                      <a:headEnd type="none" w="med" len="med"/>
+                      <a:tailEnd type="none" w="med" len="med"/>
+                    </a:lnL>
+                    <a:lnR w="9525" cap="flat" cmpd="sng" algn="ctr">
+                      <a:solidFill>
+                        <a:srgbClr val="000000"/>
+                      </a:solidFill>
+                      <a:prstDash val="solid"/>
+                      <a:round/>
+                      <a:headEnd type="none" w="med" len="med"/>
+                      <a:tailEnd type="none" w="med" len="med"/>
+                    </a:lnR>
+                    <a:lnT w="9525" cap="flat" cmpd="sng" algn="ctr">
+                      <a:solidFill>
+                        <a:srgbClr val="000000"/>
+                      </a:solidFill>
+                      <a:prstDash val="solid"/>
+                      <a:round/>
+                      <a:headEnd type="none" w="med" len="med"/>
+                      <a:tailEnd type="none" w="med" len="med"/>
+                    </a:lnT>
+                    <a:lnB w="9525" cap="flat" cmpd="sng" algn="ctr">
+                      <a:solidFill>
+                        <a:srgbClr val="000000"/>
+                      </a:solidFill>
+                      <a:prstDash val="solid"/>
+                      <a:round/>
+                      <a:headEnd type="none" w="med" len="med"/>
+                      <a:tailEnd type="none" w="med" len="med"/>
+                    </a:lnB>
+                    <a:solidFill>
+                      <a:srgbClr val="D4D4D4"/>
+                    </a:solidFill>
+                  </a:tcPr>
+                </a:tc>
+                <a:tc>
+                  <a:txBody>
+                    <a:bodyPr/>
+                    <a:lstStyle/>
+                    <a:p>
+                      <a:r>
+                        <a:rPr lang="en" sz="1100">
+                          <a:solidFill>
+                            <a:srgbClr val="000000"/>
+                          </a:solidFill>
+                          <a:effectLst/>
+                          <a:latin typeface="Hiragino Kaku Gothic ProN" panose="020B0300000000000000" pitchFamily="34" charset="-128"/>
+                          <a:ea typeface="Hiragino Kaku Gothic ProN" panose="020B0300000000000000" pitchFamily="34" charset="-128"/>
+                        </a:rPr>
+                        <a:t>RhatMax</a:t>
+                      </a:r>
+                      <a:endParaRPr lang="en" sz="1100">
+                        <a:effectLst/>
+                      </a:endParaRPr>
+                    </a:p>
+                  </a:txBody>
+                  <a:tcPr marL="23047" marR="23047" marT="23047" marB="23047">
+                    <a:lnL w="9525" cap="flat" cmpd="sng" algn="ctr">
+                      <a:solidFill>
+                        <a:srgbClr val="000000"/>
+                      </a:solidFill>
+                      <a:prstDash val="solid"/>
+                      <a:round/>
+                      <a:headEnd type="none" w="med" len="med"/>
+                      <a:tailEnd type="none" w="med" len="med"/>
+                    </a:lnL>
+                    <a:lnR w="9525" cap="flat" cmpd="sng" algn="ctr">
+                      <a:solidFill>
+                        <a:srgbClr val="000000"/>
+                      </a:solidFill>
+                      <a:prstDash val="solid"/>
+                      <a:round/>
+                      <a:headEnd type="none" w="med" len="med"/>
+                      <a:tailEnd type="none" w="med" len="med"/>
+                    </a:lnR>
+                    <a:lnT w="9525" cap="flat" cmpd="sng" algn="ctr">
+                      <a:solidFill>
+                        <a:srgbClr val="000000"/>
+                      </a:solidFill>
+                      <a:prstDash val="solid"/>
+                      <a:round/>
+                      <a:headEnd type="none" w="med" len="med"/>
+                      <a:tailEnd type="none" w="med" len="med"/>
+                    </a:lnT>
+                    <a:lnB w="9525" cap="flat" cmpd="sng" algn="ctr">
+                      <a:solidFill>
+                        <a:srgbClr val="000000"/>
+                      </a:solidFill>
+                      <a:prstDash val="solid"/>
+                      <a:round/>
+                      <a:headEnd type="none" w="med" len="med"/>
+                      <a:tailEnd type="none" w="med" len="med"/>
+                    </a:lnB>
+                  </a:tcPr>
+                </a:tc>
+                <a:tc>
+                  <a:txBody>
+                    <a:bodyPr/>
+                    <a:lstStyle/>
+                    <a:p>
+                      <a:r>
+                        <a:rPr lang="en-US" altLang="ja-JP" sz="1100">
+                          <a:solidFill>
+                            <a:srgbClr val="000000"/>
+                          </a:solidFill>
+                          <a:effectLst/>
+                          <a:latin typeface="Hiragino Kaku Gothic ProN" panose="020B0300000000000000" pitchFamily="34" charset="-128"/>
+                          <a:ea typeface="Hiragino Kaku Gothic ProN" panose="020B0300000000000000" pitchFamily="34" charset="-128"/>
+                        </a:rPr>
+                        <a:t>1.00504940833118</a:t>
+                      </a:r>
+                      <a:endParaRPr lang="ja-JP" altLang="en-US" sz="1100">
+                        <a:effectLst/>
+                      </a:endParaRPr>
+                    </a:p>
+                  </a:txBody>
+                  <a:tcPr marL="23047" marR="23047" marT="23047" marB="23047">
+                    <a:lnL w="9525" cap="flat" cmpd="sng" algn="ctr">
+                      <a:solidFill>
+                        <a:srgbClr val="000000"/>
+                      </a:solidFill>
+                      <a:prstDash val="solid"/>
+                      <a:round/>
+                      <a:headEnd type="none" w="med" len="med"/>
+                      <a:tailEnd type="none" w="med" len="med"/>
+                    </a:lnL>
+                    <a:lnR w="9525" cap="flat" cmpd="sng" algn="ctr">
+                      <a:solidFill>
+                        <a:srgbClr val="000000"/>
+                      </a:solidFill>
+                      <a:prstDash val="solid"/>
+                      <a:round/>
+                      <a:headEnd type="none" w="med" len="med"/>
+                      <a:tailEnd type="none" w="med" len="med"/>
+                    </a:lnR>
+                    <a:lnT w="9525" cap="flat" cmpd="sng" algn="ctr">
+                      <a:solidFill>
+                        <a:srgbClr val="000000"/>
+                      </a:solidFill>
+                      <a:prstDash val="solid"/>
+                      <a:round/>
+                      <a:headEnd type="none" w="med" len="med"/>
+                      <a:tailEnd type="none" w="med" len="med"/>
+                    </a:lnT>
+                    <a:lnB w="9525" cap="flat" cmpd="sng" algn="ctr">
+                      <a:solidFill>
+                        <a:srgbClr val="000000"/>
+                      </a:solidFill>
+                      <a:prstDash val="solid"/>
+                      <a:round/>
+                      <a:headEnd type="none" w="med" len="med"/>
+                      <a:tailEnd type="none" w="med" len="med"/>
+                    </a:lnB>
+                  </a:tcPr>
+                </a:tc>
+                <a:extLst>
+                  <a:ext uri="{0D108BD9-81ED-4DB2-BD59-A6C34878D82A}">
+                    <a16:rowId xmlns:a16="http://schemas.microsoft.com/office/drawing/2014/main" val="3039307657"/>
+                  </a:ext>
+                </a:extLst>
+              </a:tr>
+              <a:tr h="551289">
+                <a:tc>
+                  <a:txBody>
+                    <a:bodyPr/>
+                    <a:lstStyle/>
+                    <a:p>
+                      <a:r>
+                        <a:rPr lang="en-US" altLang="ja-JP" sz="1100" b="1">
+                          <a:solidFill>
+                            <a:srgbClr val="000000"/>
+                          </a:solidFill>
+                          <a:effectLst/>
+                          <a:latin typeface="Hiragino Kaku Gothic ProN" panose="020B0300000000000000" pitchFamily="34" charset="-128"/>
+                          <a:ea typeface="Hiragino Kaku Gothic ProN" panose="020B0300000000000000" pitchFamily="34" charset="-128"/>
+                        </a:rPr>
+                        <a:t>5</a:t>
+                      </a:r>
+                      <a:endParaRPr lang="ja-JP" altLang="en-US" sz="1100">
+                        <a:effectLst/>
+                      </a:endParaRPr>
+                    </a:p>
+                  </a:txBody>
+                  <a:tcPr marL="23047" marR="23047" marT="23047" marB="23047">
+                    <a:lnL w="9525" cap="flat" cmpd="sng" algn="ctr">
+                      <a:solidFill>
+                        <a:srgbClr val="000000"/>
+                      </a:solidFill>
+                      <a:prstDash val="solid"/>
+                      <a:round/>
+                      <a:headEnd type="none" w="med" len="med"/>
+                      <a:tailEnd type="none" w="med" len="med"/>
+                    </a:lnL>
+                    <a:lnR w="9525" cap="flat" cmpd="sng" algn="ctr">
+                      <a:solidFill>
+                        <a:srgbClr val="000000"/>
+                      </a:solidFill>
+                      <a:prstDash val="solid"/>
+                      <a:round/>
+                      <a:headEnd type="none" w="med" len="med"/>
+                      <a:tailEnd type="none" w="med" len="med"/>
+                    </a:lnR>
+                    <a:lnT w="9525" cap="flat" cmpd="sng" algn="ctr">
+                      <a:solidFill>
+                        <a:srgbClr val="000000"/>
+                      </a:solidFill>
+                      <a:prstDash val="solid"/>
+                      <a:round/>
+                      <a:headEnd type="none" w="med" len="med"/>
+                      <a:tailEnd type="none" w="med" len="med"/>
+                    </a:lnT>
+                    <a:lnB w="9525" cap="flat" cmpd="sng" algn="ctr">
+                      <a:solidFill>
+                        <a:srgbClr val="000000"/>
+                      </a:solidFill>
+                      <a:prstDash val="solid"/>
+                      <a:round/>
+                      <a:headEnd type="none" w="med" len="med"/>
+                      <a:tailEnd type="none" w="med" len="med"/>
+                    </a:lnB>
+                    <a:solidFill>
+                      <a:srgbClr val="D4D4D4"/>
+                    </a:solidFill>
+                  </a:tcPr>
+                </a:tc>
+                <a:tc>
+                  <a:txBody>
+                    <a:bodyPr/>
+                    <a:lstStyle/>
+                    <a:p>
+                      <a:r>
+                        <a:rPr lang="en" sz="1100">
+                          <a:solidFill>
+                            <a:srgbClr val="000000"/>
+                          </a:solidFill>
+                          <a:effectLst/>
+                          <a:latin typeface="Hiragino Kaku Gothic ProN" panose="020B0300000000000000" pitchFamily="34" charset="-128"/>
+                          <a:ea typeface="Hiragino Kaku Gothic ProN" panose="020B0300000000000000" pitchFamily="34" charset="-128"/>
+                        </a:rPr>
+                        <a:t>RhatMean</a:t>
+                      </a:r>
+                      <a:endParaRPr lang="en" sz="1100">
+                        <a:effectLst/>
+                      </a:endParaRPr>
+                    </a:p>
+                  </a:txBody>
+                  <a:tcPr marL="23047" marR="23047" marT="23047" marB="23047">
+                    <a:lnL w="9525" cap="flat" cmpd="sng" algn="ctr">
+                      <a:solidFill>
+                        <a:srgbClr val="000000"/>
+                      </a:solidFill>
+                      <a:prstDash val="solid"/>
+                      <a:round/>
+                      <a:headEnd type="none" w="med" len="med"/>
+                      <a:tailEnd type="none" w="med" len="med"/>
+                    </a:lnL>
+                    <a:lnR w="9525" cap="flat" cmpd="sng" algn="ctr">
+                      <a:solidFill>
+                        <a:srgbClr val="000000"/>
+                      </a:solidFill>
+                      <a:prstDash val="solid"/>
+                      <a:round/>
+                      <a:headEnd type="none" w="med" len="med"/>
+                      <a:tailEnd type="none" w="med" len="med"/>
+                    </a:lnR>
+                    <a:lnT w="9525" cap="flat" cmpd="sng" algn="ctr">
+                      <a:solidFill>
+                        <a:srgbClr val="000000"/>
+                      </a:solidFill>
+                      <a:prstDash val="solid"/>
+                      <a:round/>
+                      <a:headEnd type="none" w="med" len="med"/>
+                      <a:tailEnd type="none" w="med" len="med"/>
+                    </a:lnT>
+                    <a:lnB w="9525" cap="flat" cmpd="sng" algn="ctr">
+                      <a:solidFill>
+                        <a:srgbClr val="000000"/>
+                      </a:solidFill>
+                      <a:prstDash val="solid"/>
+                      <a:round/>
+                      <a:headEnd type="none" w="med" len="med"/>
+                      <a:tailEnd type="none" w="med" len="med"/>
+                    </a:lnB>
+                  </a:tcPr>
+                </a:tc>
+                <a:tc>
+                  <a:txBody>
+                    <a:bodyPr/>
+                    <a:lstStyle/>
+                    <a:p>
+                      <a:r>
+                        <a:rPr lang="en-US" altLang="ja-JP" sz="1100">
+                          <a:solidFill>
+                            <a:srgbClr val="000000"/>
+                          </a:solidFill>
+                          <a:effectLst/>
+                          <a:latin typeface="Hiragino Kaku Gothic ProN" panose="020B0300000000000000" pitchFamily="34" charset="-128"/>
+                          <a:ea typeface="Hiragino Kaku Gothic ProN" panose="020B0300000000000000" pitchFamily="34" charset="-128"/>
+                        </a:rPr>
+                        <a:t>0.999191570984307</a:t>
+                      </a:r>
+                      <a:endParaRPr lang="ja-JP" altLang="en-US" sz="1100">
+                        <a:effectLst/>
+                      </a:endParaRPr>
+                    </a:p>
+                  </a:txBody>
+                  <a:tcPr marL="23047" marR="23047" marT="23047" marB="23047">
+                    <a:lnL w="9525" cap="flat" cmpd="sng" algn="ctr">
+                      <a:solidFill>
+                        <a:srgbClr val="000000"/>
+                      </a:solidFill>
+                      <a:prstDash val="solid"/>
+                      <a:round/>
+                      <a:headEnd type="none" w="med" len="med"/>
+                      <a:tailEnd type="none" w="med" len="med"/>
+                    </a:lnL>
+                    <a:lnR w="9525" cap="flat" cmpd="sng" algn="ctr">
+                      <a:solidFill>
+                        <a:srgbClr val="000000"/>
+                      </a:solidFill>
+                      <a:prstDash val="solid"/>
+                      <a:round/>
+                      <a:headEnd type="none" w="med" len="med"/>
+                      <a:tailEnd type="none" w="med" len="med"/>
+                    </a:lnR>
+                    <a:lnT w="9525" cap="flat" cmpd="sng" algn="ctr">
+                      <a:solidFill>
+                        <a:srgbClr val="000000"/>
+                      </a:solidFill>
+                      <a:prstDash val="solid"/>
+                      <a:round/>
+                      <a:headEnd type="none" w="med" len="med"/>
+                      <a:tailEnd type="none" w="med" len="med"/>
+                    </a:lnT>
+                    <a:lnB w="9525" cap="flat" cmpd="sng" algn="ctr">
+                      <a:solidFill>
+                        <a:srgbClr val="000000"/>
+                      </a:solidFill>
+                      <a:prstDash val="solid"/>
+                      <a:round/>
+                      <a:headEnd type="none" w="med" len="med"/>
+                      <a:tailEnd type="none" w="med" len="med"/>
+                    </a:lnB>
+                  </a:tcPr>
+                </a:tc>
+                <a:extLst>
+                  <a:ext uri="{0D108BD9-81ED-4DB2-BD59-A6C34878D82A}">
+                    <a16:rowId xmlns:a16="http://schemas.microsoft.com/office/drawing/2014/main" val="3571121511"/>
+                  </a:ext>
+                </a:extLst>
+              </a:tr>
+              <a:tr h="422331">
+                <a:tc>
+                  <a:txBody>
+                    <a:bodyPr/>
+                    <a:lstStyle/>
+                    <a:p>
+                      <a:r>
+                        <a:rPr lang="en-US" altLang="ja-JP" sz="1100" b="1">
+                          <a:solidFill>
+                            <a:srgbClr val="000000"/>
+                          </a:solidFill>
+                          <a:effectLst/>
+                          <a:latin typeface="Hiragino Kaku Gothic ProN" panose="020B0300000000000000" pitchFamily="34" charset="-128"/>
+                          <a:ea typeface="Hiragino Kaku Gothic ProN" panose="020B0300000000000000" pitchFamily="34" charset="-128"/>
+                        </a:rPr>
+                        <a:t>6</a:t>
+                      </a:r>
+                      <a:endParaRPr lang="ja-JP" altLang="en-US" sz="1100">
+                        <a:effectLst/>
+                      </a:endParaRPr>
+                    </a:p>
+                  </a:txBody>
+                  <a:tcPr marL="23047" marR="23047" marT="23047" marB="23047">
+                    <a:lnL w="9525" cap="flat" cmpd="sng" algn="ctr">
+                      <a:solidFill>
+                        <a:srgbClr val="000000"/>
+                      </a:solidFill>
+                      <a:prstDash val="solid"/>
+                      <a:round/>
+                      <a:headEnd type="none" w="med" len="med"/>
+                      <a:tailEnd type="none" w="med" len="med"/>
+                    </a:lnL>
+                    <a:lnR w="9525" cap="flat" cmpd="sng" algn="ctr">
+                      <a:solidFill>
+                        <a:srgbClr val="000000"/>
+                      </a:solidFill>
+                      <a:prstDash val="solid"/>
+                      <a:round/>
+                      <a:headEnd type="none" w="med" len="med"/>
+                      <a:tailEnd type="none" w="med" len="med"/>
+                    </a:lnR>
+                    <a:lnT w="9525" cap="flat" cmpd="sng" algn="ctr">
+                      <a:solidFill>
+                        <a:srgbClr val="000000"/>
+                      </a:solidFill>
+                      <a:prstDash val="solid"/>
+                      <a:round/>
+                      <a:headEnd type="none" w="med" len="med"/>
+                      <a:tailEnd type="none" w="med" len="med"/>
+                    </a:lnT>
+                    <a:lnB w="9525" cap="flat" cmpd="sng" algn="ctr">
+                      <a:solidFill>
+                        <a:srgbClr val="000000"/>
+                      </a:solidFill>
+                      <a:prstDash val="solid"/>
+                      <a:round/>
+                      <a:headEnd type="none" w="med" len="med"/>
+                      <a:tailEnd type="none" w="med" len="med"/>
+                    </a:lnB>
+                    <a:solidFill>
+                      <a:srgbClr val="D4D4D4"/>
+                    </a:solidFill>
+                  </a:tcPr>
+                </a:tc>
+                <a:tc>
+                  <a:txBody>
+                    <a:bodyPr/>
+                    <a:lstStyle/>
+                    <a:p>
+                      <a:r>
+                        <a:rPr lang="en" sz="1100">
+                          <a:solidFill>
+                            <a:srgbClr val="000000"/>
+                          </a:solidFill>
+                          <a:effectLst/>
+                          <a:latin typeface="Hiragino Kaku Gothic ProN" panose="020B0300000000000000" pitchFamily="34" charset="-128"/>
+                          <a:ea typeface="Hiragino Kaku Gothic ProN" panose="020B0300000000000000" pitchFamily="34" charset="-128"/>
+                        </a:rPr>
+                        <a:t>SE Mean</a:t>
+                      </a:r>
+                      <a:endParaRPr lang="en" sz="1100">
+                        <a:effectLst/>
+                      </a:endParaRPr>
+                    </a:p>
+                  </a:txBody>
+                  <a:tcPr marL="23047" marR="23047" marT="23047" marB="23047">
+                    <a:lnL w="9525" cap="flat" cmpd="sng" algn="ctr">
+                      <a:solidFill>
+                        <a:srgbClr val="000000"/>
+                      </a:solidFill>
+                      <a:prstDash val="solid"/>
+                      <a:round/>
+                      <a:headEnd type="none" w="med" len="med"/>
+                      <a:tailEnd type="none" w="med" len="med"/>
+                    </a:lnL>
+                    <a:lnR w="9525" cap="flat" cmpd="sng" algn="ctr">
+                      <a:solidFill>
+                        <a:srgbClr val="000000"/>
+                      </a:solidFill>
+                      <a:prstDash val="solid"/>
+                      <a:round/>
+                      <a:headEnd type="none" w="med" len="med"/>
+                      <a:tailEnd type="none" w="med" len="med"/>
+                    </a:lnR>
+                    <a:lnT w="9525" cap="flat" cmpd="sng" algn="ctr">
+                      <a:solidFill>
+                        <a:srgbClr val="000000"/>
+                      </a:solidFill>
+                      <a:prstDash val="solid"/>
+                      <a:round/>
+                      <a:headEnd type="none" w="med" len="med"/>
+                      <a:tailEnd type="none" w="med" len="med"/>
+                    </a:lnT>
+                    <a:lnB w="9525" cap="flat" cmpd="sng" algn="ctr">
+                      <a:solidFill>
+                        <a:srgbClr val="000000"/>
+                      </a:solidFill>
+                      <a:prstDash val="solid"/>
+                      <a:round/>
+                      <a:headEnd type="none" w="med" len="med"/>
+                      <a:tailEnd type="none" w="med" len="med"/>
+                    </a:lnB>
+                  </a:tcPr>
+                </a:tc>
+                <a:tc>
+                  <a:txBody>
+                    <a:bodyPr/>
+                    <a:lstStyle/>
+                    <a:p>
+                      <a:r>
+                        <a:rPr lang="en-US" altLang="ja-JP" sz="1100">
+                          <a:solidFill>
+                            <a:srgbClr val="000000"/>
+                          </a:solidFill>
+                          <a:effectLst/>
+                          <a:latin typeface="Hiragino Kaku Gothic ProN" panose="020B0300000000000000" pitchFamily="34" charset="-128"/>
+                          <a:ea typeface="Hiragino Kaku Gothic ProN" panose="020B0300000000000000" pitchFamily="34" charset="-128"/>
+                        </a:rPr>
+                        <a:t>0.185610348557121</a:t>
+                      </a:r>
+                      <a:endParaRPr lang="ja-JP" altLang="en-US" sz="1100">
+                        <a:effectLst/>
+                      </a:endParaRPr>
+                    </a:p>
+                  </a:txBody>
+                  <a:tcPr marL="23047" marR="23047" marT="23047" marB="23047">
+                    <a:lnL w="9525" cap="flat" cmpd="sng" algn="ctr">
+                      <a:solidFill>
+                        <a:srgbClr val="000000"/>
+                      </a:solidFill>
+                      <a:prstDash val="solid"/>
+                      <a:round/>
+                      <a:headEnd type="none" w="med" len="med"/>
+                      <a:tailEnd type="none" w="med" len="med"/>
+                    </a:lnL>
+                    <a:lnR w="9525" cap="flat" cmpd="sng" algn="ctr">
+                      <a:solidFill>
+                        <a:srgbClr val="000000"/>
+                      </a:solidFill>
+                      <a:prstDash val="solid"/>
+                      <a:round/>
+                      <a:headEnd type="none" w="med" len="med"/>
+                      <a:tailEnd type="none" w="med" len="med"/>
+                    </a:lnR>
+                    <a:lnT w="9525" cap="flat" cmpd="sng" algn="ctr">
+                      <a:solidFill>
+                        <a:srgbClr val="000000"/>
+                      </a:solidFill>
+                      <a:prstDash val="solid"/>
+                      <a:round/>
+                      <a:headEnd type="none" w="med" len="med"/>
+                      <a:tailEnd type="none" w="med" len="med"/>
+                    </a:lnT>
+                    <a:lnB w="9525" cap="flat" cmpd="sng" algn="ctr">
+                      <a:solidFill>
+                        <a:srgbClr val="000000"/>
+                      </a:solidFill>
+                      <a:prstDash val="solid"/>
+                      <a:round/>
+                      <a:headEnd type="none" w="med" len="med"/>
+                      <a:tailEnd type="none" w="med" len="med"/>
+                    </a:lnB>
+                  </a:tcPr>
+                </a:tc>
+                <a:extLst>
+                  <a:ext uri="{0D108BD9-81ED-4DB2-BD59-A6C34878D82A}">
+                    <a16:rowId xmlns:a16="http://schemas.microsoft.com/office/drawing/2014/main" val="4031413334"/>
+                  </a:ext>
+                </a:extLst>
+              </a:tr>
+              <a:tr h="422331">
+                <a:tc>
+                  <a:txBody>
+                    <a:bodyPr/>
+                    <a:lstStyle/>
+                    <a:p>
+                      <a:r>
+                        <a:rPr lang="en-US" altLang="ja-JP" sz="1100" b="1">
+                          <a:solidFill>
+                            <a:srgbClr val="000000"/>
+                          </a:solidFill>
+                          <a:effectLst/>
+                          <a:latin typeface="Hiragino Kaku Gothic ProN" panose="020B0300000000000000" pitchFamily="34" charset="-128"/>
+                          <a:ea typeface="Hiragino Kaku Gothic ProN" panose="020B0300000000000000" pitchFamily="34" charset="-128"/>
+                        </a:rPr>
+                        <a:t>7</a:t>
+                      </a:r>
+                      <a:endParaRPr lang="ja-JP" altLang="en-US" sz="1100">
+                        <a:effectLst/>
+                      </a:endParaRPr>
+                    </a:p>
+                  </a:txBody>
+                  <a:tcPr marL="23047" marR="23047" marT="23047" marB="23047">
+                    <a:lnL w="9525" cap="flat" cmpd="sng" algn="ctr">
+                      <a:solidFill>
+                        <a:srgbClr val="000000"/>
+                      </a:solidFill>
+                      <a:prstDash val="solid"/>
+                      <a:round/>
+                      <a:headEnd type="none" w="med" len="med"/>
+                      <a:tailEnd type="none" w="med" len="med"/>
+                    </a:lnL>
+                    <a:lnR w="9525" cap="flat" cmpd="sng" algn="ctr">
+                      <a:solidFill>
+                        <a:srgbClr val="000000"/>
+                      </a:solidFill>
+                      <a:prstDash val="solid"/>
+                      <a:round/>
+                      <a:headEnd type="none" w="med" len="med"/>
+                      <a:tailEnd type="none" w="med" len="med"/>
+                    </a:lnR>
+                    <a:lnT w="9525" cap="flat" cmpd="sng" algn="ctr">
+                      <a:solidFill>
+                        <a:srgbClr val="000000"/>
+                      </a:solidFill>
+                      <a:prstDash val="solid"/>
+                      <a:round/>
+                      <a:headEnd type="none" w="med" len="med"/>
+                      <a:tailEnd type="none" w="med" len="med"/>
+                    </a:lnT>
+                    <a:lnB w="9525" cap="flat" cmpd="sng" algn="ctr">
+                      <a:solidFill>
+                        <a:srgbClr val="000000"/>
+                      </a:solidFill>
+                      <a:prstDash val="solid"/>
+                      <a:round/>
+                      <a:headEnd type="none" w="med" len="med"/>
+                      <a:tailEnd type="none" w="med" len="med"/>
+                    </a:lnB>
+                    <a:solidFill>
+                      <a:srgbClr val="D4D4D4"/>
+                    </a:solidFill>
+                  </a:tcPr>
+                </a:tc>
+                <a:tc>
+                  <a:txBody>
+                    <a:bodyPr/>
+                    <a:lstStyle/>
+                    <a:p>
+                      <a:r>
+                        <a:rPr lang="en" sz="1100">
+                          <a:solidFill>
+                            <a:srgbClr val="000000"/>
+                          </a:solidFill>
+                          <a:effectLst/>
+                          <a:latin typeface="Hiragino Kaku Gothic ProN" panose="020B0300000000000000" pitchFamily="34" charset="-128"/>
+                          <a:ea typeface="Hiragino Kaku Gothic ProN" panose="020B0300000000000000" pitchFamily="34" charset="-128"/>
+                        </a:rPr>
+                        <a:t>SE SD</a:t>
+                      </a:r>
+                      <a:endParaRPr lang="en" sz="1100">
+                        <a:effectLst/>
+                      </a:endParaRPr>
+                    </a:p>
+                  </a:txBody>
+                  <a:tcPr marL="23047" marR="23047" marT="23047" marB="23047">
+                    <a:lnL w="9525" cap="flat" cmpd="sng" algn="ctr">
+                      <a:solidFill>
+                        <a:srgbClr val="000000"/>
+                      </a:solidFill>
+                      <a:prstDash val="solid"/>
+                      <a:round/>
+                      <a:headEnd type="none" w="med" len="med"/>
+                      <a:tailEnd type="none" w="med" len="med"/>
+                    </a:lnL>
+                    <a:lnR w="9525" cap="flat" cmpd="sng" algn="ctr">
+                      <a:solidFill>
+                        <a:srgbClr val="000000"/>
+                      </a:solidFill>
+                      <a:prstDash val="solid"/>
+                      <a:round/>
+                      <a:headEnd type="none" w="med" len="med"/>
+                      <a:tailEnd type="none" w="med" len="med"/>
+                    </a:lnR>
+                    <a:lnT w="9525" cap="flat" cmpd="sng" algn="ctr">
+                      <a:solidFill>
+                        <a:srgbClr val="000000"/>
+                      </a:solidFill>
+                      <a:prstDash val="solid"/>
+                      <a:round/>
+                      <a:headEnd type="none" w="med" len="med"/>
+                      <a:tailEnd type="none" w="med" len="med"/>
+                    </a:lnT>
+                    <a:lnB w="9525" cap="flat" cmpd="sng" algn="ctr">
+                      <a:solidFill>
+                        <a:srgbClr val="000000"/>
+                      </a:solidFill>
+                      <a:prstDash val="solid"/>
+                      <a:round/>
+                      <a:headEnd type="none" w="med" len="med"/>
+                      <a:tailEnd type="none" w="med" len="med"/>
+                    </a:lnB>
+                  </a:tcPr>
+                </a:tc>
+                <a:tc>
+                  <a:txBody>
+                    <a:bodyPr/>
+                    <a:lstStyle/>
+                    <a:p>
+                      <a:r>
+                        <a:rPr lang="en-US" altLang="ja-JP" sz="1100" dirty="0">
+                          <a:solidFill>
+                            <a:srgbClr val="000000"/>
+                          </a:solidFill>
+                          <a:effectLst/>
+                          <a:latin typeface="Hiragino Kaku Gothic ProN" panose="020B0300000000000000" pitchFamily="34" charset="-128"/>
+                          <a:ea typeface="Hiragino Kaku Gothic ProN" panose="020B0300000000000000" pitchFamily="34" charset="-128"/>
+                        </a:rPr>
+                        <a:t>0.0108953404778796</a:t>
+                      </a:r>
+                      <a:endParaRPr lang="ja-JP" altLang="en-US" sz="1100">
+                        <a:effectLst/>
+                      </a:endParaRPr>
+                    </a:p>
+                  </a:txBody>
+                  <a:tcPr marL="23047" marR="23047" marT="23047" marB="23047">
+                    <a:lnL w="9525" cap="flat" cmpd="sng" algn="ctr">
+                      <a:solidFill>
+                        <a:srgbClr val="000000"/>
+                      </a:solidFill>
+                      <a:prstDash val="solid"/>
+                      <a:round/>
+                      <a:headEnd type="none" w="med" len="med"/>
+                      <a:tailEnd type="none" w="med" len="med"/>
+                    </a:lnL>
+                    <a:lnR w="9525" cap="flat" cmpd="sng" algn="ctr">
+                      <a:solidFill>
+                        <a:srgbClr val="000000"/>
+                      </a:solidFill>
+                      <a:prstDash val="solid"/>
+                      <a:round/>
+                      <a:headEnd type="none" w="med" len="med"/>
+                      <a:tailEnd type="none" w="med" len="med"/>
+                    </a:lnR>
+                    <a:lnT w="9525" cap="flat" cmpd="sng" algn="ctr">
+                      <a:solidFill>
+                        <a:srgbClr val="000000"/>
+                      </a:solidFill>
+                      <a:prstDash val="solid"/>
+                      <a:round/>
+                      <a:headEnd type="none" w="med" len="med"/>
+                      <a:tailEnd type="none" w="med" len="med"/>
+                    </a:lnT>
+                    <a:lnB w="9525" cap="flat" cmpd="sng" algn="ctr">
+                      <a:solidFill>
+                        <a:srgbClr val="000000"/>
+                      </a:solidFill>
+                      <a:prstDash val="solid"/>
+                      <a:round/>
+                      <a:headEnd type="none" w="med" len="med"/>
+                      <a:tailEnd type="none" w="med" len="med"/>
+                    </a:lnB>
+                  </a:tcPr>
+                </a:tc>
+                <a:extLst>
+                  <a:ext uri="{0D108BD9-81ED-4DB2-BD59-A6C34878D82A}">
+                    <a16:rowId xmlns:a16="http://schemas.microsoft.com/office/drawing/2014/main" val="2505681690"/>
+                  </a:ext>
+                </a:extLst>
+              </a:tr>
+            </a:tbl>
+          </a:graphicData>
+        </a:graphic>
+      </p:graphicFrame>
+      <p:graphicFrame>
+        <p:nvGraphicFramePr>
+          <p:cNvPr id="8" name="表 7">
+            <a:extLst>
+              <a:ext uri="{FF2B5EF4-FFF2-40B4-BE49-F238E27FC236}">
+                <a16:creationId xmlns:a16="http://schemas.microsoft.com/office/drawing/2014/main" id="{964C803E-C380-2944-BA1A-F2023D667D25}"/>
+              </a:ext>
+            </a:extLst>
+          </p:cNvPr>
+          <p:cNvGraphicFramePr>
+            <a:graphicFrameLocks noGrp="1"/>
+          </p:cNvGraphicFramePr>
+          <p:nvPr>
+            <p:extLst>
+              <p:ext uri="{D42A27DB-BD31-4B8C-83A1-F6EECF244321}">
+                <p14:modId xmlns:p14="http://schemas.microsoft.com/office/powerpoint/2010/main" val="610704958"/>
+              </p:ext>
+            </p:extLst>
+          </p:nvPr>
+        </p:nvGraphicFramePr>
+        <p:xfrm>
+          <a:off x="4202130" y="2395812"/>
+          <a:ext cx="3452117" cy="3531652"/>
+        </p:xfrm>
+        <a:graphic>
+          <a:graphicData uri="http://schemas.openxmlformats.org/drawingml/2006/table">
+            <a:tbl>
+              <a:tblPr/>
+              <a:tblGrid>
+                <a:gridCol w="410252">
+                  <a:extLst>
+                    <a:ext uri="{9D8B030D-6E8A-4147-A177-3AD203B41FA5}">
+                      <a16:colId xmlns:a16="http://schemas.microsoft.com/office/drawing/2014/main" val="3073543668"/>
+                    </a:ext>
+                  </a:extLst>
+                </a:gridCol>
+                <a:gridCol w="1341315">
+                  <a:extLst>
+                    <a:ext uri="{9D8B030D-6E8A-4147-A177-3AD203B41FA5}">
+                      <a16:colId xmlns:a16="http://schemas.microsoft.com/office/drawing/2014/main" val="272948102"/>
+                    </a:ext>
+                  </a:extLst>
+                </a:gridCol>
+                <a:gridCol w="1700550">
+                  <a:extLst>
+                    <a:ext uri="{9D8B030D-6E8A-4147-A177-3AD203B41FA5}">
+                      <a16:colId xmlns:a16="http://schemas.microsoft.com/office/drawing/2014/main" val="2758767716"/>
+                    </a:ext>
+                  </a:extLst>
+                </a:gridCol>
+              </a:tblGrid>
+              <a:tr h="349095">
+                <a:tc>
+                  <a:txBody>
+                    <a:bodyPr/>
+                    <a:lstStyle/>
+                    <a:p>
+                      <a:br>
+                        <a:rPr lang="ja-JP" altLang="en-US" sz="1100">
+                          <a:effectLst/>
+                          <a:latin typeface="Helvetica" pitchFamily="2" charset="0"/>
+                        </a:rPr>
+                      </a:br>
+                      <a:endParaRPr lang="ja-JP" altLang="en-US" sz="1100">
+                        <a:effectLst/>
+                        <a:latin typeface="Helvetica" pitchFamily="2" charset="0"/>
+                      </a:endParaRPr>
+                    </a:p>
+                  </a:txBody>
+                  <a:tcPr marL="23047" marR="23047" marT="23047" marB="23047">
+                    <a:lnL w="9525" cap="flat" cmpd="sng" algn="ctr">
+                      <a:solidFill>
+                        <a:srgbClr val="000000"/>
+                      </a:solidFill>
+                      <a:prstDash val="solid"/>
+                      <a:round/>
+                      <a:headEnd type="none" w="med" len="med"/>
+                      <a:tailEnd type="none" w="med" len="med"/>
+                    </a:lnL>
+                    <a:lnR w="9525" cap="flat" cmpd="sng" algn="ctr">
+                      <a:solidFill>
+                        <a:srgbClr val="000000"/>
+                      </a:solidFill>
+                      <a:prstDash val="solid"/>
+                      <a:round/>
+                      <a:headEnd type="none" w="med" len="med"/>
+                      <a:tailEnd type="none" w="med" len="med"/>
+                    </a:lnR>
+                    <a:lnT w="9525" cap="flat" cmpd="sng" algn="ctr">
+                      <a:solidFill>
+                        <a:srgbClr val="000000"/>
+                      </a:solidFill>
+                      <a:prstDash val="solid"/>
+                      <a:round/>
+                      <a:headEnd type="none" w="med" len="med"/>
+                      <a:tailEnd type="none" w="med" len="med"/>
+                    </a:lnT>
+                    <a:lnB w="9525" cap="flat" cmpd="sng" algn="ctr">
+                      <a:solidFill>
+                        <a:srgbClr val="000000"/>
+                      </a:solidFill>
+                      <a:prstDash val="solid"/>
+                      <a:round/>
+                      <a:headEnd type="none" w="med" len="med"/>
+                      <a:tailEnd type="none" w="med" len="med"/>
+                    </a:lnB>
+                    <a:solidFill>
+                      <a:srgbClr val="B0B3B2"/>
+                    </a:solidFill>
+                  </a:tcPr>
+                </a:tc>
+                <a:tc>
+                  <a:txBody>
+                    <a:bodyPr/>
+                    <a:lstStyle/>
+                    <a:p>
+                      <a:r>
+                        <a:rPr lang="en" sz="1100" b="1">
+                          <a:solidFill>
+                            <a:srgbClr val="000000"/>
+                          </a:solidFill>
+                          <a:effectLst/>
+                          <a:latin typeface="Hiragino Kaku Gothic ProN" panose="020B0300000000000000" pitchFamily="34" charset="-128"/>
+                          <a:ea typeface="Hiragino Kaku Gothic ProN" panose="020B0300000000000000" pitchFamily="34" charset="-128"/>
+                        </a:rPr>
+                        <a:t>V1</a:t>
+                      </a:r>
+                      <a:endParaRPr lang="en" sz="1100">
+                        <a:effectLst/>
+                      </a:endParaRPr>
+                    </a:p>
+                  </a:txBody>
+                  <a:tcPr marL="23047" marR="23047" marT="23047" marB="23047">
+                    <a:lnL w="9525" cap="flat" cmpd="sng" algn="ctr">
+                      <a:solidFill>
+                        <a:srgbClr val="000000"/>
+                      </a:solidFill>
+                      <a:prstDash val="solid"/>
+                      <a:round/>
+                      <a:headEnd type="none" w="med" len="med"/>
+                      <a:tailEnd type="none" w="med" len="med"/>
+                    </a:lnL>
+                    <a:lnR w="9525" cap="flat" cmpd="sng" algn="ctr">
+                      <a:solidFill>
+                        <a:srgbClr val="000000"/>
+                      </a:solidFill>
+                      <a:prstDash val="solid"/>
+                      <a:round/>
+                      <a:headEnd type="none" w="med" len="med"/>
+                      <a:tailEnd type="none" w="med" len="med"/>
+                    </a:lnR>
+                    <a:lnT w="9525" cap="flat" cmpd="sng" algn="ctr">
+                      <a:solidFill>
+                        <a:srgbClr val="000000"/>
+                      </a:solidFill>
+                      <a:prstDash val="solid"/>
+                      <a:round/>
+                      <a:headEnd type="none" w="med" len="med"/>
+                      <a:tailEnd type="none" w="med" len="med"/>
+                    </a:lnT>
+                    <a:lnB w="9525" cap="flat" cmpd="sng" algn="ctr">
+                      <a:solidFill>
+                        <a:srgbClr val="000000"/>
+                      </a:solidFill>
+                      <a:prstDash val="solid"/>
+                      <a:round/>
+                      <a:headEnd type="none" w="med" len="med"/>
+                      <a:tailEnd type="none" w="med" len="med"/>
+                    </a:lnB>
+                    <a:solidFill>
+                      <a:srgbClr val="B0B3B2"/>
+                    </a:solidFill>
+                  </a:tcPr>
+                </a:tc>
+                <a:tc>
+                  <a:txBody>
+                    <a:bodyPr/>
+                    <a:lstStyle/>
+                    <a:p>
+                      <a:r>
+                        <a:rPr lang="en" sz="1100" b="1">
+                          <a:solidFill>
+                            <a:srgbClr val="000000"/>
+                          </a:solidFill>
+                          <a:effectLst/>
+                          <a:latin typeface="Hiragino Kaku Gothic ProN" panose="020B0300000000000000" pitchFamily="34" charset="-128"/>
+                          <a:ea typeface="Hiragino Kaku Gothic ProN" panose="020B0300000000000000" pitchFamily="34" charset="-128"/>
+                        </a:rPr>
+                        <a:t>V2</a:t>
+                      </a:r>
+                      <a:endParaRPr lang="en" sz="1100">
+                        <a:effectLst/>
+                      </a:endParaRPr>
+                    </a:p>
+                  </a:txBody>
+                  <a:tcPr marL="23047" marR="23047" marT="23047" marB="23047">
+                    <a:lnL w="9525" cap="flat" cmpd="sng" algn="ctr">
+                      <a:solidFill>
+                        <a:srgbClr val="000000"/>
+                      </a:solidFill>
+                      <a:prstDash val="solid"/>
+                      <a:round/>
+                      <a:headEnd type="none" w="med" len="med"/>
+                      <a:tailEnd type="none" w="med" len="med"/>
+                    </a:lnL>
+                    <a:lnR w="9525" cap="flat" cmpd="sng" algn="ctr">
+                      <a:solidFill>
+                        <a:srgbClr val="000000"/>
+                      </a:solidFill>
+                      <a:prstDash val="solid"/>
+                      <a:round/>
+                      <a:headEnd type="none" w="med" len="med"/>
+                      <a:tailEnd type="none" w="med" len="med"/>
+                    </a:lnR>
+                    <a:lnT w="9525" cap="flat" cmpd="sng" algn="ctr">
+                      <a:solidFill>
+                        <a:srgbClr val="000000"/>
+                      </a:solidFill>
+                      <a:prstDash val="solid"/>
+                      <a:round/>
+                      <a:headEnd type="none" w="med" len="med"/>
+                      <a:tailEnd type="none" w="med" len="med"/>
+                    </a:lnT>
+                    <a:lnB w="9525" cap="flat" cmpd="sng" algn="ctr">
+                      <a:solidFill>
+                        <a:srgbClr val="000000"/>
+                      </a:solidFill>
+                      <a:prstDash val="solid"/>
+                      <a:round/>
+                      <a:headEnd type="none" w="med" len="med"/>
+                      <a:tailEnd type="none" w="med" len="med"/>
+                    </a:lnB>
+                    <a:solidFill>
+                      <a:srgbClr val="B0B3B2"/>
+                    </a:solidFill>
+                  </a:tcPr>
+                </a:tc>
+                <a:extLst>
+                  <a:ext uri="{0D108BD9-81ED-4DB2-BD59-A6C34878D82A}">
+                    <a16:rowId xmlns:a16="http://schemas.microsoft.com/office/drawing/2014/main" val="1029093255"/>
+                  </a:ext>
+                </a:extLst>
+              </a:tr>
+              <a:tr h="431229">
+                <a:tc>
+                  <a:txBody>
+                    <a:bodyPr/>
+                    <a:lstStyle/>
+                    <a:p>
+                      <a:r>
+                        <a:rPr lang="en-US" altLang="ja-JP" sz="1100" b="1">
+                          <a:solidFill>
+                            <a:srgbClr val="000000"/>
+                          </a:solidFill>
+                          <a:effectLst/>
+                          <a:latin typeface="Hiragino Kaku Gothic ProN" panose="020B0300000000000000" pitchFamily="34" charset="-128"/>
+                          <a:ea typeface="Hiragino Kaku Gothic ProN" panose="020B0300000000000000" pitchFamily="34" charset="-128"/>
+                        </a:rPr>
+                        <a:t>1</a:t>
+                      </a:r>
+                      <a:endParaRPr lang="ja-JP" altLang="en-US" sz="1100">
+                        <a:effectLst/>
+                      </a:endParaRPr>
+                    </a:p>
+                  </a:txBody>
+                  <a:tcPr marL="23047" marR="23047" marT="23047" marB="23047">
+                    <a:lnL w="9525" cap="flat" cmpd="sng" algn="ctr">
+                      <a:solidFill>
+                        <a:srgbClr val="000000"/>
+                      </a:solidFill>
+                      <a:prstDash val="solid"/>
+                      <a:round/>
+                      <a:headEnd type="none" w="med" len="med"/>
+                      <a:tailEnd type="none" w="med" len="med"/>
+                    </a:lnL>
+                    <a:lnR w="9525" cap="flat" cmpd="sng" algn="ctr">
+                      <a:solidFill>
+                        <a:srgbClr val="000000"/>
+                      </a:solidFill>
+                      <a:prstDash val="solid"/>
+                      <a:round/>
+                      <a:headEnd type="none" w="med" len="med"/>
+                      <a:tailEnd type="none" w="med" len="med"/>
+                    </a:lnR>
+                    <a:lnT w="9525" cap="flat" cmpd="sng" algn="ctr">
+                      <a:solidFill>
+                        <a:srgbClr val="000000"/>
+                      </a:solidFill>
+                      <a:prstDash val="solid"/>
+                      <a:round/>
+                      <a:headEnd type="none" w="med" len="med"/>
+                      <a:tailEnd type="none" w="med" len="med"/>
+                    </a:lnT>
+                    <a:lnB w="9525" cap="flat" cmpd="sng" algn="ctr">
+                      <a:solidFill>
+                        <a:srgbClr val="000000"/>
+                      </a:solidFill>
+                      <a:prstDash val="solid"/>
+                      <a:round/>
+                      <a:headEnd type="none" w="med" len="med"/>
+                      <a:tailEnd type="none" w="med" len="med"/>
+                    </a:lnB>
+                    <a:solidFill>
+                      <a:srgbClr val="D4D4D4"/>
+                    </a:solidFill>
+                  </a:tcPr>
+                </a:tc>
+                <a:tc>
+                  <a:txBody>
+                    <a:bodyPr/>
+                    <a:lstStyle/>
+                    <a:p>
+                      <a:r>
+                        <a:rPr lang="en" sz="1100">
+                          <a:solidFill>
+                            <a:srgbClr val="000000"/>
+                          </a:solidFill>
+                          <a:effectLst/>
+                          <a:latin typeface="Hiragino Kaku Gothic ProN" panose="020B0300000000000000" pitchFamily="34" charset="-128"/>
+                          <a:ea typeface="Hiragino Kaku Gothic ProN" panose="020B0300000000000000" pitchFamily="34" charset="-128"/>
+                        </a:rPr>
+                        <a:t>WAIC</a:t>
+                      </a:r>
+                      <a:endParaRPr lang="en" sz="1100">
+                        <a:effectLst/>
+                      </a:endParaRPr>
+                    </a:p>
+                  </a:txBody>
+                  <a:tcPr marL="23047" marR="23047" marT="23047" marB="23047">
+                    <a:lnL w="9525" cap="flat" cmpd="sng" algn="ctr">
+                      <a:solidFill>
+                        <a:srgbClr val="000000"/>
+                      </a:solidFill>
+                      <a:prstDash val="solid"/>
+                      <a:round/>
+                      <a:headEnd type="none" w="med" len="med"/>
+                      <a:tailEnd type="none" w="med" len="med"/>
+                    </a:lnL>
+                    <a:lnR w="9525" cap="flat" cmpd="sng" algn="ctr">
+                      <a:solidFill>
+                        <a:srgbClr val="000000"/>
+                      </a:solidFill>
+                      <a:prstDash val="solid"/>
+                      <a:round/>
+                      <a:headEnd type="none" w="med" len="med"/>
+                      <a:tailEnd type="none" w="med" len="med"/>
+                    </a:lnR>
+                    <a:lnT w="9525" cap="flat" cmpd="sng" algn="ctr">
+                      <a:solidFill>
+                        <a:srgbClr val="000000"/>
+                      </a:solidFill>
+                      <a:prstDash val="solid"/>
+                      <a:round/>
+                      <a:headEnd type="none" w="med" len="med"/>
+                      <a:tailEnd type="none" w="med" len="med"/>
+                    </a:lnT>
+                    <a:lnB w="9525" cap="flat" cmpd="sng" algn="ctr">
+                      <a:solidFill>
+                        <a:srgbClr val="000000"/>
+                      </a:solidFill>
+                      <a:prstDash val="solid"/>
+                      <a:round/>
+                      <a:headEnd type="none" w="med" len="med"/>
+                      <a:tailEnd type="none" w="med" len="med"/>
+                    </a:lnB>
+                  </a:tcPr>
+                </a:tc>
+                <a:tc>
+                  <a:txBody>
+                    <a:bodyPr/>
+                    <a:lstStyle/>
+                    <a:p>
+                      <a:r>
+                        <a:rPr lang="en-US" altLang="ja-JP" sz="1100">
+                          <a:solidFill>
+                            <a:srgbClr val="000000"/>
+                          </a:solidFill>
+                          <a:effectLst/>
+                          <a:latin typeface="Hiragino Kaku Gothic ProN" panose="020B0300000000000000" pitchFamily="34" charset="-128"/>
+                          <a:ea typeface="Hiragino Kaku Gothic ProN" panose="020B0300000000000000" pitchFamily="34" charset="-128"/>
+                        </a:rPr>
+                        <a:t>3008.71066185824</a:t>
+                      </a:r>
+                      <a:endParaRPr lang="ja-JP" altLang="en-US" sz="1100">
+                        <a:effectLst/>
+                      </a:endParaRPr>
+                    </a:p>
+                  </a:txBody>
+                  <a:tcPr marL="23047" marR="23047" marT="23047" marB="23047">
+                    <a:lnL w="9525" cap="flat" cmpd="sng" algn="ctr">
+                      <a:solidFill>
+                        <a:srgbClr val="000000"/>
+                      </a:solidFill>
+                      <a:prstDash val="solid"/>
+                      <a:round/>
+                      <a:headEnd type="none" w="med" len="med"/>
+                      <a:tailEnd type="none" w="med" len="med"/>
+                    </a:lnL>
+                    <a:lnR w="9525" cap="flat" cmpd="sng" algn="ctr">
+                      <a:solidFill>
+                        <a:srgbClr val="000000"/>
+                      </a:solidFill>
+                      <a:prstDash val="solid"/>
+                      <a:round/>
+                      <a:headEnd type="none" w="med" len="med"/>
+                      <a:tailEnd type="none" w="med" len="med"/>
+                    </a:lnR>
+                    <a:lnT w="9525" cap="flat" cmpd="sng" algn="ctr">
+                      <a:solidFill>
+                        <a:srgbClr val="000000"/>
+                      </a:solidFill>
+                      <a:prstDash val="solid"/>
+                      <a:round/>
+                      <a:headEnd type="none" w="med" len="med"/>
+                      <a:tailEnd type="none" w="med" len="med"/>
+                    </a:lnT>
+                    <a:lnB w="9525" cap="flat" cmpd="sng" algn="ctr">
+                      <a:solidFill>
+                        <a:srgbClr val="000000"/>
+                      </a:solidFill>
+                      <a:prstDash val="solid"/>
+                      <a:round/>
+                      <a:headEnd type="none" w="med" len="med"/>
+                      <a:tailEnd type="none" w="med" len="med"/>
+                    </a:lnB>
+                  </a:tcPr>
+                </a:tc>
+                <a:extLst>
+                  <a:ext uri="{0D108BD9-81ED-4DB2-BD59-A6C34878D82A}">
+                    <a16:rowId xmlns:a16="http://schemas.microsoft.com/office/drawing/2014/main" val="2521300987"/>
+                  </a:ext>
+                </a:extLst>
+              </a:tr>
+              <a:tr h="431229">
+                <a:tc>
+                  <a:txBody>
+                    <a:bodyPr/>
+                    <a:lstStyle/>
+                    <a:p>
+                      <a:r>
+                        <a:rPr lang="en-US" altLang="ja-JP" sz="1100" b="1">
+                          <a:solidFill>
+                            <a:srgbClr val="000000"/>
+                          </a:solidFill>
+                          <a:effectLst/>
+                          <a:latin typeface="Hiragino Kaku Gothic ProN" panose="020B0300000000000000" pitchFamily="34" charset="-128"/>
+                          <a:ea typeface="Hiragino Kaku Gothic ProN" panose="020B0300000000000000" pitchFamily="34" charset="-128"/>
+                        </a:rPr>
+                        <a:t>2</a:t>
+                      </a:r>
+                      <a:endParaRPr lang="ja-JP" altLang="en-US" sz="1100">
+                        <a:effectLst/>
+                      </a:endParaRPr>
+                    </a:p>
+                  </a:txBody>
+                  <a:tcPr marL="23047" marR="23047" marT="23047" marB="23047">
+                    <a:lnL w="9525" cap="flat" cmpd="sng" algn="ctr">
+                      <a:solidFill>
+                        <a:srgbClr val="000000"/>
+                      </a:solidFill>
+                      <a:prstDash val="solid"/>
+                      <a:round/>
+                      <a:headEnd type="none" w="med" len="med"/>
+                      <a:tailEnd type="none" w="med" len="med"/>
+                    </a:lnL>
+                    <a:lnR w="9525" cap="flat" cmpd="sng" algn="ctr">
+                      <a:solidFill>
+                        <a:srgbClr val="000000"/>
+                      </a:solidFill>
+                      <a:prstDash val="solid"/>
+                      <a:round/>
+                      <a:headEnd type="none" w="med" len="med"/>
+                      <a:tailEnd type="none" w="med" len="med"/>
+                    </a:lnR>
+                    <a:lnT w="9525" cap="flat" cmpd="sng" algn="ctr">
+                      <a:solidFill>
+                        <a:srgbClr val="000000"/>
+                      </a:solidFill>
+                      <a:prstDash val="solid"/>
+                      <a:round/>
+                      <a:headEnd type="none" w="med" len="med"/>
+                      <a:tailEnd type="none" w="med" len="med"/>
+                    </a:lnT>
+                    <a:lnB w="9525" cap="flat" cmpd="sng" algn="ctr">
+                      <a:solidFill>
+                        <a:srgbClr val="000000"/>
+                      </a:solidFill>
+                      <a:prstDash val="solid"/>
+                      <a:round/>
+                      <a:headEnd type="none" w="med" len="med"/>
+                      <a:tailEnd type="none" w="med" len="med"/>
+                    </a:lnB>
+                    <a:solidFill>
+                      <a:srgbClr val="D4D4D4"/>
+                    </a:solidFill>
+                  </a:tcPr>
+                </a:tc>
+                <a:tc>
+                  <a:txBody>
+                    <a:bodyPr/>
+                    <a:lstStyle/>
+                    <a:p>
+                      <a:r>
+                        <a:rPr lang="en" sz="1100">
+                          <a:solidFill>
+                            <a:srgbClr val="000000"/>
+                          </a:solidFill>
+                          <a:effectLst/>
+                          <a:latin typeface="Hiragino Kaku Gothic ProN" panose="020B0300000000000000" pitchFamily="34" charset="-128"/>
+                          <a:ea typeface="Hiragino Kaku Gothic ProN" panose="020B0300000000000000" pitchFamily="34" charset="-128"/>
+                        </a:rPr>
+                        <a:t>ML</a:t>
+                      </a:r>
+                      <a:endParaRPr lang="en" sz="1100">
+                        <a:effectLst/>
+                      </a:endParaRPr>
+                    </a:p>
+                  </a:txBody>
+                  <a:tcPr marL="23047" marR="23047" marT="23047" marB="23047">
+                    <a:lnL w="9525" cap="flat" cmpd="sng" algn="ctr">
+                      <a:solidFill>
+                        <a:srgbClr val="000000"/>
+                      </a:solidFill>
+                      <a:prstDash val="solid"/>
+                      <a:round/>
+                      <a:headEnd type="none" w="med" len="med"/>
+                      <a:tailEnd type="none" w="med" len="med"/>
+                    </a:lnL>
+                    <a:lnR w="9525" cap="flat" cmpd="sng" algn="ctr">
+                      <a:solidFill>
+                        <a:srgbClr val="000000"/>
+                      </a:solidFill>
+                      <a:prstDash val="solid"/>
+                      <a:round/>
+                      <a:headEnd type="none" w="med" len="med"/>
+                      <a:tailEnd type="none" w="med" len="med"/>
+                    </a:lnR>
+                    <a:lnT w="9525" cap="flat" cmpd="sng" algn="ctr">
+                      <a:solidFill>
+                        <a:srgbClr val="000000"/>
+                      </a:solidFill>
+                      <a:prstDash val="solid"/>
+                      <a:round/>
+                      <a:headEnd type="none" w="med" len="med"/>
+                      <a:tailEnd type="none" w="med" len="med"/>
+                    </a:lnT>
+                    <a:lnB w="9525" cap="flat" cmpd="sng" algn="ctr">
+                      <a:solidFill>
+                        <a:srgbClr val="000000"/>
+                      </a:solidFill>
+                      <a:prstDash val="solid"/>
+                      <a:round/>
+                      <a:headEnd type="none" w="med" len="med"/>
+                      <a:tailEnd type="none" w="med" len="med"/>
+                    </a:lnB>
+                  </a:tcPr>
+                </a:tc>
+                <a:tc>
+                  <a:txBody>
+                    <a:bodyPr/>
+                    <a:lstStyle/>
+                    <a:p>
+                      <a:r>
+                        <a:rPr lang="en-US" altLang="ja-JP" sz="1100" dirty="0">
+                          <a:solidFill>
+                            <a:srgbClr val="000000"/>
+                          </a:solidFill>
+                          <a:effectLst/>
+                          <a:latin typeface="Hiragino Kaku Gothic ProN" panose="020B0300000000000000" pitchFamily="34" charset="-128"/>
+                          <a:ea typeface="Hiragino Kaku Gothic ProN" panose="020B0300000000000000" pitchFamily="34" charset="-128"/>
+                        </a:rPr>
+                        <a:t>2867.28750062606</a:t>
+                      </a:r>
+                      <a:endParaRPr lang="ja-JP" altLang="en-US" sz="1100">
+                        <a:effectLst/>
+                      </a:endParaRPr>
+                    </a:p>
+                  </a:txBody>
+                  <a:tcPr marL="23047" marR="23047" marT="23047" marB="23047">
+                    <a:lnL w="9525" cap="flat" cmpd="sng" algn="ctr">
+                      <a:solidFill>
+                        <a:srgbClr val="000000"/>
+                      </a:solidFill>
+                      <a:prstDash val="solid"/>
+                      <a:round/>
+                      <a:headEnd type="none" w="med" len="med"/>
+                      <a:tailEnd type="none" w="med" len="med"/>
+                    </a:lnL>
+                    <a:lnR w="9525" cap="flat" cmpd="sng" algn="ctr">
+                      <a:solidFill>
+                        <a:srgbClr val="000000"/>
+                      </a:solidFill>
+                      <a:prstDash val="solid"/>
+                      <a:round/>
+                      <a:headEnd type="none" w="med" len="med"/>
+                      <a:tailEnd type="none" w="med" len="med"/>
+                    </a:lnR>
+                    <a:lnT w="9525" cap="flat" cmpd="sng" algn="ctr">
+                      <a:solidFill>
+                        <a:srgbClr val="000000"/>
+                      </a:solidFill>
+                      <a:prstDash val="solid"/>
+                      <a:round/>
+                      <a:headEnd type="none" w="med" len="med"/>
+                      <a:tailEnd type="none" w="med" len="med"/>
+                    </a:lnT>
+                    <a:lnB w="9525" cap="flat" cmpd="sng" algn="ctr">
+                      <a:solidFill>
+                        <a:srgbClr val="000000"/>
+                      </a:solidFill>
+                      <a:prstDash val="solid"/>
+                      <a:round/>
+                      <a:headEnd type="none" w="med" len="med"/>
+                      <a:tailEnd type="none" w="med" len="med"/>
+                    </a:lnB>
+                  </a:tcPr>
+                </a:tc>
+                <a:extLst>
+                  <a:ext uri="{0D108BD9-81ED-4DB2-BD59-A6C34878D82A}">
+                    <a16:rowId xmlns:a16="http://schemas.microsoft.com/office/drawing/2014/main" val="2107808659"/>
+                  </a:ext>
+                </a:extLst>
+              </a:tr>
+              <a:tr h="299554">
+                <a:tc>
+                  <a:txBody>
+                    <a:bodyPr/>
+                    <a:lstStyle/>
+                    <a:p>
+                      <a:r>
+                        <a:rPr lang="en-US" altLang="ja-JP" sz="1100" b="1">
+                          <a:solidFill>
+                            <a:srgbClr val="000000"/>
+                          </a:solidFill>
+                          <a:effectLst/>
+                          <a:latin typeface="Hiragino Kaku Gothic ProN" panose="020B0300000000000000" pitchFamily="34" charset="-128"/>
+                          <a:ea typeface="Hiragino Kaku Gothic ProN" panose="020B0300000000000000" pitchFamily="34" charset="-128"/>
+                        </a:rPr>
+                        <a:t>3</a:t>
+                      </a:r>
+                      <a:endParaRPr lang="ja-JP" altLang="en-US" sz="1100">
+                        <a:effectLst/>
+                      </a:endParaRPr>
+                    </a:p>
+                  </a:txBody>
+                  <a:tcPr marL="23047" marR="23047" marT="23047" marB="23047">
+                    <a:lnL w="9525" cap="flat" cmpd="sng" algn="ctr">
+                      <a:solidFill>
+                        <a:srgbClr val="000000"/>
+                      </a:solidFill>
+                      <a:prstDash val="solid"/>
+                      <a:round/>
+                      <a:headEnd type="none" w="med" len="med"/>
+                      <a:tailEnd type="none" w="med" len="med"/>
+                    </a:lnL>
+                    <a:lnR w="9525" cap="flat" cmpd="sng" algn="ctr">
+                      <a:solidFill>
+                        <a:srgbClr val="000000"/>
+                      </a:solidFill>
+                      <a:prstDash val="solid"/>
+                      <a:round/>
+                      <a:headEnd type="none" w="med" len="med"/>
+                      <a:tailEnd type="none" w="med" len="med"/>
+                    </a:lnR>
+                    <a:lnT w="9525" cap="flat" cmpd="sng" algn="ctr">
+                      <a:solidFill>
+                        <a:srgbClr val="000000"/>
+                      </a:solidFill>
+                      <a:prstDash val="solid"/>
+                      <a:round/>
+                      <a:headEnd type="none" w="med" len="med"/>
+                      <a:tailEnd type="none" w="med" len="med"/>
+                    </a:lnT>
+                    <a:lnB w="9525" cap="flat" cmpd="sng" algn="ctr">
+                      <a:solidFill>
+                        <a:srgbClr val="000000"/>
+                      </a:solidFill>
+                      <a:prstDash val="solid"/>
+                      <a:round/>
+                      <a:headEnd type="none" w="med" len="med"/>
+                      <a:tailEnd type="none" w="med" len="med"/>
+                    </a:lnB>
+                    <a:solidFill>
+                      <a:srgbClr val="D4D4D4"/>
+                    </a:solidFill>
+                  </a:tcPr>
+                </a:tc>
+                <a:tc>
+                  <a:txBody>
+                    <a:bodyPr/>
+                    <a:lstStyle/>
+                    <a:p>
+                      <a:r>
+                        <a:rPr lang="en" sz="1100">
+                          <a:solidFill>
+                            <a:srgbClr val="000000"/>
+                          </a:solidFill>
+                          <a:effectLst/>
+                          <a:latin typeface="Hiragino Kaku Gothic ProN" panose="020B0300000000000000" pitchFamily="34" charset="-128"/>
+                          <a:ea typeface="Hiragino Kaku Gothic ProN" panose="020B0300000000000000" pitchFamily="34" charset="-128"/>
+                        </a:rPr>
+                        <a:t>AIC</a:t>
+                      </a:r>
+                      <a:endParaRPr lang="en" sz="1100">
+                        <a:effectLst/>
+                      </a:endParaRPr>
+                    </a:p>
+                  </a:txBody>
+                  <a:tcPr marL="23047" marR="23047" marT="23047" marB="23047">
+                    <a:lnL w="9525" cap="flat" cmpd="sng" algn="ctr">
+                      <a:solidFill>
+                        <a:srgbClr val="000000"/>
+                      </a:solidFill>
+                      <a:prstDash val="solid"/>
+                      <a:round/>
+                      <a:headEnd type="none" w="med" len="med"/>
+                      <a:tailEnd type="none" w="med" len="med"/>
+                    </a:lnL>
+                    <a:lnR w="9525" cap="flat" cmpd="sng" algn="ctr">
+                      <a:solidFill>
+                        <a:srgbClr val="000000"/>
+                      </a:solidFill>
+                      <a:prstDash val="solid"/>
+                      <a:round/>
+                      <a:headEnd type="none" w="med" len="med"/>
+                      <a:tailEnd type="none" w="med" len="med"/>
+                    </a:lnR>
+                    <a:lnT w="9525" cap="flat" cmpd="sng" algn="ctr">
+                      <a:solidFill>
+                        <a:srgbClr val="000000"/>
+                      </a:solidFill>
+                      <a:prstDash val="solid"/>
+                      <a:round/>
+                      <a:headEnd type="none" w="med" len="med"/>
+                      <a:tailEnd type="none" w="med" len="med"/>
+                    </a:lnT>
+                    <a:lnB w="9525" cap="flat" cmpd="sng" algn="ctr">
+                      <a:solidFill>
+                        <a:srgbClr val="000000"/>
+                      </a:solidFill>
+                      <a:prstDash val="solid"/>
+                      <a:round/>
+                      <a:headEnd type="none" w="med" len="med"/>
+                      <a:tailEnd type="none" w="med" len="med"/>
+                    </a:lnB>
+                  </a:tcPr>
+                </a:tc>
+                <a:tc>
+                  <a:txBody>
+                    <a:bodyPr/>
+                    <a:lstStyle/>
+                    <a:p>
+                      <a:r>
+                        <a:rPr lang="en" sz="1100">
+                          <a:solidFill>
+                            <a:srgbClr val="000000"/>
+                          </a:solidFill>
+                          <a:effectLst/>
+                          <a:latin typeface="Hiragino Kaku Gothic ProN" panose="020B0300000000000000" pitchFamily="34" charset="-128"/>
+                          <a:ea typeface="Hiragino Kaku Gothic ProN" panose="020B0300000000000000" pitchFamily="34" charset="-128"/>
+                        </a:rPr>
+                        <a:t>BIC</a:t>
+                      </a:r>
+                      <a:endParaRPr lang="en" sz="1100">
+                        <a:effectLst/>
+                      </a:endParaRPr>
+                    </a:p>
+                  </a:txBody>
+                  <a:tcPr marL="23047" marR="23047" marT="23047" marB="23047">
+                    <a:lnL w="9525" cap="flat" cmpd="sng" algn="ctr">
+                      <a:solidFill>
+                        <a:srgbClr val="000000"/>
+                      </a:solidFill>
+                      <a:prstDash val="solid"/>
+                      <a:round/>
+                      <a:headEnd type="none" w="med" len="med"/>
+                      <a:tailEnd type="none" w="med" len="med"/>
+                    </a:lnL>
+                    <a:lnR w="9525" cap="flat" cmpd="sng" algn="ctr">
+                      <a:solidFill>
+                        <a:srgbClr val="000000"/>
+                      </a:solidFill>
+                      <a:prstDash val="solid"/>
+                      <a:round/>
+                      <a:headEnd type="none" w="med" len="med"/>
+                      <a:tailEnd type="none" w="med" len="med"/>
+                    </a:lnR>
+                    <a:lnT w="9525" cap="flat" cmpd="sng" algn="ctr">
+                      <a:solidFill>
+                        <a:srgbClr val="000000"/>
+                      </a:solidFill>
+                      <a:prstDash val="solid"/>
+                      <a:round/>
+                      <a:headEnd type="none" w="med" len="med"/>
+                      <a:tailEnd type="none" w="med" len="med"/>
+                    </a:lnT>
+                    <a:lnB w="9525" cap="flat" cmpd="sng" algn="ctr">
+                      <a:solidFill>
+                        <a:srgbClr val="000000"/>
+                      </a:solidFill>
+                      <a:prstDash val="solid"/>
+                      <a:round/>
+                      <a:headEnd type="none" w="med" len="med"/>
+                      <a:tailEnd type="none" w="med" len="med"/>
+                    </a:lnB>
+                  </a:tcPr>
+                </a:tc>
+                <a:extLst>
+                  <a:ext uri="{0D108BD9-81ED-4DB2-BD59-A6C34878D82A}">
+                    <a16:rowId xmlns:a16="http://schemas.microsoft.com/office/drawing/2014/main" val="3506121688"/>
+                  </a:ext>
+                </a:extLst>
+              </a:tr>
+              <a:tr h="562904">
+                <a:tc>
+                  <a:txBody>
+                    <a:bodyPr/>
+                    <a:lstStyle/>
+                    <a:p>
+                      <a:r>
+                        <a:rPr lang="en-US" altLang="ja-JP" sz="1100" b="1">
+                          <a:solidFill>
+                            <a:srgbClr val="000000"/>
+                          </a:solidFill>
+                          <a:effectLst/>
+                          <a:latin typeface="Hiragino Kaku Gothic ProN" panose="020B0300000000000000" pitchFamily="34" charset="-128"/>
+                          <a:ea typeface="Hiragino Kaku Gothic ProN" panose="020B0300000000000000" pitchFamily="34" charset="-128"/>
+                        </a:rPr>
+                        <a:t>4</a:t>
+                      </a:r>
+                      <a:endParaRPr lang="ja-JP" altLang="en-US" sz="1100">
+                        <a:effectLst/>
+                      </a:endParaRPr>
+                    </a:p>
+                  </a:txBody>
+                  <a:tcPr marL="23047" marR="23047" marT="23047" marB="23047">
+                    <a:lnL w="9525" cap="flat" cmpd="sng" algn="ctr">
+                      <a:solidFill>
+                        <a:srgbClr val="000000"/>
+                      </a:solidFill>
+                      <a:prstDash val="solid"/>
+                      <a:round/>
+                      <a:headEnd type="none" w="med" len="med"/>
+                      <a:tailEnd type="none" w="med" len="med"/>
+                    </a:lnL>
+                    <a:lnR w="9525" cap="flat" cmpd="sng" algn="ctr">
+                      <a:solidFill>
+                        <a:srgbClr val="000000"/>
+                      </a:solidFill>
+                      <a:prstDash val="solid"/>
+                      <a:round/>
+                      <a:headEnd type="none" w="med" len="med"/>
+                      <a:tailEnd type="none" w="med" len="med"/>
+                    </a:lnR>
+                    <a:lnT w="9525" cap="flat" cmpd="sng" algn="ctr">
+                      <a:solidFill>
+                        <a:srgbClr val="000000"/>
+                      </a:solidFill>
+                      <a:prstDash val="solid"/>
+                      <a:round/>
+                      <a:headEnd type="none" w="med" len="med"/>
+                      <a:tailEnd type="none" w="med" len="med"/>
+                    </a:lnT>
+                    <a:lnB w="9525" cap="flat" cmpd="sng" algn="ctr">
+                      <a:solidFill>
+                        <a:srgbClr val="000000"/>
+                      </a:solidFill>
+                      <a:prstDash val="solid"/>
+                      <a:round/>
+                      <a:headEnd type="none" w="med" len="med"/>
+                      <a:tailEnd type="none" w="med" len="med"/>
+                    </a:lnB>
+                    <a:solidFill>
+                      <a:srgbClr val="D4D4D4"/>
+                    </a:solidFill>
+                  </a:tcPr>
+                </a:tc>
+                <a:tc>
+                  <a:txBody>
+                    <a:bodyPr/>
+                    <a:lstStyle/>
+                    <a:p>
+                      <a:r>
+                        <a:rPr lang="en" sz="1100">
+                          <a:solidFill>
+                            <a:srgbClr val="000000"/>
+                          </a:solidFill>
+                          <a:effectLst/>
+                          <a:latin typeface="Hiragino Kaku Gothic ProN" panose="020B0300000000000000" pitchFamily="34" charset="-128"/>
+                          <a:ea typeface="Hiragino Kaku Gothic ProN" panose="020B0300000000000000" pitchFamily="34" charset="-128"/>
+                        </a:rPr>
+                        <a:t>RhatMax</a:t>
+                      </a:r>
+                      <a:endParaRPr lang="en" sz="1100">
+                        <a:effectLst/>
+                      </a:endParaRPr>
+                    </a:p>
+                  </a:txBody>
+                  <a:tcPr marL="23047" marR="23047" marT="23047" marB="23047">
+                    <a:lnL w="9525" cap="flat" cmpd="sng" algn="ctr">
+                      <a:solidFill>
+                        <a:srgbClr val="000000"/>
+                      </a:solidFill>
+                      <a:prstDash val="solid"/>
+                      <a:round/>
+                      <a:headEnd type="none" w="med" len="med"/>
+                      <a:tailEnd type="none" w="med" len="med"/>
+                    </a:lnL>
+                    <a:lnR w="9525" cap="flat" cmpd="sng" algn="ctr">
+                      <a:solidFill>
+                        <a:srgbClr val="000000"/>
+                      </a:solidFill>
+                      <a:prstDash val="solid"/>
+                      <a:round/>
+                      <a:headEnd type="none" w="med" len="med"/>
+                      <a:tailEnd type="none" w="med" len="med"/>
+                    </a:lnR>
+                    <a:lnT w="9525" cap="flat" cmpd="sng" algn="ctr">
+                      <a:solidFill>
+                        <a:srgbClr val="000000"/>
+                      </a:solidFill>
+                      <a:prstDash val="solid"/>
+                      <a:round/>
+                      <a:headEnd type="none" w="med" len="med"/>
+                      <a:tailEnd type="none" w="med" len="med"/>
+                    </a:lnT>
+                    <a:lnB w="9525" cap="flat" cmpd="sng" algn="ctr">
+                      <a:solidFill>
+                        <a:srgbClr val="000000"/>
+                      </a:solidFill>
+                      <a:prstDash val="solid"/>
+                      <a:round/>
+                      <a:headEnd type="none" w="med" len="med"/>
+                      <a:tailEnd type="none" w="med" len="med"/>
+                    </a:lnB>
+                  </a:tcPr>
+                </a:tc>
+                <a:tc>
+                  <a:txBody>
+                    <a:bodyPr/>
+                    <a:lstStyle/>
+                    <a:p>
+                      <a:r>
+                        <a:rPr lang="en-US" altLang="ja-JP" sz="1100">
+                          <a:solidFill>
+                            <a:srgbClr val="000000"/>
+                          </a:solidFill>
+                          <a:effectLst/>
+                          <a:latin typeface="Hiragino Kaku Gothic ProN" panose="020B0300000000000000" pitchFamily="34" charset="-128"/>
+                          <a:ea typeface="Hiragino Kaku Gothic ProN" panose="020B0300000000000000" pitchFamily="34" charset="-128"/>
+                        </a:rPr>
+                        <a:t>1.00955992098852</a:t>
+                      </a:r>
+                      <a:endParaRPr lang="ja-JP" altLang="en-US" sz="1100">
+                        <a:effectLst/>
+                      </a:endParaRPr>
+                    </a:p>
+                  </a:txBody>
+                  <a:tcPr marL="23047" marR="23047" marT="23047" marB="23047">
+                    <a:lnL w="9525" cap="flat" cmpd="sng" algn="ctr">
+                      <a:solidFill>
+                        <a:srgbClr val="000000"/>
+                      </a:solidFill>
+                      <a:prstDash val="solid"/>
+                      <a:round/>
+                      <a:headEnd type="none" w="med" len="med"/>
+                      <a:tailEnd type="none" w="med" len="med"/>
+                    </a:lnL>
+                    <a:lnR w="9525" cap="flat" cmpd="sng" algn="ctr">
+                      <a:solidFill>
+                        <a:srgbClr val="000000"/>
+                      </a:solidFill>
+                      <a:prstDash val="solid"/>
+                      <a:round/>
+                      <a:headEnd type="none" w="med" len="med"/>
+                      <a:tailEnd type="none" w="med" len="med"/>
+                    </a:lnR>
+                    <a:lnT w="9525" cap="flat" cmpd="sng" algn="ctr">
+                      <a:solidFill>
+                        <a:srgbClr val="000000"/>
+                      </a:solidFill>
+                      <a:prstDash val="solid"/>
+                      <a:round/>
+                      <a:headEnd type="none" w="med" len="med"/>
+                      <a:tailEnd type="none" w="med" len="med"/>
+                    </a:lnT>
+                    <a:lnB w="9525" cap="flat" cmpd="sng" algn="ctr">
+                      <a:solidFill>
+                        <a:srgbClr val="000000"/>
+                      </a:solidFill>
+                      <a:prstDash val="solid"/>
+                      <a:round/>
+                      <a:headEnd type="none" w="med" len="med"/>
+                      <a:tailEnd type="none" w="med" len="med"/>
+                    </a:lnB>
+                  </a:tcPr>
+                </a:tc>
+                <a:extLst>
+                  <a:ext uri="{0D108BD9-81ED-4DB2-BD59-A6C34878D82A}">
+                    <a16:rowId xmlns:a16="http://schemas.microsoft.com/office/drawing/2014/main" val="517128415"/>
+                  </a:ext>
+                </a:extLst>
+              </a:tr>
+              <a:tr h="562904">
+                <a:tc>
+                  <a:txBody>
+                    <a:bodyPr/>
+                    <a:lstStyle/>
+                    <a:p>
+                      <a:r>
+                        <a:rPr lang="en-US" altLang="ja-JP" sz="1100" b="1">
+                          <a:solidFill>
+                            <a:srgbClr val="000000"/>
+                          </a:solidFill>
+                          <a:effectLst/>
+                          <a:latin typeface="Hiragino Kaku Gothic ProN" panose="020B0300000000000000" pitchFamily="34" charset="-128"/>
+                          <a:ea typeface="Hiragino Kaku Gothic ProN" panose="020B0300000000000000" pitchFamily="34" charset="-128"/>
+                        </a:rPr>
+                        <a:t>5</a:t>
+                      </a:r>
+                      <a:endParaRPr lang="ja-JP" altLang="en-US" sz="1100">
+                        <a:effectLst/>
+                      </a:endParaRPr>
+                    </a:p>
+                  </a:txBody>
+                  <a:tcPr marL="23047" marR="23047" marT="23047" marB="23047">
+                    <a:lnL w="9525" cap="flat" cmpd="sng" algn="ctr">
+                      <a:solidFill>
+                        <a:srgbClr val="000000"/>
+                      </a:solidFill>
+                      <a:prstDash val="solid"/>
+                      <a:round/>
+                      <a:headEnd type="none" w="med" len="med"/>
+                      <a:tailEnd type="none" w="med" len="med"/>
+                    </a:lnL>
+                    <a:lnR w="9525" cap="flat" cmpd="sng" algn="ctr">
+                      <a:solidFill>
+                        <a:srgbClr val="000000"/>
+                      </a:solidFill>
+                      <a:prstDash val="solid"/>
+                      <a:round/>
+                      <a:headEnd type="none" w="med" len="med"/>
+                      <a:tailEnd type="none" w="med" len="med"/>
+                    </a:lnR>
+                    <a:lnT w="9525" cap="flat" cmpd="sng" algn="ctr">
+                      <a:solidFill>
+                        <a:srgbClr val="000000"/>
+                      </a:solidFill>
+                      <a:prstDash val="solid"/>
+                      <a:round/>
+                      <a:headEnd type="none" w="med" len="med"/>
+                      <a:tailEnd type="none" w="med" len="med"/>
+                    </a:lnT>
+                    <a:lnB w="9525" cap="flat" cmpd="sng" algn="ctr">
+                      <a:solidFill>
+                        <a:srgbClr val="000000"/>
+                      </a:solidFill>
+                      <a:prstDash val="solid"/>
+                      <a:round/>
+                      <a:headEnd type="none" w="med" len="med"/>
+                      <a:tailEnd type="none" w="med" len="med"/>
+                    </a:lnB>
+                    <a:solidFill>
+                      <a:srgbClr val="D4D4D4"/>
+                    </a:solidFill>
+                  </a:tcPr>
+                </a:tc>
+                <a:tc>
+                  <a:txBody>
+                    <a:bodyPr/>
+                    <a:lstStyle/>
+                    <a:p>
+                      <a:r>
+                        <a:rPr lang="en" sz="1100">
+                          <a:solidFill>
+                            <a:srgbClr val="000000"/>
+                          </a:solidFill>
+                          <a:effectLst/>
+                          <a:latin typeface="Hiragino Kaku Gothic ProN" panose="020B0300000000000000" pitchFamily="34" charset="-128"/>
+                          <a:ea typeface="Hiragino Kaku Gothic ProN" panose="020B0300000000000000" pitchFamily="34" charset="-128"/>
+                        </a:rPr>
+                        <a:t>RhatMean</a:t>
+                      </a:r>
+                      <a:endParaRPr lang="en" sz="1100">
+                        <a:effectLst/>
+                      </a:endParaRPr>
+                    </a:p>
+                  </a:txBody>
+                  <a:tcPr marL="23047" marR="23047" marT="23047" marB="23047">
+                    <a:lnL w="9525" cap="flat" cmpd="sng" algn="ctr">
+                      <a:solidFill>
+                        <a:srgbClr val="000000"/>
+                      </a:solidFill>
+                      <a:prstDash val="solid"/>
+                      <a:round/>
+                      <a:headEnd type="none" w="med" len="med"/>
+                      <a:tailEnd type="none" w="med" len="med"/>
+                    </a:lnL>
+                    <a:lnR w="9525" cap="flat" cmpd="sng" algn="ctr">
+                      <a:solidFill>
+                        <a:srgbClr val="000000"/>
+                      </a:solidFill>
+                      <a:prstDash val="solid"/>
+                      <a:round/>
+                      <a:headEnd type="none" w="med" len="med"/>
+                      <a:tailEnd type="none" w="med" len="med"/>
+                    </a:lnR>
+                    <a:lnT w="9525" cap="flat" cmpd="sng" algn="ctr">
+                      <a:solidFill>
+                        <a:srgbClr val="000000"/>
+                      </a:solidFill>
+                      <a:prstDash val="solid"/>
+                      <a:round/>
+                      <a:headEnd type="none" w="med" len="med"/>
+                      <a:tailEnd type="none" w="med" len="med"/>
+                    </a:lnT>
+                    <a:lnB w="9525" cap="flat" cmpd="sng" algn="ctr">
+                      <a:solidFill>
+                        <a:srgbClr val="000000"/>
+                      </a:solidFill>
+                      <a:prstDash val="solid"/>
+                      <a:round/>
+                      <a:headEnd type="none" w="med" len="med"/>
+                      <a:tailEnd type="none" w="med" len="med"/>
+                    </a:lnB>
+                  </a:tcPr>
+                </a:tc>
+                <a:tc>
+                  <a:txBody>
+                    <a:bodyPr/>
+                    <a:lstStyle/>
+                    <a:p>
+                      <a:r>
+                        <a:rPr lang="en-US" altLang="ja-JP" sz="1100">
+                          <a:solidFill>
+                            <a:srgbClr val="000000"/>
+                          </a:solidFill>
+                          <a:effectLst/>
+                          <a:latin typeface="Hiragino Kaku Gothic ProN" panose="020B0300000000000000" pitchFamily="34" charset="-128"/>
+                          <a:ea typeface="Hiragino Kaku Gothic ProN" panose="020B0300000000000000" pitchFamily="34" charset="-128"/>
+                        </a:rPr>
+                        <a:t>1.00163361781587</a:t>
+                      </a:r>
+                      <a:endParaRPr lang="ja-JP" altLang="en-US" sz="1100">
+                        <a:effectLst/>
+                      </a:endParaRPr>
+                    </a:p>
+                  </a:txBody>
+                  <a:tcPr marL="23047" marR="23047" marT="23047" marB="23047">
+                    <a:lnL w="9525" cap="flat" cmpd="sng" algn="ctr">
+                      <a:solidFill>
+                        <a:srgbClr val="000000"/>
+                      </a:solidFill>
+                      <a:prstDash val="solid"/>
+                      <a:round/>
+                      <a:headEnd type="none" w="med" len="med"/>
+                      <a:tailEnd type="none" w="med" len="med"/>
+                    </a:lnL>
+                    <a:lnR w="9525" cap="flat" cmpd="sng" algn="ctr">
+                      <a:solidFill>
+                        <a:srgbClr val="000000"/>
+                      </a:solidFill>
+                      <a:prstDash val="solid"/>
+                      <a:round/>
+                      <a:headEnd type="none" w="med" len="med"/>
+                      <a:tailEnd type="none" w="med" len="med"/>
+                    </a:lnR>
+                    <a:lnT w="9525" cap="flat" cmpd="sng" algn="ctr">
+                      <a:solidFill>
+                        <a:srgbClr val="000000"/>
+                      </a:solidFill>
+                      <a:prstDash val="solid"/>
+                      <a:round/>
+                      <a:headEnd type="none" w="med" len="med"/>
+                      <a:tailEnd type="none" w="med" len="med"/>
+                    </a:lnT>
+                    <a:lnB w="9525" cap="flat" cmpd="sng" algn="ctr">
+                      <a:solidFill>
+                        <a:srgbClr val="000000"/>
+                      </a:solidFill>
+                      <a:prstDash val="solid"/>
+                      <a:round/>
+                      <a:headEnd type="none" w="med" len="med"/>
+                      <a:tailEnd type="none" w="med" len="med"/>
+                    </a:lnB>
+                  </a:tcPr>
+                </a:tc>
+                <a:extLst>
+                  <a:ext uri="{0D108BD9-81ED-4DB2-BD59-A6C34878D82A}">
+                    <a16:rowId xmlns:a16="http://schemas.microsoft.com/office/drawing/2014/main" val="2850665155"/>
+                  </a:ext>
+                </a:extLst>
+              </a:tr>
+              <a:tr h="431229">
+                <a:tc>
+                  <a:txBody>
+                    <a:bodyPr/>
+                    <a:lstStyle/>
+                    <a:p>
+                      <a:r>
+                        <a:rPr lang="en-US" altLang="ja-JP" sz="1100" b="1">
+                          <a:solidFill>
+                            <a:srgbClr val="000000"/>
+                          </a:solidFill>
+                          <a:effectLst/>
+                          <a:latin typeface="Hiragino Kaku Gothic ProN" panose="020B0300000000000000" pitchFamily="34" charset="-128"/>
+                          <a:ea typeface="Hiragino Kaku Gothic ProN" panose="020B0300000000000000" pitchFamily="34" charset="-128"/>
+                        </a:rPr>
+                        <a:t>6</a:t>
+                      </a:r>
+                      <a:endParaRPr lang="ja-JP" altLang="en-US" sz="1100">
+                        <a:effectLst/>
+                      </a:endParaRPr>
+                    </a:p>
+                  </a:txBody>
+                  <a:tcPr marL="23047" marR="23047" marT="23047" marB="23047">
+                    <a:lnL w="9525" cap="flat" cmpd="sng" algn="ctr">
+                      <a:solidFill>
+                        <a:srgbClr val="000000"/>
+                      </a:solidFill>
+                      <a:prstDash val="solid"/>
+                      <a:round/>
+                      <a:headEnd type="none" w="med" len="med"/>
+                      <a:tailEnd type="none" w="med" len="med"/>
+                    </a:lnL>
+                    <a:lnR w="9525" cap="flat" cmpd="sng" algn="ctr">
+                      <a:solidFill>
+                        <a:srgbClr val="000000"/>
+                      </a:solidFill>
+                      <a:prstDash val="solid"/>
+                      <a:round/>
+                      <a:headEnd type="none" w="med" len="med"/>
+                      <a:tailEnd type="none" w="med" len="med"/>
+                    </a:lnR>
+                    <a:lnT w="9525" cap="flat" cmpd="sng" algn="ctr">
+                      <a:solidFill>
+                        <a:srgbClr val="000000"/>
+                      </a:solidFill>
+                      <a:prstDash val="solid"/>
+                      <a:round/>
+                      <a:headEnd type="none" w="med" len="med"/>
+                      <a:tailEnd type="none" w="med" len="med"/>
+                    </a:lnT>
+                    <a:lnB w="9525" cap="flat" cmpd="sng" algn="ctr">
+                      <a:solidFill>
+                        <a:srgbClr val="000000"/>
+                      </a:solidFill>
+                      <a:prstDash val="solid"/>
+                      <a:round/>
+                      <a:headEnd type="none" w="med" len="med"/>
+                      <a:tailEnd type="none" w="med" len="med"/>
+                    </a:lnB>
+                    <a:solidFill>
+                      <a:srgbClr val="D4D4D4"/>
+                    </a:solidFill>
+                  </a:tcPr>
+                </a:tc>
+                <a:tc>
+                  <a:txBody>
+                    <a:bodyPr/>
+                    <a:lstStyle/>
+                    <a:p>
+                      <a:r>
+                        <a:rPr lang="en" sz="1100">
+                          <a:solidFill>
+                            <a:srgbClr val="000000"/>
+                          </a:solidFill>
+                          <a:effectLst/>
+                          <a:latin typeface="Hiragino Kaku Gothic ProN" panose="020B0300000000000000" pitchFamily="34" charset="-128"/>
+                          <a:ea typeface="Hiragino Kaku Gothic ProN" panose="020B0300000000000000" pitchFamily="34" charset="-128"/>
+                        </a:rPr>
+                        <a:t>SE Mean</a:t>
+                      </a:r>
+                      <a:endParaRPr lang="en" sz="1100">
+                        <a:effectLst/>
+                      </a:endParaRPr>
+                    </a:p>
+                  </a:txBody>
+                  <a:tcPr marL="23047" marR="23047" marT="23047" marB="23047">
+                    <a:lnL w="9525" cap="flat" cmpd="sng" algn="ctr">
+                      <a:solidFill>
+                        <a:srgbClr val="000000"/>
+                      </a:solidFill>
+                      <a:prstDash val="solid"/>
+                      <a:round/>
+                      <a:headEnd type="none" w="med" len="med"/>
+                      <a:tailEnd type="none" w="med" len="med"/>
+                    </a:lnL>
+                    <a:lnR w="9525" cap="flat" cmpd="sng" algn="ctr">
+                      <a:solidFill>
+                        <a:srgbClr val="000000"/>
+                      </a:solidFill>
+                      <a:prstDash val="solid"/>
+                      <a:round/>
+                      <a:headEnd type="none" w="med" len="med"/>
+                      <a:tailEnd type="none" w="med" len="med"/>
+                    </a:lnR>
+                    <a:lnT w="9525" cap="flat" cmpd="sng" algn="ctr">
+                      <a:solidFill>
+                        <a:srgbClr val="000000"/>
+                      </a:solidFill>
+                      <a:prstDash val="solid"/>
+                      <a:round/>
+                      <a:headEnd type="none" w="med" len="med"/>
+                      <a:tailEnd type="none" w="med" len="med"/>
+                    </a:lnT>
+                    <a:lnB w="9525" cap="flat" cmpd="sng" algn="ctr">
+                      <a:solidFill>
+                        <a:srgbClr val="000000"/>
+                      </a:solidFill>
+                      <a:prstDash val="solid"/>
+                      <a:round/>
+                      <a:headEnd type="none" w="med" len="med"/>
+                      <a:tailEnd type="none" w="med" len="med"/>
+                    </a:lnB>
+                  </a:tcPr>
+                </a:tc>
+                <a:tc>
+                  <a:txBody>
+                    <a:bodyPr/>
+                    <a:lstStyle/>
+                    <a:p>
+                      <a:r>
+                        <a:rPr lang="en-US" altLang="ja-JP" sz="1100">
+                          <a:solidFill>
+                            <a:srgbClr val="000000"/>
+                          </a:solidFill>
+                          <a:effectLst/>
+                          <a:latin typeface="Hiragino Kaku Gothic ProN" panose="020B0300000000000000" pitchFamily="34" charset="-128"/>
+                          <a:ea typeface="Hiragino Kaku Gothic ProN" panose="020B0300000000000000" pitchFamily="34" charset="-128"/>
+                        </a:rPr>
+                        <a:t>0.140279390602611</a:t>
+                      </a:r>
+                      <a:endParaRPr lang="ja-JP" altLang="en-US" sz="1100">
+                        <a:effectLst/>
+                      </a:endParaRPr>
+                    </a:p>
+                  </a:txBody>
+                  <a:tcPr marL="23047" marR="23047" marT="23047" marB="23047">
+                    <a:lnL w="9525" cap="flat" cmpd="sng" algn="ctr">
+                      <a:solidFill>
+                        <a:srgbClr val="000000"/>
+                      </a:solidFill>
+                      <a:prstDash val="solid"/>
+                      <a:round/>
+                      <a:headEnd type="none" w="med" len="med"/>
+                      <a:tailEnd type="none" w="med" len="med"/>
+                    </a:lnL>
+                    <a:lnR w="9525" cap="flat" cmpd="sng" algn="ctr">
+                      <a:solidFill>
+                        <a:srgbClr val="000000"/>
+                      </a:solidFill>
+                      <a:prstDash val="solid"/>
+                      <a:round/>
+                      <a:headEnd type="none" w="med" len="med"/>
+                      <a:tailEnd type="none" w="med" len="med"/>
+                    </a:lnR>
+                    <a:lnT w="9525" cap="flat" cmpd="sng" algn="ctr">
+                      <a:solidFill>
+                        <a:srgbClr val="000000"/>
+                      </a:solidFill>
+                      <a:prstDash val="solid"/>
+                      <a:round/>
+                      <a:headEnd type="none" w="med" len="med"/>
+                      <a:tailEnd type="none" w="med" len="med"/>
+                    </a:lnT>
+                    <a:lnB w="9525" cap="flat" cmpd="sng" algn="ctr">
+                      <a:solidFill>
+                        <a:srgbClr val="000000"/>
+                      </a:solidFill>
+                      <a:prstDash val="solid"/>
+                      <a:round/>
+                      <a:headEnd type="none" w="med" len="med"/>
+                      <a:tailEnd type="none" w="med" len="med"/>
+                    </a:lnB>
+                  </a:tcPr>
+                </a:tc>
+                <a:extLst>
+                  <a:ext uri="{0D108BD9-81ED-4DB2-BD59-A6C34878D82A}">
+                    <a16:rowId xmlns:a16="http://schemas.microsoft.com/office/drawing/2014/main" val="2595834399"/>
+                  </a:ext>
+                </a:extLst>
+              </a:tr>
+              <a:tr h="431229">
+                <a:tc>
+                  <a:txBody>
+                    <a:bodyPr/>
+                    <a:lstStyle/>
+                    <a:p>
+                      <a:r>
+                        <a:rPr lang="en-US" altLang="ja-JP" sz="1100" b="1">
+                          <a:solidFill>
+                            <a:srgbClr val="000000"/>
+                          </a:solidFill>
+                          <a:effectLst/>
+                          <a:latin typeface="Hiragino Kaku Gothic ProN" panose="020B0300000000000000" pitchFamily="34" charset="-128"/>
+                          <a:ea typeface="Hiragino Kaku Gothic ProN" panose="020B0300000000000000" pitchFamily="34" charset="-128"/>
+                        </a:rPr>
+                        <a:t>7</a:t>
+                      </a:r>
+                      <a:endParaRPr lang="ja-JP" altLang="en-US" sz="1100">
+                        <a:effectLst/>
+                      </a:endParaRPr>
+                    </a:p>
+                  </a:txBody>
+                  <a:tcPr marL="23047" marR="23047" marT="23047" marB="23047">
+                    <a:lnL w="9525" cap="flat" cmpd="sng" algn="ctr">
+                      <a:solidFill>
+                        <a:srgbClr val="000000"/>
+                      </a:solidFill>
+                      <a:prstDash val="solid"/>
+                      <a:round/>
+                      <a:headEnd type="none" w="med" len="med"/>
+                      <a:tailEnd type="none" w="med" len="med"/>
+                    </a:lnL>
+                    <a:lnR w="9525" cap="flat" cmpd="sng" algn="ctr">
+                      <a:solidFill>
+                        <a:srgbClr val="000000"/>
+                      </a:solidFill>
+                      <a:prstDash val="solid"/>
+                      <a:round/>
+                      <a:headEnd type="none" w="med" len="med"/>
+                      <a:tailEnd type="none" w="med" len="med"/>
+                    </a:lnR>
+                    <a:lnT w="9525" cap="flat" cmpd="sng" algn="ctr">
+                      <a:solidFill>
+                        <a:srgbClr val="000000"/>
+                      </a:solidFill>
+                      <a:prstDash val="solid"/>
+                      <a:round/>
+                      <a:headEnd type="none" w="med" len="med"/>
+                      <a:tailEnd type="none" w="med" len="med"/>
+                    </a:lnT>
+                    <a:lnB w="9525" cap="flat" cmpd="sng" algn="ctr">
+                      <a:solidFill>
+                        <a:srgbClr val="000000"/>
+                      </a:solidFill>
+                      <a:prstDash val="solid"/>
+                      <a:round/>
+                      <a:headEnd type="none" w="med" len="med"/>
+                      <a:tailEnd type="none" w="med" len="med"/>
+                    </a:lnB>
+                    <a:solidFill>
+                      <a:srgbClr val="D4D4D4"/>
+                    </a:solidFill>
+                  </a:tcPr>
+                </a:tc>
+                <a:tc>
+                  <a:txBody>
+                    <a:bodyPr/>
+                    <a:lstStyle/>
+                    <a:p>
+                      <a:r>
+                        <a:rPr lang="en" sz="1100">
+                          <a:solidFill>
+                            <a:srgbClr val="000000"/>
+                          </a:solidFill>
+                          <a:effectLst/>
+                          <a:latin typeface="Hiragino Kaku Gothic ProN" panose="020B0300000000000000" pitchFamily="34" charset="-128"/>
+                          <a:ea typeface="Hiragino Kaku Gothic ProN" panose="020B0300000000000000" pitchFamily="34" charset="-128"/>
+                        </a:rPr>
+                        <a:t>SE SD</a:t>
+                      </a:r>
+                      <a:endParaRPr lang="en" sz="1100">
+                        <a:effectLst/>
+                      </a:endParaRPr>
+                    </a:p>
+                  </a:txBody>
+                  <a:tcPr marL="23047" marR="23047" marT="23047" marB="23047">
+                    <a:lnL w="9525" cap="flat" cmpd="sng" algn="ctr">
+                      <a:solidFill>
+                        <a:srgbClr val="000000"/>
+                      </a:solidFill>
+                      <a:prstDash val="solid"/>
+                      <a:round/>
+                      <a:headEnd type="none" w="med" len="med"/>
+                      <a:tailEnd type="none" w="med" len="med"/>
+                    </a:lnL>
+                    <a:lnR w="9525" cap="flat" cmpd="sng" algn="ctr">
+                      <a:solidFill>
+                        <a:srgbClr val="000000"/>
+                      </a:solidFill>
+                      <a:prstDash val="solid"/>
+                      <a:round/>
+                      <a:headEnd type="none" w="med" len="med"/>
+                      <a:tailEnd type="none" w="med" len="med"/>
+                    </a:lnR>
+                    <a:lnT w="9525" cap="flat" cmpd="sng" algn="ctr">
+                      <a:solidFill>
+                        <a:srgbClr val="000000"/>
+                      </a:solidFill>
+                      <a:prstDash val="solid"/>
+                      <a:round/>
+                      <a:headEnd type="none" w="med" len="med"/>
+                      <a:tailEnd type="none" w="med" len="med"/>
+                    </a:lnT>
+                    <a:lnB w="9525" cap="flat" cmpd="sng" algn="ctr">
+                      <a:solidFill>
+                        <a:srgbClr val="000000"/>
+                      </a:solidFill>
+                      <a:prstDash val="solid"/>
+                      <a:round/>
+                      <a:headEnd type="none" w="med" len="med"/>
+                      <a:tailEnd type="none" w="med" len="med"/>
+                    </a:lnB>
+                  </a:tcPr>
+                </a:tc>
+                <a:tc>
+                  <a:txBody>
+                    <a:bodyPr/>
+                    <a:lstStyle/>
+                    <a:p>
+                      <a:r>
+                        <a:rPr lang="en-US" altLang="ja-JP" sz="1100" dirty="0">
+                          <a:solidFill>
+                            <a:srgbClr val="000000"/>
+                          </a:solidFill>
+                          <a:effectLst/>
+                          <a:latin typeface="Hiragino Kaku Gothic ProN" panose="020B0300000000000000" pitchFamily="34" charset="-128"/>
+                          <a:ea typeface="Hiragino Kaku Gothic ProN" panose="020B0300000000000000" pitchFamily="34" charset="-128"/>
+                        </a:rPr>
+                        <a:t>0.0105881404445261</a:t>
+                      </a:r>
+                      <a:endParaRPr lang="ja-JP" altLang="en-US" sz="1100">
+                        <a:effectLst/>
+                      </a:endParaRPr>
+                    </a:p>
+                  </a:txBody>
+                  <a:tcPr marL="23047" marR="23047" marT="23047" marB="23047">
+                    <a:lnL w="9525" cap="flat" cmpd="sng" algn="ctr">
+                      <a:solidFill>
+                        <a:srgbClr val="000000"/>
+                      </a:solidFill>
+                      <a:prstDash val="solid"/>
+                      <a:round/>
+                      <a:headEnd type="none" w="med" len="med"/>
+                      <a:tailEnd type="none" w="med" len="med"/>
+                    </a:lnL>
+                    <a:lnR w="9525" cap="flat" cmpd="sng" algn="ctr">
+                      <a:solidFill>
+                        <a:srgbClr val="000000"/>
+                      </a:solidFill>
+                      <a:prstDash val="solid"/>
+                      <a:round/>
+                      <a:headEnd type="none" w="med" len="med"/>
+                      <a:tailEnd type="none" w="med" len="med"/>
+                    </a:lnR>
+                    <a:lnT w="9525" cap="flat" cmpd="sng" algn="ctr">
+                      <a:solidFill>
+                        <a:srgbClr val="000000"/>
+                      </a:solidFill>
+                      <a:prstDash val="solid"/>
+                      <a:round/>
+                      <a:headEnd type="none" w="med" len="med"/>
+                      <a:tailEnd type="none" w="med" len="med"/>
+                    </a:lnT>
+                    <a:lnB w="9525" cap="flat" cmpd="sng" algn="ctr">
+                      <a:solidFill>
+                        <a:srgbClr val="000000"/>
+                      </a:solidFill>
+                      <a:prstDash val="solid"/>
+                      <a:round/>
+                      <a:headEnd type="none" w="med" len="med"/>
+                      <a:tailEnd type="none" w="med" len="med"/>
+                    </a:lnB>
+                  </a:tcPr>
+                </a:tc>
+                <a:extLst>
+                  <a:ext uri="{0D108BD9-81ED-4DB2-BD59-A6C34878D82A}">
+                    <a16:rowId xmlns:a16="http://schemas.microsoft.com/office/drawing/2014/main" val="3340297639"/>
+                  </a:ext>
+                </a:extLst>
+              </a:tr>
+            </a:tbl>
+          </a:graphicData>
+        </a:graphic>
+      </p:graphicFrame>
+      <p:sp>
+        <p:nvSpPr>
+          <p:cNvPr id="10" name="コンテンツ プレースホルダー 2">
+            <a:extLst>
+              <a:ext uri="{FF2B5EF4-FFF2-40B4-BE49-F238E27FC236}">
+                <a16:creationId xmlns:a16="http://schemas.microsoft.com/office/drawing/2014/main" id="{9A6271B7-D027-634F-97DE-B49D23454DE9}"/>
+              </a:ext>
+            </a:extLst>
+          </p:cNvPr>
+          <p:cNvSpPr txBox="1">
+            <a:spLocks/>
+          </p:cNvSpPr>
+          <p:nvPr/>
+        </p:nvSpPr>
+        <p:spPr>
+          <a:xfrm>
+            <a:off x="7868292" y="1779050"/>
+            <a:ext cx="3852809" cy="4351338"/>
+          </a:xfrm>
+          <a:prstGeom prst="rect">
+            <a:avLst/>
+          </a:prstGeom>
+        </p:spPr>
+        <p:txBody>
+          <a:bodyPr vert="horz" lIns="91440" tIns="45720" rIns="91440" bIns="45720" rtlCol="0">
+            <a:normAutofit/>
+          </a:bodyPr>
+          <a:lstStyle>
+            <a:lvl1pPr marL="228600" indent="-228600" algn="l" defTabSz="914400" rtl="0" eaLnBrk="1" latinLnBrk="0" hangingPunct="1">
+              <a:lnSpc>
+                <a:spcPct val="90000"/>
+              </a:lnSpc>
+              <a:spcBef>
+                <a:spcPts val="1000"/>
+              </a:spcBef>
+              <a:buFont typeface="Arial" panose="020B0604020202020204" pitchFamily="34" charset="0"/>
+              <a:buChar char="•"/>
+              <a:defRPr kumimoji="1" sz="2800" kern="1200">
+                <a:solidFill>
+                  <a:schemeClr val="tx1"/>
+                </a:solidFill>
+                <a:latin typeface="+mn-lt"/>
+                <a:ea typeface="+mn-ea"/>
+                <a:cs typeface="+mn-cs"/>
+              </a:defRPr>
+            </a:lvl1pPr>
+            <a:lvl2pPr marL="685800" indent="-228600" algn="l" defTabSz="914400" rtl="0" eaLnBrk="1" latinLnBrk="0" hangingPunct="1">
+              <a:lnSpc>
+                <a:spcPct val="90000"/>
+              </a:lnSpc>
+              <a:spcBef>
+                <a:spcPts val="500"/>
+              </a:spcBef>
+              <a:buFont typeface="Arial" panose="020B0604020202020204" pitchFamily="34" charset="0"/>
+              <a:buChar char="•"/>
+              <a:defRPr kumimoji="1" sz="2400" kern="1200">
+                <a:solidFill>
+                  <a:schemeClr val="tx1"/>
+                </a:solidFill>
+                <a:latin typeface="+mn-lt"/>
+                <a:ea typeface="+mn-ea"/>
+                <a:cs typeface="+mn-cs"/>
+              </a:defRPr>
+            </a:lvl2pPr>
+            <a:lvl3pPr marL="1143000" indent="-228600" algn="l" defTabSz="914400" rtl="0" eaLnBrk="1" latinLnBrk="0" hangingPunct="1">
+              <a:lnSpc>
+                <a:spcPct val="90000"/>
+              </a:lnSpc>
+              <a:spcBef>
+                <a:spcPts val="500"/>
+              </a:spcBef>
+              <a:buFont typeface="Arial" panose="020B0604020202020204" pitchFamily="34" charset="0"/>
+              <a:buChar char="•"/>
+              <a:defRPr kumimoji="1" sz="2000" kern="1200">
+                <a:solidFill>
+                  <a:schemeClr val="tx1"/>
+                </a:solidFill>
+                <a:latin typeface="+mn-lt"/>
+                <a:ea typeface="+mn-ea"/>
+                <a:cs typeface="+mn-cs"/>
+              </a:defRPr>
+            </a:lvl3pPr>
+            <a:lvl4pPr marL="1600200" indent="-228600" algn="l" defTabSz="914400" rtl="0" eaLnBrk="1" latinLnBrk="0" hangingPunct="1">
+              <a:lnSpc>
+                <a:spcPct val="90000"/>
+              </a:lnSpc>
+              <a:spcBef>
+                <a:spcPts val="500"/>
+              </a:spcBef>
+              <a:buFont typeface="Arial" panose="020B0604020202020204" pitchFamily="34" charset="0"/>
+              <a:buChar char="•"/>
+              <a:defRPr kumimoji="1" sz="1800" kern="1200">
+                <a:solidFill>
+                  <a:schemeClr val="tx1"/>
+                </a:solidFill>
+                <a:latin typeface="+mn-lt"/>
+                <a:ea typeface="+mn-ea"/>
+                <a:cs typeface="+mn-cs"/>
+              </a:defRPr>
+            </a:lvl4pPr>
+            <a:lvl5pPr marL="2057400" indent="-228600" algn="l" defTabSz="914400" rtl="0" eaLnBrk="1" latinLnBrk="0" hangingPunct="1">
+              <a:lnSpc>
+                <a:spcPct val="90000"/>
+              </a:lnSpc>
+              <a:spcBef>
+                <a:spcPts val="500"/>
+              </a:spcBef>
+              <a:buFont typeface="Arial" panose="020B0604020202020204" pitchFamily="34" charset="0"/>
+              <a:buChar char="•"/>
+              <a:defRPr kumimoji="1" sz="1800" kern="1200">
+                <a:solidFill>
+                  <a:schemeClr val="tx1"/>
+                </a:solidFill>
+                <a:latin typeface="+mn-lt"/>
+                <a:ea typeface="+mn-ea"/>
+                <a:cs typeface="+mn-cs"/>
+              </a:defRPr>
+            </a:lvl5pPr>
+            <a:lvl6pPr marL="2514600" indent="-228600" algn="l" defTabSz="914400" rtl="0" eaLnBrk="1" latinLnBrk="0" hangingPunct="1">
+              <a:lnSpc>
+                <a:spcPct val="90000"/>
+              </a:lnSpc>
+              <a:spcBef>
+                <a:spcPts val="500"/>
+              </a:spcBef>
+              <a:buFont typeface="Arial" panose="020B0604020202020204" pitchFamily="34" charset="0"/>
+              <a:buChar char="•"/>
+              <a:defRPr kumimoji="1" sz="1800" kern="1200">
+                <a:solidFill>
+                  <a:schemeClr val="tx1"/>
+                </a:solidFill>
+                <a:latin typeface="+mn-lt"/>
+                <a:ea typeface="+mn-ea"/>
+                <a:cs typeface="+mn-cs"/>
+              </a:defRPr>
+            </a:lvl6pPr>
+            <a:lvl7pPr marL="2971800" indent="-228600" algn="l" defTabSz="914400" rtl="0" eaLnBrk="1" latinLnBrk="0" hangingPunct="1">
+              <a:lnSpc>
+                <a:spcPct val="90000"/>
+              </a:lnSpc>
+              <a:spcBef>
+                <a:spcPts val="500"/>
+              </a:spcBef>
+              <a:buFont typeface="Arial" panose="020B0604020202020204" pitchFamily="34" charset="0"/>
+              <a:buChar char="•"/>
+              <a:defRPr kumimoji="1" sz="1800" kern="1200">
+                <a:solidFill>
+                  <a:schemeClr val="tx1"/>
+                </a:solidFill>
+                <a:latin typeface="+mn-lt"/>
+                <a:ea typeface="+mn-ea"/>
+                <a:cs typeface="+mn-cs"/>
+              </a:defRPr>
+            </a:lvl7pPr>
+            <a:lvl8pPr marL="3429000" indent="-228600" algn="l" defTabSz="914400" rtl="0" eaLnBrk="1" latinLnBrk="0" hangingPunct="1">
+              <a:lnSpc>
+                <a:spcPct val="90000"/>
+              </a:lnSpc>
+              <a:spcBef>
+                <a:spcPts val="500"/>
+              </a:spcBef>
+              <a:buFont typeface="Arial" panose="020B0604020202020204" pitchFamily="34" charset="0"/>
+              <a:buChar char="•"/>
+              <a:defRPr kumimoji="1" sz="1800" kern="1200">
+                <a:solidFill>
+                  <a:schemeClr val="tx1"/>
+                </a:solidFill>
+                <a:latin typeface="+mn-lt"/>
+                <a:ea typeface="+mn-ea"/>
+                <a:cs typeface="+mn-cs"/>
+              </a:defRPr>
+            </a:lvl8pPr>
+            <a:lvl9pPr marL="3886200" indent="-228600" algn="l" defTabSz="914400" rtl="0" eaLnBrk="1" latinLnBrk="0" hangingPunct="1">
+              <a:lnSpc>
+                <a:spcPct val="90000"/>
+              </a:lnSpc>
+              <a:spcBef>
+                <a:spcPts val="500"/>
+              </a:spcBef>
+              <a:buFont typeface="Arial" panose="020B0604020202020204" pitchFamily="34" charset="0"/>
+              <a:buChar char="•"/>
+              <a:defRPr kumimoji="1" sz="1800" kern="1200">
+                <a:solidFill>
+                  <a:schemeClr val="tx1"/>
+                </a:solidFill>
+                <a:latin typeface="+mn-lt"/>
+                <a:ea typeface="+mn-ea"/>
+                <a:cs typeface="+mn-cs"/>
+              </a:defRPr>
+            </a:lvl9pPr>
+          </a:lstStyle>
+          <a:p>
+            <a:r>
+              <a:rPr lang="ja-JP" altLang="en-US"/>
+              <a:t>提案モデル</a:t>
+            </a:r>
+            <a:r>
+              <a:rPr lang="en-US" altLang="ja-JP" dirty="0"/>
+              <a:t>(</a:t>
+            </a:r>
+            <a:r>
+              <a:rPr lang="ja-JP" altLang="en-US"/>
+              <a:t>分散</a:t>
+            </a:r>
+            <a:r>
+              <a:rPr lang="en-US" altLang="ja-JP" dirty="0"/>
+              <a:t>0.5)</a:t>
+            </a:r>
+          </a:p>
+          <a:p>
+            <a:endParaRPr lang="ja-JP" altLang="en-US"/>
+          </a:p>
+        </p:txBody>
+      </p:sp>
+    </p:spTree>
+    <p:extLst>
+      <p:ext uri="{BB962C8B-B14F-4D97-AF65-F5344CB8AC3E}">
+        <p14:creationId xmlns:p14="http://schemas.microsoft.com/office/powerpoint/2010/main" val="2501127125"/>
       </p:ext>
     </p:extLst>
   </p:cSld>

--- a/ゼミ0720.pptx
+++ b/ゼミ0720.pptx
@@ -261,7 +261,7 @@
           <a:p>
             <a:fld id="{0F52EE3C-6D03-454F-9D3C-725F01881AB8}" type="datetimeFigureOut">
               <a:rPr kumimoji="1" lang="ja-JP" altLang="en-US" smtClean="0"/>
-              <a:t>2021/7/19</a:t>
+              <a:t>2021/7/20</a:t>
             </a:fld>
             <a:endParaRPr kumimoji="1" lang="ja-JP" altLang="en-US"/>
           </a:p>
@@ -491,7 +491,7 @@
           <a:p>
             <a:fld id="{0F52EE3C-6D03-454F-9D3C-725F01881AB8}" type="datetimeFigureOut">
               <a:rPr kumimoji="1" lang="ja-JP" altLang="en-US" smtClean="0"/>
-              <a:t>2021/7/19</a:t>
+              <a:t>2021/7/20</a:t>
             </a:fld>
             <a:endParaRPr kumimoji="1" lang="ja-JP" altLang="en-US"/>
           </a:p>
@@ -731,7 +731,7 @@
           <a:p>
             <a:fld id="{0F52EE3C-6D03-454F-9D3C-725F01881AB8}" type="datetimeFigureOut">
               <a:rPr kumimoji="1" lang="ja-JP" altLang="en-US" smtClean="0"/>
-              <a:t>2021/7/19</a:t>
+              <a:t>2021/7/20</a:t>
             </a:fld>
             <a:endParaRPr kumimoji="1" lang="ja-JP" altLang="en-US"/>
           </a:p>
@@ -961,7 +961,7 @@
           <a:p>
             <a:fld id="{0F52EE3C-6D03-454F-9D3C-725F01881AB8}" type="datetimeFigureOut">
               <a:rPr kumimoji="1" lang="ja-JP" altLang="en-US" smtClean="0"/>
-              <a:t>2021/7/19</a:t>
+              <a:t>2021/7/20</a:t>
             </a:fld>
             <a:endParaRPr kumimoji="1" lang="ja-JP" altLang="en-US"/>
           </a:p>
@@ -1236,7 +1236,7 @@
           <a:p>
             <a:fld id="{0F52EE3C-6D03-454F-9D3C-725F01881AB8}" type="datetimeFigureOut">
               <a:rPr kumimoji="1" lang="ja-JP" altLang="en-US" smtClean="0"/>
-              <a:t>2021/7/19</a:t>
+              <a:t>2021/7/20</a:t>
             </a:fld>
             <a:endParaRPr kumimoji="1" lang="ja-JP" altLang="en-US"/>
           </a:p>
@@ -1565,7 +1565,7 @@
           <a:p>
             <a:fld id="{0F52EE3C-6D03-454F-9D3C-725F01881AB8}" type="datetimeFigureOut">
               <a:rPr kumimoji="1" lang="ja-JP" altLang="en-US" smtClean="0"/>
-              <a:t>2021/7/19</a:t>
+              <a:t>2021/7/20</a:t>
             </a:fld>
             <a:endParaRPr kumimoji="1" lang="ja-JP" altLang="en-US"/>
           </a:p>
@@ -2041,7 +2041,7 @@
           <a:p>
             <a:fld id="{0F52EE3C-6D03-454F-9D3C-725F01881AB8}" type="datetimeFigureOut">
               <a:rPr kumimoji="1" lang="ja-JP" altLang="en-US" smtClean="0"/>
-              <a:t>2021/7/19</a:t>
+              <a:t>2021/7/20</a:t>
             </a:fld>
             <a:endParaRPr kumimoji="1" lang="ja-JP" altLang="en-US"/>
           </a:p>
@@ -2182,7 +2182,7 @@
           <a:p>
             <a:fld id="{0F52EE3C-6D03-454F-9D3C-725F01881AB8}" type="datetimeFigureOut">
               <a:rPr kumimoji="1" lang="ja-JP" altLang="en-US" smtClean="0"/>
-              <a:t>2021/7/19</a:t>
+              <a:t>2021/7/20</a:t>
             </a:fld>
             <a:endParaRPr kumimoji="1" lang="ja-JP" altLang="en-US"/>
           </a:p>
@@ -2295,7 +2295,7 @@
           <a:p>
             <a:fld id="{0F52EE3C-6D03-454F-9D3C-725F01881AB8}" type="datetimeFigureOut">
               <a:rPr kumimoji="1" lang="ja-JP" altLang="en-US" smtClean="0"/>
-              <a:t>2021/7/19</a:t>
+              <a:t>2021/7/20</a:t>
             </a:fld>
             <a:endParaRPr kumimoji="1" lang="ja-JP" altLang="en-US"/>
           </a:p>
@@ -2638,7 +2638,7 @@
           <a:p>
             <a:fld id="{0F52EE3C-6D03-454F-9D3C-725F01881AB8}" type="datetimeFigureOut">
               <a:rPr kumimoji="1" lang="ja-JP" altLang="en-US" smtClean="0"/>
-              <a:t>2021/7/19</a:t>
+              <a:t>2021/7/20</a:t>
             </a:fld>
             <a:endParaRPr kumimoji="1" lang="ja-JP" altLang="en-US"/>
           </a:p>
@@ -2926,7 +2926,7 @@
           <a:p>
             <a:fld id="{0F52EE3C-6D03-454F-9D3C-725F01881AB8}" type="datetimeFigureOut">
               <a:rPr kumimoji="1" lang="ja-JP" altLang="en-US" smtClean="0"/>
-              <a:t>2021/7/19</a:t>
+              <a:t>2021/7/20</a:t>
             </a:fld>
             <a:endParaRPr kumimoji="1" lang="ja-JP" altLang="en-US"/>
           </a:p>
@@ -3199,7 +3199,7 @@
           <a:p>
             <a:fld id="{0F52EE3C-6D03-454F-9D3C-725F01881AB8}" type="datetimeFigureOut">
               <a:rPr kumimoji="1" lang="ja-JP" altLang="en-US" smtClean="0"/>
-              <a:t>2021/7/19</a:t>
+              <a:t>2021/7/20</a:t>
             </a:fld>
             <a:endParaRPr kumimoji="1" lang="ja-JP" altLang="en-US"/>
           </a:p>
@@ -3792,6 +3792,20 @@
             </a:r>
             <a:endParaRPr lang="en-US" altLang="ja-JP" dirty="0"/>
           </a:p>
+          <a:p>
+            <a:pPr marL="0" indent="0">
+              <a:buNone/>
+            </a:pPr>
+            <a:r>
+              <a:rPr lang="en-US" altLang="ja-JP" dirty="0"/>
+              <a:t>       </a:t>
+            </a:r>
+            <a:r>
+              <a:rPr lang="ja-JP" altLang="en-US"/>
+              <a:t>→明日学校に行けたら確認する</a:t>
+            </a:r>
+            <a:endParaRPr lang="en-US" altLang="ja-JP" dirty="0"/>
+          </a:p>
         </p:txBody>
       </p:sp>
     </p:spTree>
@@ -4118,14 +4132,14 @@
           <p:nvPr>
             <p:extLst>
               <p:ext uri="{D42A27DB-BD31-4B8C-83A1-F6EECF244321}">
-                <p14:modId xmlns:p14="http://schemas.microsoft.com/office/powerpoint/2010/main" val="1497809169"/>
+                <p14:modId xmlns:p14="http://schemas.microsoft.com/office/powerpoint/2010/main" val="2614048901"/>
               </p:ext>
             </p:extLst>
           </p:nvPr>
         </p:nvGraphicFramePr>
         <p:xfrm>
-          <a:off x="922534" y="2428535"/>
-          <a:ext cx="2743199" cy="3466649"/>
+          <a:off x="922534" y="2428534"/>
+          <a:ext cx="2743199" cy="1855789"/>
         </p:xfrm>
         <a:graphic>
           <a:graphicData uri="http://schemas.openxmlformats.org/drawingml/2006/table">
@@ -4154,7 +4168,7 @@
                   </a:extLst>
                 </a:gridCol>
               </a:tblGrid>
-              <a:tr h="293373">
+              <a:tr h="577267">
                 <a:tc>
                   <a:txBody>
                     <a:bodyPr/>
@@ -4220,7 +4234,7 @@
                     <a:lstStyle/>
                     <a:p>
                       <a:r>
-                        <a:rPr lang="en" sz="1100" b="1">
+                        <a:rPr lang="en" sz="1100" b="1" dirty="0">
                           <a:solidFill>
                             <a:srgbClr val="000000"/>
                           </a:solidFill>
@@ -4230,7 +4244,7 @@
                         </a:rPr>
                         <a:t>V1</a:t>
                       </a:r>
-                      <a:endParaRPr lang="en" sz="1100">
+                      <a:endParaRPr lang="en" sz="1100" dirty="0">
                         <a:effectLst/>
                       </a:endParaRPr>
                     </a:p>
@@ -4346,7 +4360,7 @@
                   </a:ext>
                 </a:extLst>
               </a:tr>
-              <a:tr h="422331">
+              <a:tr h="639261">
                 <a:tc>
                   <a:txBody>
                     <a:bodyPr/>
@@ -4536,7 +4550,7 @@
                   </a:ext>
                 </a:extLst>
               </a:tr>
-              <a:tr h="422331">
+              <a:tr h="639261">
                 <a:tc>
                   <a:txBody>
                     <a:bodyPr/>
@@ -4666,7 +4680,7 @@
                     <a:lstStyle/>
                     <a:p>
                       <a:r>
-                        <a:rPr lang="en-US" altLang="ja-JP" sz="1100">
+                        <a:rPr lang="en-US" altLang="ja-JP" sz="1100" dirty="0">
                           <a:solidFill>
                             <a:srgbClr val="000000"/>
                           </a:solidFill>
@@ -4723,2533 +4737,6 @@
                 <a:extLst>
                   <a:ext uri="{0D108BD9-81ED-4DB2-BD59-A6C34878D82A}">
                     <a16:rowId xmlns:a16="http://schemas.microsoft.com/office/drawing/2014/main" val="2589121111"/>
-                  </a:ext>
-                </a:extLst>
-              </a:tr>
-              <a:tr h="293373">
-                <a:tc>
-                  <a:txBody>
-                    <a:bodyPr/>
-                    <a:lstStyle/>
-                    <a:p>
-                      <a:r>
-                        <a:rPr lang="en-US" altLang="ja-JP" sz="1100" b="1">
-                          <a:solidFill>
-                            <a:srgbClr val="000000"/>
-                          </a:solidFill>
-                          <a:effectLst/>
-                          <a:latin typeface="Hiragino Kaku Gothic ProN" panose="020B0300000000000000" pitchFamily="34" charset="-128"/>
-                          <a:ea typeface="Hiragino Kaku Gothic ProN" panose="020B0300000000000000" pitchFamily="34" charset="-128"/>
-                        </a:rPr>
-                        <a:t>3</a:t>
-                      </a:r>
-                      <a:endParaRPr lang="ja-JP" altLang="en-US" sz="1100">
-                        <a:effectLst/>
-                      </a:endParaRPr>
-                    </a:p>
-                  </a:txBody>
-                  <a:tcPr marL="23047" marR="23047" marT="23047" marB="23047">
-                    <a:lnL w="9525" cap="flat" cmpd="sng" algn="ctr">
-                      <a:solidFill>
-                        <a:srgbClr val="000000"/>
-                      </a:solidFill>
-                      <a:prstDash val="solid"/>
-                      <a:round/>
-                      <a:headEnd type="none" w="med" len="med"/>
-                      <a:tailEnd type="none" w="med" len="med"/>
-                    </a:lnL>
-                    <a:lnR w="9525" cap="flat" cmpd="sng" algn="ctr">
-                      <a:solidFill>
-                        <a:srgbClr val="000000"/>
-                      </a:solidFill>
-                      <a:prstDash val="solid"/>
-                      <a:round/>
-                      <a:headEnd type="none" w="med" len="med"/>
-                      <a:tailEnd type="none" w="med" len="med"/>
-                    </a:lnR>
-                    <a:lnT w="9525" cap="flat" cmpd="sng" algn="ctr">
-                      <a:solidFill>
-                        <a:srgbClr val="000000"/>
-                      </a:solidFill>
-                      <a:prstDash val="solid"/>
-                      <a:round/>
-                      <a:headEnd type="none" w="med" len="med"/>
-                      <a:tailEnd type="none" w="med" len="med"/>
-                    </a:lnT>
-                    <a:lnB w="9525" cap="flat" cmpd="sng" algn="ctr">
-                      <a:solidFill>
-                        <a:srgbClr val="000000"/>
-                      </a:solidFill>
-                      <a:prstDash val="solid"/>
-                      <a:round/>
-                      <a:headEnd type="none" w="med" len="med"/>
-                      <a:tailEnd type="none" w="med" len="med"/>
-                    </a:lnB>
-                    <a:solidFill>
-                      <a:srgbClr val="D4D4D4"/>
-                    </a:solidFill>
-                  </a:tcPr>
-                </a:tc>
-                <a:tc>
-                  <a:txBody>
-                    <a:bodyPr/>
-                    <a:lstStyle/>
-                    <a:p>
-                      <a:r>
-                        <a:rPr lang="en" sz="1100">
-                          <a:solidFill>
-                            <a:srgbClr val="000000"/>
-                          </a:solidFill>
-                          <a:effectLst/>
-                          <a:latin typeface="Hiragino Kaku Gothic ProN" panose="020B0300000000000000" pitchFamily="34" charset="-128"/>
-                          <a:ea typeface="Hiragino Kaku Gothic ProN" panose="020B0300000000000000" pitchFamily="34" charset="-128"/>
-                        </a:rPr>
-                        <a:t>AIC</a:t>
-                      </a:r>
-                      <a:endParaRPr lang="en" sz="1100">
-                        <a:effectLst/>
-                      </a:endParaRPr>
-                    </a:p>
-                  </a:txBody>
-                  <a:tcPr marL="23047" marR="23047" marT="23047" marB="23047">
-                    <a:lnL w="9525" cap="flat" cmpd="sng" algn="ctr">
-                      <a:solidFill>
-                        <a:srgbClr val="000000"/>
-                      </a:solidFill>
-                      <a:prstDash val="solid"/>
-                      <a:round/>
-                      <a:headEnd type="none" w="med" len="med"/>
-                      <a:tailEnd type="none" w="med" len="med"/>
-                    </a:lnL>
-                    <a:lnR w="9525" cap="flat" cmpd="sng" algn="ctr">
-                      <a:solidFill>
-                        <a:srgbClr val="000000"/>
-                      </a:solidFill>
-                      <a:prstDash val="solid"/>
-                      <a:round/>
-                      <a:headEnd type="none" w="med" len="med"/>
-                      <a:tailEnd type="none" w="med" len="med"/>
-                    </a:lnR>
-                    <a:lnT w="9525" cap="flat" cmpd="sng" algn="ctr">
-                      <a:solidFill>
-                        <a:srgbClr val="000000"/>
-                      </a:solidFill>
-                      <a:prstDash val="solid"/>
-                      <a:round/>
-                      <a:headEnd type="none" w="med" len="med"/>
-                      <a:tailEnd type="none" w="med" len="med"/>
-                    </a:lnT>
-                    <a:lnB w="9525" cap="flat" cmpd="sng" algn="ctr">
-                      <a:solidFill>
-                        <a:srgbClr val="000000"/>
-                      </a:solidFill>
-                      <a:prstDash val="solid"/>
-                      <a:round/>
-                      <a:headEnd type="none" w="med" len="med"/>
-                      <a:tailEnd type="none" w="med" len="med"/>
-                    </a:lnB>
-                  </a:tcPr>
-                </a:tc>
-                <a:tc>
-                  <a:txBody>
-                    <a:bodyPr/>
-                    <a:lstStyle/>
-                    <a:p>
-                      <a:r>
-                        <a:rPr lang="en" sz="1100">
-                          <a:solidFill>
-                            <a:srgbClr val="000000"/>
-                          </a:solidFill>
-                          <a:effectLst/>
-                          <a:latin typeface="Hiragino Kaku Gothic ProN" panose="020B0300000000000000" pitchFamily="34" charset="-128"/>
-                          <a:ea typeface="Hiragino Kaku Gothic ProN" panose="020B0300000000000000" pitchFamily="34" charset="-128"/>
-                        </a:rPr>
-                        <a:t>BIC</a:t>
-                      </a:r>
-                      <a:endParaRPr lang="en" sz="1100">
-                        <a:effectLst/>
-                      </a:endParaRPr>
-                    </a:p>
-                  </a:txBody>
-                  <a:tcPr marL="23047" marR="23047" marT="23047" marB="23047">
-                    <a:lnL w="9525" cap="flat" cmpd="sng" algn="ctr">
-                      <a:solidFill>
-                        <a:srgbClr val="000000"/>
-                      </a:solidFill>
-                      <a:prstDash val="solid"/>
-                      <a:round/>
-                      <a:headEnd type="none" w="med" len="med"/>
-                      <a:tailEnd type="none" w="med" len="med"/>
-                    </a:lnL>
-                    <a:lnR w="9525" cap="flat" cmpd="sng" algn="ctr">
-                      <a:solidFill>
-                        <a:srgbClr val="000000"/>
-                      </a:solidFill>
-                      <a:prstDash val="solid"/>
-                      <a:round/>
-                      <a:headEnd type="none" w="med" len="med"/>
-                      <a:tailEnd type="none" w="med" len="med"/>
-                    </a:lnR>
-                    <a:lnT w="9525" cap="flat" cmpd="sng" algn="ctr">
-                      <a:solidFill>
-                        <a:srgbClr val="000000"/>
-                      </a:solidFill>
-                      <a:prstDash val="solid"/>
-                      <a:round/>
-                      <a:headEnd type="none" w="med" len="med"/>
-                      <a:tailEnd type="none" w="med" len="med"/>
-                    </a:lnT>
-                    <a:lnB w="9525" cap="flat" cmpd="sng" algn="ctr">
-                      <a:solidFill>
-                        <a:srgbClr val="000000"/>
-                      </a:solidFill>
-                      <a:prstDash val="solid"/>
-                      <a:round/>
-                      <a:headEnd type="none" w="med" len="med"/>
-                      <a:tailEnd type="none" w="med" len="med"/>
-                    </a:lnB>
-                  </a:tcPr>
-                </a:tc>
-                <a:extLst>
-                  <a:ext uri="{0D108BD9-81ED-4DB2-BD59-A6C34878D82A}">
-                    <a16:rowId xmlns:a16="http://schemas.microsoft.com/office/drawing/2014/main" val="2923073519"/>
-                  </a:ext>
-                </a:extLst>
-              </a:tr>
-              <a:tr h="551289">
-                <a:tc>
-                  <a:txBody>
-                    <a:bodyPr/>
-                    <a:lstStyle/>
-                    <a:p>
-                      <a:r>
-                        <a:rPr lang="en-US" altLang="ja-JP" sz="1100" b="1">
-                          <a:solidFill>
-                            <a:srgbClr val="000000"/>
-                          </a:solidFill>
-                          <a:effectLst/>
-                          <a:latin typeface="Hiragino Kaku Gothic ProN" panose="020B0300000000000000" pitchFamily="34" charset="-128"/>
-                          <a:ea typeface="Hiragino Kaku Gothic ProN" panose="020B0300000000000000" pitchFamily="34" charset="-128"/>
-                        </a:rPr>
-                        <a:t>4</a:t>
-                      </a:r>
-                      <a:endParaRPr lang="ja-JP" altLang="en-US" sz="1100">
-                        <a:effectLst/>
-                      </a:endParaRPr>
-                    </a:p>
-                  </a:txBody>
-                  <a:tcPr marL="23047" marR="23047" marT="23047" marB="23047">
-                    <a:lnL w="9525" cap="flat" cmpd="sng" algn="ctr">
-                      <a:solidFill>
-                        <a:srgbClr val="000000"/>
-                      </a:solidFill>
-                      <a:prstDash val="solid"/>
-                      <a:round/>
-                      <a:headEnd type="none" w="med" len="med"/>
-                      <a:tailEnd type="none" w="med" len="med"/>
-                    </a:lnL>
-                    <a:lnR w="9525" cap="flat" cmpd="sng" algn="ctr">
-                      <a:solidFill>
-                        <a:srgbClr val="000000"/>
-                      </a:solidFill>
-                      <a:prstDash val="solid"/>
-                      <a:round/>
-                      <a:headEnd type="none" w="med" len="med"/>
-                      <a:tailEnd type="none" w="med" len="med"/>
-                    </a:lnR>
-                    <a:lnT w="9525" cap="flat" cmpd="sng" algn="ctr">
-                      <a:solidFill>
-                        <a:srgbClr val="000000"/>
-                      </a:solidFill>
-                      <a:prstDash val="solid"/>
-                      <a:round/>
-                      <a:headEnd type="none" w="med" len="med"/>
-                      <a:tailEnd type="none" w="med" len="med"/>
-                    </a:lnT>
-                    <a:lnB w="9525" cap="flat" cmpd="sng" algn="ctr">
-                      <a:solidFill>
-                        <a:srgbClr val="000000"/>
-                      </a:solidFill>
-                      <a:prstDash val="solid"/>
-                      <a:round/>
-                      <a:headEnd type="none" w="med" len="med"/>
-                      <a:tailEnd type="none" w="med" len="med"/>
-                    </a:lnB>
-                    <a:solidFill>
-                      <a:srgbClr val="D4D4D4"/>
-                    </a:solidFill>
-                  </a:tcPr>
-                </a:tc>
-                <a:tc>
-                  <a:txBody>
-                    <a:bodyPr/>
-                    <a:lstStyle/>
-                    <a:p>
-                      <a:r>
-                        <a:rPr lang="en" sz="1100">
-                          <a:solidFill>
-                            <a:srgbClr val="000000"/>
-                          </a:solidFill>
-                          <a:effectLst/>
-                          <a:latin typeface="Hiragino Kaku Gothic ProN" panose="020B0300000000000000" pitchFamily="34" charset="-128"/>
-                          <a:ea typeface="Hiragino Kaku Gothic ProN" panose="020B0300000000000000" pitchFamily="34" charset="-128"/>
-                        </a:rPr>
-                        <a:t>RhatMax</a:t>
-                      </a:r>
-                      <a:endParaRPr lang="en" sz="1100">
-                        <a:effectLst/>
-                      </a:endParaRPr>
-                    </a:p>
-                  </a:txBody>
-                  <a:tcPr marL="23047" marR="23047" marT="23047" marB="23047">
-                    <a:lnL w="9525" cap="flat" cmpd="sng" algn="ctr">
-                      <a:solidFill>
-                        <a:srgbClr val="000000"/>
-                      </a:solidFill>
-                      <a:prstDash val="solid"/>
-                      <a:round/>
-                      <a:headEnd type="none" w="med" len="med"/>
-                      <a:tailEnd type="none" w="med" len="med"/>
-                    </a:lnL>
-                    <a:lnR w="9525" cap="flat" cmpd="sng" algn="ctr">
-                      <a:solidFill>
-                        <a:srgbClr val="000000"/>
-                      </a:solidFill>
-                      <a:prstDash val="solid"/>
-                      <a:round/>
-                      <a:headEnd type="none" w="med" len="med"/>
-                      <a:tailEnd type="none" w="med" len="med"/>
-                    </a:lnR>
-                    <a:lnT w="9525" cap="flat" cmpd="sng" algn="ctr">
-                      <a:solidFill>
-                        <a:srgbClr val="000000"/>
-                      </a:solidFill>
-                      <a:prstDash val="solid"/>
-                      <a:round/>
-                      <a:headEnd type="none" w="med" len="med"/>
-                      <a:tailEnd type="none" w="med" len="med"/>
-                    </a:lnT>
-                    <a:lnB w="9525" cap="flat" cmpd="sng" algn="ctr">
-                      <a:solidFill>
-                        <a:srgbClr val="000000"/>
-                      </a:solidFill>
-                      <a:prstDash val="solid"/>
-                      <a:round/>
-                      <a:headEnd type="none" w="med" len="med"/>
-                      <a:tailEnd type="none" w="med" len="med"/>
-                    </a:lnB>
-                  </a:tcPr>
-                </a:tc>
-                <a:tc>
-                  <a:txBody>
-                    <a:bodyPr/>
-                    <a:lstStyle/>
-                    <a:p>
-                      <a:r>
-                        <a:rPr lang="en-US" altLang="ja-JP" sz="1100">
-                          <a:solidFill>
-                            <a:srgbClr val="000000"/>
-                          </a:solidFill>
-                          <a:effectLst/>
-                          <a:latin typeface="Hiragino Kaku Gothic ProN" panose="020B0300000000000000" pitchFamily="34" charset="-128"/>
-                          <a:ea typeface="Hiragino Kaku Gothic ProN" panose="020B0300000000000000" pitchFamily="34" charset="-128"/>
-                        </a:rPr>
-                        <a:t>1.00504940833118</a:t>
-                      </a:r>
-                      <a:endParaRPr lang="ja-JP" altLang="en-US" sz="1100">
-                        <a:effectLst/>
-                      </a:endParaRPr>
-                    </a:p>
-                  </a:txBody>
-                  <a:tcPr marL="23047" marR="23047" marT="23047" marB="23047">
-                    <a:lnL w="9525" cap="flat" cmpd="sng" algn="ctr">
-                      <a:solidFill>
-                        <a:srgbClr val="000000"/>
-                      </a:solidFill>
-                      <a:prstDash val="solid"/>
-                      <a:round/>
-                      <a:headEnd type="none" w="med" len="med"/>
-                      <a:tailEnd type="none" w="med" len="med"/>
-                    </a:lnL>
-                    <a:lnR w="9525" cap="flat" cmpd="sng" algn="ctr">
-                      <a:solidFill>
-                        <a:srgbClr val="000000"/>
-                      </a:solidFill>
-                      <a:prstDash val="solid"/>
-                      <a:round/>
-                      <a:headEnd type="none" w="med" len="med"/>
-                      <a:tailEnd type="none" w="med" len="med"/>
-                    </a:lnR>
-                    <a:lnT w="9525" cap="flat" cmpd="sng" algn="ctr">
-                      <a:solidFill>
-                        <a:srgbClr val="000000"/>
-                      </a:solidFill>
-                      <a:prstDash val="solid"/>
-                      <a:round/>
-                      <a:headEnd type="none" w="med" len="med"/>
-                      <a:tailEnd type="none" w="med" len="med"/>
-                    </a:lnT>
-                    <a:lnB w="9525" cap="flat" cmpd="sng" algn="ctr">
-                      <a:solidFill>
-                        <a:srgbClr val="000000"/>
-                      </a:solidFill>
-                      <a:prstDash val="solid"/>
-                      <a:round/>
-                      <a:headEnd type="none" w="med" len="med"/>
-                      <a:tailEnd type="none" w="med" len="med"/>
-                    </a:lnB>
-                  </a:tcPr>
-                </a:tc>
-                <a:extLst>
-                  <a:ext uri="{0D108BD9-81ED-4DB2-BD59-A6C34878D82A}">
-                    <a16:rowId xmlns:a16="http://schemas.microsoft.com/office/drawing/2014/main" val="3039307657"/>
-                  </a:ext>
-                </a:extLst>
-              </a:tr>
-              <a:tr h="551289">
-                <a:tc>
-                  <a:txBody>
-                    <a:bodyPr/>
-                    <a:lstStyle/>
-                    <a:p>
-                      <a:r>
-                        <a:rPr lang="en-US" altLang="ja-JP" sz="1100" b="1">
-                          <a:solidFill>
-                            <a:srgbClr val="000000"/>
-                          </a:solidFill>
-                          <a:effectLst/>
-                          <a:latin typeface="Hiragino Kaku Gothic ProN" panose="020B0300000000000000" pitchFamily="34" charset="-128"/>
-                          <a:ea typeface="Hiragino Kaku Gothic ProN" panose="020B0300000000000000" pitchFamily="34" charset="-128"/>
-                        </a:rPr>
-                        <a:t>5</a:t>
-                      </a:r>
-                      <a:endParaRPr lang="ja-JP" altLang="en-US" sz="1100">
-                        <a:effectLst/>
-                      </a:endParaRPr>
-                    </a:p>
-                  </a:txBody>
-                  <a:tcPr marL="23047" marR="23047" marT="23047" marB="23047">
-                    <a:lnL w="9525" cap="flat" cmpd="sng" algn="ctr">
-                      <a:solidFill>
-                        <a:srgbClr val="000000"/>
-                      </a:solidFill>
-                      <a:prstDash val="solid"/>
-                      <a:round/>
-                      <a:headEnd type="none" w="med" len="med"/>
-                      <a:tailEnd type="none" w="med" len="med"/>
-                    </a:lnL>
-                    <a:lnR w="9525" cap="flat" cmpd="sng" algn="ctr">
-                      <a:solidFill>
-                        <a:srgbClr val="000000"/>
-                      </a:solidFill>
-                      <a:prstDash val="solid"/>
-                      <a:round/>
-                      <a:headEnd type="none" w="med" len="med"/>
-                      <a:tailEnd type="none" w="med" len="med"/>
-                    </a:lnR>
-                    <a:lnT w="9525" cap="flat" cmpd="sng" algn="ctr">
-                      <a:solidFill>
-                        <a:srgbClr val="000000"/>
-                      </a:solidFill>
-                      <a:prstDash val="solid"/>
-                      <a:round/>
-                      <a:headEnd type="none" w="med" len="med"/>
-                      <a:tailEnd type="none" w="med" len="med"/>
-                    </a:lnT>
-                    <a:lnB w="9525" cap="flat" cmpd="sng" algn="ctr">
-                      <a:solidFill>
-                        <a:srgbClr val="000000"/>
-                      </a:solidFill>
-                      <a:prstDash val="solid"/>
-                      <a:round/>
-                      <a:headEnd type="none" w="med" len="med"/>
-                      <a:tailEnd type="none" w="med" len="med"/>
-                    </a:lnB>
-                    <a:solidFill>
-                      <a:srgbClr val="D4D4D4"/>
-                    </a:solidFill>
-                  </a:tcPr>
-                </a:tc>
-                <a:tc>
-                  <a:txBody>
-                    <a:bodyPr/>
-                    <a:lstStyle/>
-                    <a:p>
-                      <a:r>
-                        <a:rPr lang="en" sz="1100">
-                          <a:solidFill>
-                            <a:srgbClr val="000000"/>
-                          </a:solidFill>
-                          <a:effectLst/>
-                          <a:latin typeface="Hiragino Kaku Gothic ProN" panose="020B0300000000000000" pitchFamily="34" charset="-128"/>
-                          <a:ea typeface="Hiragino Kaku Gothic ProN" panose="020B0300000000000000" pitchFamily="34" charset="-128"/>
-                        </a:rPr>
-                        <a:t>RhatMean</a:t>
-                      </a:r>
-                      <a:endParaRPr lang="en" sz="1100">
-                        <a:effectLst/>
-                      </a:endParaRPr>
-                    </a:p>
-                  </a:txBody>
-                  <a:tcPr marL="23047" marR="23047" marT="23047" marB="23047">
-                    <a:lnL w="9525" cap="flat" cmpd="sng" algn="ctr">
-                      <a:solidFill>
-                        <a:srgbClr val="000000"/>
-                      </a:solidFill>
-                      <a:prstDash val="solid"/>
-                      <a:round/>
-                      <a:headEnd type="none" w="med" len="med"/>
-                      <a:tailEnd type="none" w="med" len="med"/>
-                    </a:lnL>
-                    <a:lnR w="9525" cap="flat" cmpd="sng" algn="ctr">
-                      <a:solidFill>
-                        <a:srgbClr val="000000"/>
-                      </a:solidFill>
-                      <a:prstDash val="solid"/>
-                      <a:round/>
-                      <a:headEnd type="none" w="med" len="med"/>
-                      <a:tailEnd type="none" w="med" len="med"/>
-                    </a:lnR>
-                    <a:lnT w="9525" cap="flat" cmpd="sng" algn="ctr">
-                      <a:solidFill>
-                        <a:srgbClr val="000000"/>
-                      </a:solidFill>
-                      <a:prstDash val="solid"/>
-                      <a:round/>
-                      <a:headEnd type="none" w="med" len="med"/>
-                      <a:tailEnd type="none" w="med" len="med"/>
-                    </a:lnT>
-                    <a:lnB w="9525" cap="flat" cmpd="sng" algn="ctr">
-                      <a:solidFill>
-                        <a:srgbClr val="000000"/>
-                      </a:solidFill>
-                      <a:prstDash val="solid"/>
-                      <a:round/>
-                      <a:headEnd type="none" w="med" len="med"/>
-                      <a:tailEnd type="none" w="med" len="med"/>
-                    </a:lnB>
-                  </a:tcPr>
-                </a:tc>
-                <a:tc>
-                  <a:txBody>
-                    <a:bodyPr/>
-                    <a:lstStyle/>
-                    <a:p>
-                      <a:r>
-                        <a:rPr lang="en-US" altLang="ja-JP" sz="1100">
-                          <a:solidFill>
-                            <a:srgbClr val="000000"/>
-                          </a:solidFill>
-                          <a:effectLst/>
-                          <a:latin typeface="Hiragino Kaku Gothic ProN" panose="020B0300000000000000" pitchFamily="34" charset="-128"/>
-                          <a:ea typeface="Hiragino Kaku Gothic ProN" panose="020B0300000000000000" pitchFamily="34" charset="-128"/>
-                        </a:rPr>
-                        <a:t>0.999191570984307</a:t>
-                      </a:r>
-                      <a:endParaRPr lang="ja-JP" altLang="en-US" sz="1100">
-                        <a:effectLst/>
-                      </a:endParaRPr>
-                    </a:p>
-                  </a:txBody>
-                  <a:tcPr marL="23047" marR="23047" marT="23047" marB="23047">
-                    <a:lnL w="9525" cap="flat" cmpd="sng" algn="ctr">
-                      <a:solidFill>
-                        <a:srgbClr val="000000"/>
-                      </a:solidFill>
-                      <a:prstDash val="solid"/>
-                      <a:round/>
-                      <a:headEnd type="none" w="med" len="med"/>
-                      <a:tailEnd type="none" w="med" len="med"/>
-                    </a:lnL>
-                    <a:lnR w="9525" cap="flat" cmpd="sng" algn="ctr">
-                      <a:solidFill>
-                        <a:srgbClr val="000000"/>
-                      </a:solidFill>
-                      <a:prstDash val="solid"/>
-                      <a:round/>
-                      <a:headEnd type="none" w="med" len="med"/>
-                      <a:tailEnd type="none" w="med" len="med"/>
-                    </a:lnR>
-                    <a:lnT w="9525" cap="flat" cmpd="sng" algn="ctr">
-                      <a:solidFill>
-                        <a:srgbClr val="000000"/>
-                      </a:solidFill>
-                      <a:prstDash val="solid"/>
-                      <a:round/>
-                      <a:headEnd type="none" w="med" len="med"/>
-                      <a:tailEnd type="none" w="med" len="med"/>
-                    </a:lnT>
-                    <a:lnB w="9525" cap="flat" cmpd="sng" algn="ctr">
-                      <a:solidFill>
-                        <a:srgbClr val="000000"/>
-                      </a:solidFill>
-                      <a:prstDash val="solid"/>
-                      <a:round/>
-                      <a:headEnd type="none" w="med" len="med"/>
-                      <a:tailEnd type="none" w="med" len="med"/>
-                    </a:lnB>
-                  </a:tcPr>
-                </a:tc>
-                <a:extLst>
-                  <a:ext uri="{0D108BD9-81ED-4DB2-BD59-A6C34878D82A}">
-                    <a16:rowId xmlns:a16="http://schemas.microsoft.com/office/drawing/2014/main" val="3571121511"/>
-                  </a:ext>
-                </a:extLst>
-              </a:tr>
-              <a:tr h="422331">
-                <a:tc>
-                  <a:txBody>
-                    <a:bodyPr/>
-                    <a:lstStyle/>
-                    <a:p>
-                      <a:r>
-                        <a:rPr lang="en-US" altLang="ja-JP" sz="1100" b="1">
-                          <a:solidFill>
-                            <a:srgbClr val="000000"/>
-                          </a:solidFill>
-                          <a:effectLst/>
-                          <a:latin typeface="Hiragino Kaku Gothic ProN" panose="020B0300000000000000" pitchFamily="34" charset="-128"/>
-                          <a:ea typeface="Hiragino Kaku Gothic ProN" panose="020B0300000000000000" pitchFamily="34" charset="-128"/>
-                        </a:rPr>
-                        <a:t>6</a:t>
-                      </a:r>
-                      <a:endParaRPr lang="ja-JP" altLang="en-US" sz="1100">
-                        <a:effectLst/>
-                      </a:endParaRPr>
-                    </a:p>
-                  </a:txBody>
-                  <a:tcPr marL="23047" marR="23047" marT="23047" marB="23047">
-                    <a:lnL w="9525" cap="flat" cmpd="sng" algn="ctr">
-                      <a:solidFill>
-                        <a:srgbClr val="000000"/>
-                      </a:solidFill>
-                      <a:prstDash val="solid"/>
-                      <a:round/>
-                      <a:headEnd type="none" w="med" len="med"/>
-                      <a:tailEnd type="none" w="med" len="med"/>
-                    </a:lnL>
-                    <a:lnR w="9525" cap="flat" cmpd="sng" algn="ctr">
-                      <a:solidFill>
-                        <a:srgbClr val="000000"/>
-                      </a:solidFill>
-                      <a:prstDash val="solid"/>
-                      <a:round/>
-                      <a:headEnd type="none" w="med" len="med"/>
-                      <a:tailEnd type="none" w="med" len="med"/>
-                    </a:lnR>
-                    <a:lnT w="9525" cap="flat" cmpd="sng" algn="ctr">
-                      <a:solidFill>
-                        <a:srgbClr val="000000"/>
-                      </a:solidFill>
-                      <a:prstDash val="solid"/>
-                      <a:round/>
-                      <a:headEnd type="none" w="med" len="med"/>
-                      <a:tailEnd type="none" w="med" len="med"/>
-                    </a:lnT>
-                    <a:lnB w="9525" cap="flat" cmpd="sng" algn="ctr">
-                      <a:solidFill>
-                        <a:srgbClr val="000000"/>
-                      </a:solidFill>
-                      <a:prstDash val="solid"/>
-                      <a:round/>
-                      <a:headEnd type="none" w="med" len="med"/>
-                      <a:tailEnd type="none" w="med" len="med"/>
-                    </a:lnB>
-                    <a:solidFill>
-                      <a:srgbClr val="D4D4D4"/>
-                    </a:solidFill>
-                  </a:tcPr>
-                </a:tc>
-                <a:tc>
-                  <a:txBody>
-                    <a:bodyPr/>
-                    <a:lstStyle/>
-                    <a:p>
-                      <a:r>
-                        <a:rPr lang="en" sz="1100">
-                          <a:solidFill>
-                            <a:srgbClr val="000000"/>
-                          </a:solidFill>
-                          <a:effectLst/>
-                          <a:latin typeface="Hiragino Kaku Gothic ProN" panose="020B0300000000000000" pitchFamily="34" charset="-128"/>
-                          <a:ea typeface="Hiragino Kaku Gothic ProN" panose="020B0300000000000000" pitchFamily="34" charset="-128"/>
-                        </a:rPr>
-                        <a:t>SE Mean</a:t>
-                      </a:r>
-                      <a:endParaRPr lang="en" sz="1100">
-                        <a:effectLst/>
-                      </a:endParaRPr>
-                    </a:p>
-                  </a:txBody>
-                  <a:tcPr marL="23047" marR="23047" marT="23047" marB="23047">
-                    <a:lnL w="9525" cap="flat" cmpd="sng" algn="ctr">
-                      <a:solidFill>
-                        <a:srgbClr val="000000"/>
-                      </a:solidFill>
-                      <a:prstDash val="solid"/>
-                      <a:round/>
-                      <a:headEnd type="none" w="med" len="med"/>
-                      <a:tailEnd type="none" w="med" len="med"/>
-                    </a:lnL>
-                    <a:lnR w="9525" cap="flat" cmpd="sng" algn="ctr">
-                      <a:solidFill>
-                        <a:srgbClr val="000000"/>
-                      </a:solidFill>
-                      <a:prstDash val="solid"/>
-                      <a:round/>
-                      <a:headEnd type="none" w="med" len="med"/>
-                      <a:tailEnd type="none" w="med" len="med"/>
-                    </a:lnR>
-                    <a:lnT w="9525" cap="flat" cmpd="sng" algn="ctr">
-                      <a:solidFill>
-                        <a:srgbClr val="000000"/>
-                      </a:solidFill>
-                      <a:prstDash val="solid"/>
-                      <a:round/>
-                      <a:headEnd type="none" w="med" len="med"/>
-                      <a:tailEnd type="none" w="med" len="med"/>
-                    </a:lnT>
-                    <a:lnB w="9525" cap="flat" cmpd="sng" algn="ctr">
-                      <a:solidFill>
-                        <a:srgbClr val="000000"/>
-                      </a:solidFill>
-                      <a:prstDash val="solid"/>
-                      <a:round/>
-                      <a:headEnd type="none" w="med" len="med"/>
-                      <a:tailEnd type="none" w="med" len="med"/>
-                    </a:lnB>
-                  </a:tcPr>
-                </a:tc>
-                <a:tc>
-                  <a:txBody>
-                    <a:bodyPr/>
-                    <a:lstStyle/>
-                    <a:p>
-                      <a:r>
-                        <a:rPr lang="en-US" altLang="ja-JP" sz="1100">
-                          <a:solidFill>
-                            <a:srgbClr val="000000"/>
-                          </a:solidFill>
-                          <a:effectLst/>
-                          <a:latin typeface="Hiragino Kaku Gothic ProN" panose="020B0300000000000000" pitchFamily="34" charset="-128"/>
-                          <a:ea typeface="Hiragino Kaku Gothic ProN" panose="020B0300000000000000" pitchFamily="34" charset="-128"/>
-                        </a:rPr>
-                        <a:t>0.185610348557121</a:t>
-                      </a:r>
-                      <a:endParaRPr lang="ja-JP" altLang="en-US" sz="1100">
-                        <a:effectLst/>
-                      </a:endParaRPr>
-                    </a:p>
-                  </a:txBody>
-                  <a:tcPr marL="23047" marR="23047" marT="23047" marB="23047">
-                    <a:lnL w="9525" cap="flat" cmpd="sng" algn="ctr">
-                      <a:solidFill>
-                        <a:srgbClr val="000000"/>
-                      </a:solidFill>
-                      <a:prstDash val="solid"/>
-                      <a:round/>
-                      <a:headEnd type="none" w="med" len="med"/>
-                      <a:tailEnd type="none" w="med" len="med"/>
-                    </a:lnL>
-                    <a:lnR w="9525" cap="flat" cmpd="sng" algn="ctr">
-                      <a:solidFill>
-                        <a:srgbClr val="000000"/>
-                      </a:solidFill>
-                      <a:prstDash val="solid"/>
-                      <a:round/>
-                      <a:headEnd type="none" w="med" len="med"/>
-                      <a:tailEnd type="none" w="med" len="med"/>
-                    </a:lnR>
-                    <a:lnT w="9525" cap="flat" cmpd="sng" algn="ctr">
-                      <a:solidFill>
-                        <a:srgbClr val="000000"/>
-                      </a:solidFill>
-                      <a:prstDash val="solid"/>
-                      <a:round/>
-                      <a:headEnd type="none" w="med" len="med"/>
-                      <a:tailEnd type="none" w="med" len="med"/>
-                    </a:lnT>
-                    <a:lnB w="9525" cap="flat" cmpd="sng" algn="ctr">
-                      <a:solidFill>
-                        <a:srgbClr val="000000"/>
-                      </a:solidFill>
-                      <a:prstDash val="solid"/>
-                      <a:round/>
-                      <a:headEnd type="none" w="med" len="med"/>
-                      <a:tailEnd type="none" w="med" len="med"/>
-                    </a:lnB>
-                  </a:tcPr>
-                </a:tc>
-                <a:extLst>
-                  <a:ext uri="{0D108BD9-81ED-4DB2-BD59-A6C34878D82A}">
-                    <a16:rowId xmlns:a16="http://schemas.microsoft.com/office/drawing/2014/main" val="4031413334"/>
-                  </a:ext>
-                </a:extLst>
-              </a:tr>
-              <a:tr h="422331">
-                <a:tc>
-                  <a:txBody>
-                    <a:bodyPr/>
-                    <a:lstStyle/>
-                    <a:p>
-                      <a:r>
-                        <a:rPr lang="en-US" altLang="ja-JP" sz="1100" b="1">
-                          <a:solidFill>
-                            <a:srgbClr val="000000"/>
-                          </a:solidFill>
-                          <a:effectLst/>
-                          <a:latin typeface="Hiragino Kaku Gothic ProN" panose="020B0300000000000000" pitchFamily="34" charset="-128"/>
-                          <a:ea typeface="Hiragino Kaku Gothic ProN" panose="020B0300000000000000" pitchFamily="34" charset="-128"/>
-                        </a:rPr>
-                        <a:t>7</a:t>
-                      </a:r>
-                      <a:endParaRPr lang="ja-JP" altLang="en-US" sz="1100">
-                        <a:effectLst/>
-                      </a:endParaRPr>
-                    </a:p>
-                  </a:txBody>
-                  <a:tcPr marL="23047" marR="23047" marT="23047" marB="23047">
-                    <a:lnL w="9525" cap="flat" cmpd="sng" algn="ctr">
-                      <a:solidFill>
-                        <a:srgbClr val="000000"/>
-                      </a:solidFill>
-                      <a:prstDash val="solid"/>
-                      <a:round/>
-                      <a:headEnd type="none" w="med" len="med"/>
-                      <a:tailEnd type="none" w="med" len="med"/>
-                    </a:lnL>
-                    <a:lnR w="9525" cap="flat" cmpd="sng" algn="ctr">
-                      <a:solidFill>
-                        <a:srgbClr val="000000"/>
-                      </a:solidFill>
-                      <a:prstDash val="solid"/>
-                      <a:round/>
-                      <a:headEnd type="none" w="med" len="med"/>
-                      <a:tailEnd type="none" w="med" len="med"/>
-                    </a:lnR>
-                    <a:lnT w="9525" cap="flat" cmpd="sng" algn="ctr">
-                      <a:solidFill>
-                        <a:srgbClr val="000000"/>
-                      </a:solidFill>
-                      <a:prstDash val="solid"/>
-                      <a:round/>
-                      <a:headEnd type="none" w="med" len="med"/>
-                      <a:tailEnd type="none" w="med" len="med"/>
-                    </a:lnT>
-                    <a:lnB w="9525" cap="flat" cmpd="sng" algn="ctr">
-                      <a:solidFill>
-                        <a:srgbClr val="000000"/>
-                      </a:solidFill>
-                      <a:prstDash val="solid"/>
-                      <a:round/>
-                      <a:headEnd type="none" w="med" len="med"/>
-                      <a:tailEnd type="none" w="med" len="med"/>
-                    </a:lnB>
-                    <a:solidFill>
-                      <a:srgbClr val="D4D4D4"/>
-                    </a:solidFill>
-                  </a:tcPr>
-                </a:tc>
-                <a:tc>
-                  <a:txBody>
-                    <a:bodyPr/>
-                    <a:lstStyle/>
-                    <a:p>
-                      <a:r>
-                        <a:rPr lang="en" sz="1100">
-                          <a:solidFill>
-                            <a:srgbClr val="000000"/>
-                          </a:solidFill>
-                          <a:effectLst/>
-                          <a:latin typeface="Hiragino Kaku Gothic ProN" panose="020B0300000000000000" pitchFamily="34" charset="-128"/>
-                          <a:ea typeface="Hiragino Kaku Gothic ProN" panose="020B0300000000000000" pitchFamily="34" charset="-128"/>
-                        </a:rPr>
-                        <a:t>SE SD</a:t>
-                      </a:r>
-                      <a:endParaRPr lang="en" sz="1100">
-                        <a:effectLst/>
-                      </a:endParaRPr>
-                    </a:p>
-                  </a:txBody>
-                  <a:tcPr marL="23047" marR="23047" marT="23047" marB="23047">
-                    <a:lnL w="9525" cap="flat" cmpd="sng" algn="ctr">
-                      <a:solidFill>
-                        <a:srgbClr val="000000"/>
-                      </a:solidFill>
-                      <a:prstDash val="solid"/>
-                      <a:round/>
-                      <a:headEnd type="none" w="med" len="med"/>
-                      <a:tailEnd type="none" w="med" len="med"/>
-                    </a:lnL>
-                    <a:lnR w="9525" cap="flat" cmpd="sng" algn="ctr">
-                      <a:solidFill>
-                        <a:srgbClr val="000000"/>
-                      </a:solidFill>
-                      <a:prstDash val="solid"/>
-                      <a:round/>
-                      <a:headEnd type="none" w="med" len="med"/>
-                      <a:tailEnd type="none" w="med" len="med"/>
-                    </a:lnR>
-                    <a:lnT w="9525" cap="flat" cmpd="sng" algn="ctr">
-                      <a:solidFill>
-                        <a:srgbClr val="000000"/>
-                      </a:solidFill>
-                      <a:prstDash val="solid"/>
-                      <a:round/>
-                      <a:headEnd type="none" w="med" len="med"/>
-                      <a:tailEnd type="none" w="med" len="med"/>
-                    </a:lnT>
-                    <a:lnB w="9525" cap="flat" cmpd="sng" algn="ctr">
-                      <a:solidFill>
-                        <a:srgbClr val="000000"/>
-                      </a:solidFill>
-                      <a:prstDash val="solid"/>
-                      <a:round/>
-                      <a:headEnd type="none" w="med" len="med"/>
-                      <a:tailEnd type="none" w="med" len="med"/>
-                    </a:lnB>
-                  </a:tcPr>
-                </a:tc>
-                <a:tc>
-                  <a:txBody>
-                    <a:bodyPr/>
-                    <a:lstStyle/>
-                    <a:p>
-                      <a:r>
-                        <a:rPr lang="en-US" altLang="ja-JP" sz="1100" dirty="0">
-                          <a:solidFill>
-                            <a:srgbClr val="000000"/>
-                          </a:solidFill>
-                          <a:effectLst/>
-                          <a:latin typeface="Hiragino Kaku Gothic ProN" panose="020B0300000000000000" pitchFamily="34" charset="-128"/>
-                          <a:ea typeface="Hiragino Kaku Gothic ProN" panose="020B0300000000000000" pitchFamily="34" charset="-128"/>
-                        </a:rPr>
-                        <a:t>0.0108953404778796</a:t>
-                      </a:r>
-                      <a:endParaRPr lang="ja-JP" altLang="en-US" sz="1100">
-                        <a:effectLst/>
-                      </a:endParaRPr>
-                    </a:p>
-                  </a:txBody>
-                  <a:tcPr marL="23047" marR="23047" marT="23047" marB="23047">
-                    <a:lnL w="9525" cap="flat" cmpd="sng" algn="ctr">
-                      <a:solidFill>
-                        <a:srgbClr val="000000"/>
-                      </a:solidFill>
-                      <a:prstDash val="solid"/>
-                      <a:round/>
-                      <a:headEnd type="none" w="med" len="med"/>
-                      <a:tailEnd type="none" w="med" len="med"/>
-                    </a:lnL>
-                    <a:lnR w="9525" cap="flat" cmpd="sng" algn="ctr">
-                      <a:solidFill>
-                        <a:srgbClr val="000000"/>
-                      </a:solidFill>
-                      <a:prstDash val="solid"/>
-                      <a:round/>
-                      <a:headEnd type="none" w="med" len="med"/>
-                      <a:tailEnd type="none" w="med" len="med"/>
-                    </a:lnR>
-                    <a:lnT w="9525" cap="flat" cmpd="sng" algn="ctr">
-                      <a:solidFill>
-                        <a:srgbClr val="000000"/>
-                      </a:solidFill>
-                      <a:prstDash val="solid"/>
-                      <a:round/>
-                      <a:headEnd type="none" w="med" len="med"/>
-                      <a:tailEnd type="none" w="med" len="med"/>
-                    </a:lnT>
-                    <a:lnB w="9525" cap="flat" cmpd="sng" algn="ctr">
-                      <a:solidFill>
-                        <a:srgbClr val="000000"/>
-                      </a:solidFill>
-                      <a:prstDash val="solid"/>
-                      <a:round/>
-                      <a:headEnd type="none" w="med" len="med"/>
-                      <a:tailEnd type="none" w="med" len="med"/>
-                    </a:lnB>
-                  </a:tcPr>
-                </a:tc>
-                <a:extLst>
-                  <a:ext uri="{0D108BD9-81ED-4DB2-BD59-A6C34878D82A}">
-                    <a16:rowId xmlns:a16="http://schemas.microsoft.com/office/drawing/2014/main" val="2505681690"/>
-                  </a:ext>
-                </a:extLst>
-              </a:tr>
-            </a:tbl>
-          </a:graphicData>
-        </a:graphic>
-      </p:graphicFrame>
-      <p:graphicFrame>
-        <p:nvGraphicFramePr>
-          <p:cNvPr id="8" name="表 7">
-            <a:extLst>
-              <a:ext uri="{FF2B5EF4-FFF2-40B4-BE49-F238E27FC236}">
-                <a16:creationId xmlns:a16="http://schemas.microsoft.com/office/drawing/2014/main" id="{964C803E-C380-2944-BA1A-F2023D667D25}"/>
-              </a:ext>
-            </a:extLst>
-          </p:cNvPr>
-          <p:cNvGraphicFramePr>
-            <a:graphicFrameLocks noGrp="1"/>
-          </p:cNvGraphicFramePr>
-          <p:nvPr>
-            <p:extLst>
-              <p:ext uri="{D42A27DB-BD31-4B8C-83A1-F6EECF244321}">
-                <p14:modId xmlns:p14="http://schemas.microsoft.com/office/powerpoint/2010/main" val="610704958"/>
-              </p:ext>
-            </p:extLst>
-          </p:nvPr>
-        </p:nvGraphicFramePr>
-        <p:xfrm>
-          <a:off x="4202130" y="2395812"/>
-          <a:ext cx="3452117" cy="3531652"/>
-        </p:xfrm>
-        <a:graphic>
-          <a:graphicData uri="http://schemas.openxmlformats.org/drawingml/2006/table">
-            <a:tbl>
-              <a:tblPr/>
-              <a:tblGrid>
-                <a:gridCol w="410252">
-                  <a:extLst>
-                    <a:ext uri="{9D8B030D-6E8A-4147-A177-3AD203B41FA5}">
-                      <a16:colId xmlns:a16="http://schemas.microsoft.com/office/drawing/2014/main" val="3073543668"/>
-                    </a:ext>
-                  </a:extLst>
-                </a:gridCol>
-                <a:gridCol w="1341315">
-                  <a:extLst>
-                    <a:ext uri="{9D8B030D-6E8A-4147-A177-3AD203B41FA5}">
-                      <a16:colId xmlns:a16="http://schemas.microsoft.com/office/drawing/2014/main" val="272948102"/>
-                    </a:ext>
-                  </a:extLst>
-                </a:gridCol>
-                <a:gridCol w="1700550">
-                  <a:extLst>
-                    <a:ext uri="{9D8B030D-6E8A-4147-A177-3AD203B41FA5}">
-                      <a16:colId xmlns:a16="http://schemas.microsoft.com/office/drawing/2014/main" val="2758767716"/>
-                    </a:ext>
-                  </a:extLst>
-                </a:gridCol>
-              </a:tblGrid>
-              <a:tr h="349095">
-                <a:tc>
-                  <a:txBody>
-                    <a:bodyPr/>
-                    <a:lstStyle/>
-                    <a:p>
-                      <a:br>
-                        <a:rPr lang="ja-JP" altLang="en-US" sz="1100">
-                          <a:effectLst/>
-                          <a:latin typeface="Helvetica" pitchFamily="2" charset="0"/>
-                        </a:rPr>
-                      </a:br>
-                      <a:endParaRPr lang="ja-JP" altLang="en-US" sz="1100">
-                        <a:effectLst/>
-                        <a:latin typeface="Helvetica" pitchFamily="2" charset="0"/>
-                      </a:endParaRPr>
-                    </a:p>
-                  </a:txBody>
-                  <a:tcPr marL="23047" marR="23047" marT="23047" marB="23047">
-                    <a:lnL w="9525" cap="flat" cmpd="sng" algn="ctr">
-                      <a:solidFill>
-                        <a:srgbClr val="000000"/>
-                      </a:solidFill>
-                      <a:prstDash val="solid"/>
-                      <a:round/>
-                      <a:headEnd type="none" w="med" len="med"/>
-                      <a:tailEnd type="none" w="med" len="med"/>
-                    </a:lnL>
-                    <a:lnR w="9525" cap="flat" cmpd="sng" algn="ctr">
-                      <a:solidFill>
-                        <a:srgbClr val="000000"/>
-                      </a:solidFill>
-                      <a:prstDash val="solid"/>
-                      <a:round/>
-                      <a:headEnd type="none" w="med" len="med"/>
-                      <a:tailEnd type="none" w="med" len="med"/>
-                    </a:lnR>
-                    <a:lnT w="9525" cap="flat" cmpd="sng" algn="ctr">
-                      <a:solidFill>
-                        <a:srgbClr val="000000"/>
-                      </a:solidFill>
-                      <a:prstDash val="solid"/>
-                      <a:round/>
-                      <a:headEnd type="none" w="med" len="med"/>
-                      <a:tailEnd type="none" w="med" len="med"/>
-                    </a:lnT>
-                    <a:lnB w="9525" cap="flat" cmpd="sng" algn="ctr">
-                      <a:solidFill>
-                        <a:srgbClr val="000000"/>
-                      </a:solidFill>
-                      <a:prstDash val="solid"/>
-                      <a:round/>
-                      <a:headEnd type="none" w="med" len="med"/>
-                      <a:tailEnd type="none" w="med" len="med"/>
-                    </a:lnB>
-                    <a:solidFill>
-                      <a:srgbClr val="B0B3B2"/>
-                    </a:solidFill>
-                  </a:tcPr>
-                </a:tc>
-                <a:tc>
-                  <a:txBody>
-                    <a:bodyPr/>
-                    <a:lstStyle/>
-                    <a:p>
-                      <a:r>
-                        <a:rPr lang="en" sz="1100" b="1">
-                          <a:solidFill>
-                            <a:srgbClr val="000000"/>
-                          </a:solidFill>
-                          <a:effectLst/>
-                          <a:latin typeface="Hiragino Kaku Gothic ProN" panose="020B0300000000000000" pitchFamily="34" charset="-128"/>
-                          <a:ea typeface="Hiragino Kaku Gothic ProN" panose="020B0300000000000000" pitchFamily="34" charset="-128"/>
-                        </a:rPr>
-                        <a:t>V1</a:t>
-                      </a:r>
-                      <a:endParaRPr lang="en" sz="1100">
-                        <a:effectLst/>
-                      </a:endParaRPr>
-                    </a:p>
-                  </a:txBody>
-                  <a:tcPr marL="23047" marR="23047" marT="23047" marB="23047">
-                    <a:lnL w="9525" cap="flat" cmpd="sng" algn="ctr">
-                      <a:solidFill>
-                        <a:srgbClr val="000000"/>
-                      </a:solidFill>
-                      <a:prstDash val="solid"/>
-                      <a:round/>
-                      <a:headEnd type="none" w="med" len="med"/>
-                      <a:tailEnd type="none" w="med" len="med"/>
-                    </a:lnL>
-                    <a:lnR w="9525" cap="flat" cmpd="sng" algn="ctr">
-                      <a:solidFill>
-                        <a:srgbClr val="000000"/>
-                      </a:solidFill>
-                      <a:prstDash val="solid"/>
-                      <a:round/>
-                      <a:headEnd type="none" w="med" len="med"/>
-                      <a:tailEnd type="none" w="med" len="med"/>
-                    </a:lnR>
-                    <a:lnT w="9525" cap="flat" cmpd="sng" algn="ctr">
-                      <a:solidFill>
-                        <a:srgbClr val="000000"/>
-                      </a:solidFill>
-                      <a:prstDash val="solid"/>
-                      <a:round/>
-                      <a:headEnd type="none" w="med" len="med"/>
-                      <a:tailEnd type="none" w="med" len="med"/>
-                    </a:lnT>
-                    <a:lnB w="9525" cap="flat" cmpd="sng" algn="ctr">
-                      <a:solidFill>
-                        <a:srgbClr val="000000"/>
-                      </a:solidFill>
-                      <a:prstDash val="solid"/>
-                      <a:round/>
-                      <a:headEnd type="none" w="med" len="med"/>
-                      <a:tailEnd type="none" w="med" len="med"/>
-                    </a:lnB>
-                    <a:solidFill>
-                      <a:srgbClr val="B0B3B2"/>
-                    </a:solidFill>
-                  </a:tcPr>
-                </a:tc>
-                <a:tc>
-                  <a:txBody>
-                    <a:bodyPr/>
-                    <a:lstStyle/>
-                    <a:p>
-                      <a:r>
-                        <a:rPr lang="en" sz="1100" b="1">
-                          <a:solidFill>
-                            <a:srgbClr val="000000"/>
-                          </a:solidFill>
-                          <a:effectLst/>
-                          <a:latin typeface="Hiragino Kaku Gothic ProN" panose="020B0300000000000000" pitchFamily="34" charset="-128"/>
-                          <a:ea typeface="Hiragino Kaku Gothic ProN" panose="020B0300000000000000" pitchFamily="34" charset="-128"/>
-                        </a:rPr>
-                        <a:t>V2</a:t>
-                      </a:r>
-                      <a:endParaRPr lang="en" sz="1100">
-                        <a:effectLst/>
-                      </a:endParaRPr>
-                    </a:p>
-                  </a:txBody>
-                  <a:tcPr marL="23047" marR="23047" marT="23047" marB="23047">
-                    <a:lnL w="9525" cap="flat" cmpd="sng" algn="ctr">
-                      <a:solidFill>
-                        <a:srgbClr val="000000"/>
-                      </a:solidFill>
-                      <a:prstDash val="solid"/>
-                      <a:round/>
-                      <a:headEnd type="none" w="med" len="med"/>
-                      <a:tailEnd type="none" w="med" len="med"/>
-                    </a:lnL>
-                    <a:lnR w="9525" cap="flat" cmpd="sng" algn="ctr">
-                      <a:solidFill>
-                        <a:srgbClr val="000000"/>
-                      </a:solidFill>
-                      <a:prstDash val="solid"/>
-                      <a:round/>
-                      <a:headEnd type="none" w="med" len="med"/>
-                      <a:tailEnd type="none" w="med" len="med"/>
-                    </a:lnR>
-                    <a:lnT w="9525" cap="flat" cmpd="sng" algn="ctr">
-                      <a:solidFill>
-                        <a:srgbClr val="000000"/>
-                      </a:solidFill>
-                      <a:prstDash val="solid"/>
-                      <a:round/>
-                      <a:headEnd type="none" w="med" len="med"/>
-                      <a:tailEnd type="none" w="med" len="med"/>
-                    </a:lnT>
-                    <a:lnB w="9525" cap="flat" cmpd="sng" algn="ctr">
-                      <a:solidFill>
-                        <a:srgbClr val="000000"/>
-                      </a:solidFill>
-                      <a:prstDash val="solid"/>
-                      <a:round/>
-                      <a:headEnd type="none" w="med" len="med"/>
-                      <a:tailEnd type="none" w="med" len="med"/>
-                    </a:lnB>
-                    <a:solidFill>
-                      <a:srgbClr val="B0B3B2"/>
-                    </a:solidFill>
-                  </a:tcPr>
-                </a:tc>
-                <a:extLst>
-                  <a:ext uri="{0D108BD9-81ED-4DB2-BD59-A6C34878D82A}">
-                    <a16:rowId xmlns:a16="http://schemas.microsoft.com/office/drawing/2014/main" val="1029093255"/>
-                  </a:ext>
-                </a:extLst>
-              </a:tr>
-              <a:tr h="431229">
-                <a:tc>
-                  <a:txBody>
-                    <a:bodyPr/>
-                    <a:lstStyle/>
-                    <a:p>
-                      <a:r>
-                        <a:rPr lang="en-US" altLang="ja-JP" sz="1100" b="1">
-                          <a:solidFill>
-                            <a:srgbClr val="000000"/>
-                          </a:solidFill>
-                          <a:effectLst/>
-                          <a:latin typeface="Hiragino Kaku Gothic ProN" panose="020B0300000000000000" pitchFamily="34" charset="-128"/>
-                          <a:ea typeface="Hiragino Kaku Gothic ProN" panose="020B0300000000000000" pitchFamily="34" charset="-128"/>
-                        </a:rPr>
-                        <a:t>1</a:t>
-                      </a:r>
-                      <a:endParaRPr lang="ja-JP" altLang="en-US" sz="1100">
-                        <a:effectLst/>
-                      </a:endParaRPr>
-                    </a:p>
-                  </a:txBody>
-                  <a:tcPr marL="23047" marR="23047" marT="23047" marB="23047">
-                    <a:lnL w="9525" cap="flat" cmpd="sng" algn="ctr">
-                      <a:solidFill>
-                        <a:srgbClr val="000000"/>
-                      </a:solidFill>
-                      <a:prstDash val="solid"/>
-                      <a:round/>
-                      <a:headEnd type="none" w="med" len="med"/>
-                      <a:tailEnd type="none" w="med" len="med"/>
-                    </a:lnL>
-                    <a:lnR w="9525" cap="flat" cmpd="sng" algn="ctr">
-                      <a:solidFill>
-                        <a:srgbClr val="000000"/>
-                      </a:solidFill>
-                      <a:prstDash val="solid"/>
-                      <a:round/>
-                      <a:headEnd type="none" w="med" len="med"/>
-                      <a:tailEnd type="none" w="med" len="med"/>
-                    </a:lnR>
-                    <a:lnT w="9525" cap="flat" cmpd="sng" algn="ctr">
-                      <a:solidFill>
-                        <a:srgbClr val="000000"/>
-                      </a:solidFill>
-                      <a:prstDash val="solid"/>
-                      <a:round/>
-                      <a:headEnd type="none" w="med" len="med"/>
-                      <a:tailEnd type="none" w="med" len="med"/>
-                    </a:lnT>
-                    <a:lnB w="9525" cap="flat" cmpd="sng" algn="ctr">
-                      <a:solidFill>
-                        <a:srgbClr val="000000"/>
-                      </a:solidFill>
-                      <a:prstDash val="solid"/>
-                      <a:round/>
-                      <a:headEnd type="none" w="med" len="med"/>
-                      <a:tailEnd type="none" w="med" len="med"/>
-                    </a:lnB>
-                    <a:solidFill>
-                      <a:srgbClr val="D4D4D4"/>
-                    </a:solidFill>
-                  </a:tcPr>
-                </a:tc>
-                <a:tc>
-                  <a:txBody>
-                    <a:bodyPr/>
-                    <a:lstStyle/>
-                    <a:p>
-                      <a:r>
-                        <a:rPr lang="en" sz="1100">
-                          <a:solidFill>
-                            <a:srgbClr val="000000"/>
-                          </a:solidFill>
-                          <a:effectLst/>
-                          <a:latin typeface="Hiragino Kaku Gothic ProN" panose="020B0300000000000000" pitchFamily="34" charset="-128"/>
-                          <a:ea typeface="Hiragino Kaku Gothic ProN" panose="020B0300000000000000" pitchFamily="34" charset="-128"/>
-                        </a:rPr>
-                        <a:t>WAIC</a:t>
-                      </a:r>
-                      <a:endParaRPr lang="en" sz="1100">
-                        <a:effectLst/>
-                      </a:endParaRPr>
-                    </a:p>
-                  </a:txBody>
-                  <a:tcPr marL="23047" marR="23047" marT="23047" marB="23047">
-                    <a:lnL w="9525" cap="flat" cmpd="sng" algn="ctr">
-                      <a:solidFill>
-                        <a:srgbClr val="000000"/>
-                      </a:solidFill>
-                      <a:prstDash val="solid"/>
-                      <a:round/>
-                      <a:headEnd type="none" w="med" len="med"/>
-                      <a:tailEnd type="none" w="med" len="med"/>
-                    </a:lnL>
-                    <a:lnR w="9525" cap="flat" cmpd="sng" algn="ctr">
-                      <a:solidFill>
-                        <a:srgbClr val="000000"/>
-                      </a:solidFill>
-                      <a:prstDash val="solid"/>
-                      <a:round/>
-                      <a:headEnd type="none" w="med" len="med"/>
-                      <a:tailEnd type="none" w="med" len="med"/>
-                    </a:lnR>
-                    <a:lnT w="9525" cap="flat" cmpd="sng" algn="ctr">
-                      <a:solidFill>
-                        <a:srgbClr val="000000"/>
-                      </a:solidFill>
-                      <a:prstDash val="solid"/>
-                      <a:round/>
-                      <a:headEnd type="none" w="med" len="med"/>
-                      <a:tailEnd type="none" w="med" len="med"/>
-                    </a:lnT>
-                    <a:lnB w="9525" cap="flat" cmpd="sng" algn="ctr">
-                      <a:solidFill>
-                        <a:srgbClr val="000000"/>
-                      </a:solidFill>
-                      <a:prstDash val="solid"/>
-                      <a:round/>
-                      <a:headEnd type="none" w="med" len="med"/>
-                      <a:tailEnd type="none" w="med" len="med"/>
-                    </a:lnB>
-                  </a:tcPr>
-                </a:tc>
-                <a:tc>
-                  <a:txBody>
-                    <a:bodyPr/>
-                    <a:lstStyle/>
-                    <a:p>
-                      <a:r>
-                        <a:rPr lang="en-US" altLang="ja-JP" sz="1100">
-                          <a:solidFill>
-                            <a:srgbClr val="000000"/>
-                          </a:solidFill>
-                          <a:effectLst/>
-                          <a:latin typeface="Hiragino Kaku Gothic ProN" panose="020B0300000000000000" pitchFamily="34" charset="-128"/>
-                          <a:ea typeface="Hiragino Kaku Gothic ProN" panose="020B0300000000000000" pitchFamily="34" charset="-128"/>
-                        </a:rPr>
-                        <a:t>3008.71066185824</a:t>
-                      </a:r>
-                      <a:endParaRPr lang="ja-JP" altLang="en-US" sz="1100">
-                        <a:effectLst/>
-                      </a:endParaRPr>
-                    </a:p>
-                  </a:txBody>
-                  <a:tcPr marL="23047" marR="23047" marT="23047" marB="23047">
-                    <a:lnL w="9525" cap="flat" cmpd="sng" algn="ctr">
-                      <a:solidFill>
-                        <a:srgbClr val="000000"/>
-                      </a:solidFill>
-                      <a:prstDash val="solid"/>
-                      <a:round/>
-                      <a:headEnd type="none" w="med" len="med"/>
-                      <a:tailEnd type="none" w="med" len="med"/>
-                    </a:lnL>
-                    <a:lnR w="9525" cap="flat" cmpd="sng" algn="ctr">
-                      <a:solidFill>
-                        <a:srgbClr val="000000"/>
-                      </a:solidFill>
-                      <a:prstDash val="solid"/>
-                      <a:round/>
-                      <a:headEnd type="none" w="med" len="med"/>
-                      <a:tailEnd type="none" w="med" len="med"/>
-                    </a:lnR>
-                    <a:lnT w="9525" cap="flat" cmpd="sng" algn="ctr">
-                      <a:solidFill>
-                        <a:srgbClr val="000000"/>
-                      </a:solidFill>
-                      <a:prstDash val="solid"/>
-                      <a:round/>
-                      <a:headEnd type="none" w="med" len="med"/>
-                      <a:tailEnd type="none" w="med" len="med"/>
-                    </a:lnT>
-                    <a:lnB w="9525" cap="flat" cmpd="sng" algn="ctr">
-                      <a:solidFill>
-                        <a:srgbClr val="000000"/>
-                      </a:solidFill>
-                      <a:prstDash val="solid"/>
-                      <a:round/>
-                      <a:headEnd type="none" w="med" len="med"/>
-                      <a:tailEnd type="none" w="med" len="med"/>
-                    </a:lnB>
-                  </a:tcPr>
-                </a:tc>
-                <a:extLst>
-                  <a:ext uri="{0D108BD9-81ED-4DB2-BD59-A6C34878D82A}">
-                    <a16:rowId xmlns:a16="http://schemas.microsoft.com/office/drawing/2014/main" val="2521300987"/>
-                  </a:ext>
-                </a:extLst>
-              </a:tr>
-              <a:tr h="431229">
-                <a:tc>
-                  <a:txBody>
-                    <a:bodyPr/>
-                    <a:lstStyle/>
-                    <a:p>
-                      <a:r>
-                        <a:rPr lang="en-US" altLang="ja-JP" sz="1100" b="1">
-                          <a:solidFill>
-                            <a:srgbClr val="000000"/>
-                          </a:solidFill>
-                          <a:effectLst/>
-                          <a:latin typeface="Hiragino Kaku Gothic ProN" panose="020B0300000000000000" pitchFamily="34" charset="-128"/>
-                          <a:ea typeface="Hiragino Kaku Gothic ProN" panose="020B0300000000000000" pitchFamily="34" charset="-128"/>
-                        </a:rPr>
-                        <a:t>2</a:t>
-                      </a:r>
-                      <a:endParaRPr lang="ja-JP" altLang="en-US" sz="1100">
-                        <a:effectLst/>
-                      </a:endParaRPr>
-                    </a:p>
-                  </a:txBody>
-                  <a:tcPr marL="23047" marR="23047" marT="23047" marB="23047">
-                    <a:lnL w="9525" cap="flat" cmpd="sng" algn="ctr">
-                      <a:solidFill>
-                        <a:srgbClr val="000000"/>
-                      </a:solidFill>
-                      <a:prstDash val="solid"/>
-                      <a:round/>
-                      <a:headEnd type="none" w="med" len="med"/>
-                      <a:tailEnd type="none" w="med" len="med"/>
-                    </a:lnL>
-                    <a:lnR w="9525" cap="flat" cmpd="sng" algn="ctr">
-                      <a:solidFill>
-                        <a:srgbClr val="000000"/>
-                      </a:solidFill>
-                      <a:prstDash val="solid"/>
-                      <a:round/>
-                      <a:headEnd type="none" w="med" len="med"/>
-                      <a:tailEnd type="none" w="med" len="med"/>
-                    </a:lnR>
-                    <a:lnT w="9525" cap="flat" cmpd="sng" algn="ctr">
-                      <a:solidFill>
-                        <a:srgbClr val="000000"/>
-                      </a:solidFill>
-                      <a:prstDash val="solid"/>
-                      <a:round/>
-                      <a:headEnd type="none" w="med" len="med"/>
-                      <a:tailEnd type="none" w="med" len="med"/>
-                    </a:lnT>
-                    <a:lnB w="9525" cap="flat" cmpd="sng" algn="ctr">
-                      <a:solidFill>
-                        <a:srgbClr val="000000"/>
-                      </a:solidFill>
-                      <a:prstDash val="solid"/>
-                      <a:round/>
-                      <a:headEnd type="none" w="med" len="med"/>
-                      <a:tailEnd type="none" w="med" len="med"/>
-                    </a:lnB>
-                    <a:solidFill>
-                      <a:srgbClr val="D4D4D4"/>
-                    </a:solidFill>
-                  </a:tcPr>
-                </a:tc>
-                <a:tc>
-                  <a:txBody>
-                    <a:bodyPr/>
-                    <a:lstStyle/>
-                    <a:p>
-                      <a:r>
-                        <a:rPr lang="en" sz="1100">
-                          <a:solidFill>
-                            <a:srgbClr val="000000"/>
-                          </a:solidFill>
-                          <a:effectLst/>
-                          <a:latin typeface="Hiragino Kaku Gothic ProN" panose="020B0300000000000000" pitchFamily="34" charset="-128"/>
-                          <a:ea typeface="Hiragino Kaku Gothic ProN" panose="020B0300000000000000" pitchFamily="34" charset="-128"/>
-                        </a:rPr>
-                        <a:t>ML</a:t>
-                      </a:r>
-                      <a:endParaRPr lang="en" sz="1100">
-                        <a:effectLst/>
-                      </a:endParaRPr>
-                    </a:p>
-                  </a:txBody>
-                  <a:tcPr marL="23047" marR="23047" marT="23047" marB="23047">
-                    <a:lnL w="9525" cap="flat" cmpd="sng" algn="ctr">
-                      <a:solidFill>
-                        <a:srgbClr val="000000"/>
-                      </a:solidFill>
-                      <a:prstDash val="solid"/>
-                      <a:round/>
-                      <a:headEnd type="none" w="med" len="med"/>
-                      <a:tailEnd type="none" w="med" len="med"/>
-                    </a:lnL>
-                    <a:lnR w="9525" cap="flat" cmpd="sng" algn="ctr">
-                      <a:solidFill>
-                        <a:srgbClr val="000000"/>
-                      </a:solidFill>
-                      <a:prstDash val="solid"/>
-                      <a:round/>
-                      <a:headEnd type="none" w="med" len="med"/>
-                      <a:tailEnd type="none" w="med" len="med"/>
-                    </a:lnR>
-                    <a:lnT w="9525" cap="flat" cmpd="sng" algn="ctr">
-                      <a:solidFill>
-                        <a:srgbClr val="000000"/>
-                      </a:solidFill>
-                      <a:prstDash val="solid"/>
-                      <a:round/>
-                      <a:headEnd type="none" w="med" len="med"/>
-                      <a:tailEnd type="none" w="med" len="med"/>
-                    </a:lnT>
-                    <a:lnB w="9525" cap="flat" cmpd="sng" algn="ctr">
-                      <a:solidFill>
-                        <a:srgbClr val="000000"/>
-                      </a:solidFill>
-                      <a:prstDash val="solid"/>
-                      <a:round/>
-                      <a:headEnd type="none" w="med" len="med"/>
-                      <a:tailEnd type="none" w="med" len="med"/>
-                    </a:lnB>
-                  </a:tcPr>
-                </a:tc>
-                <a:tc>
-                  <a:txBody>
-                    <a:bodyPr/>
-                    <a:lstStyle/>
-                    <a:p>
-                      <a:r>
-                        <a:rPr lang="en-US" altLang="ja-JP" sz="1100" dirty="0">
-                          <a:solidFill>
-                            <a:srgbClr val="000000"/>
-                          </a:solidFill>
-                          <a:effectLst/>
-                          <a:latin typeface="Hiragino Kaku Gothic ProN" panose="020B0300000000000000" pitchFamily="34" charset="-128"/>
-                          <a:ea typeface="Hiragino Kaku Gothic ProN" panose="020B0300000000000000" pitchFamily="34" charset="-128"/>
-                        </a:rPr>
-                        <a:t>2867.28750062606</a:t>
-                      </a:r>
-                      <a:endParaRPr lang="ja-JP" altLang="en-US" sz="1100">
-                        <a:effectLst/>
-                      </a:endParaRPr>
-                    </a:p>
-                  </a:txBody>
-                  <a:tcPr marL="23047" marR="23047" marT="23047" marB="23047">
-                    <a:lnL w="9525" cap="flat" cmpd="sng" algn="ctr">
-                      <a:solidFill>
-                        <a:srgbClr val="000000"/>
-                      </a:solidFill>
-                      <a:prstDash val="solid"/>
-                      <a:round/>
-                      <a:headEnd type="none" w="med" len="med"/>
-                      <a:tailEnd type="none" w="med" len="med"/>
-                    </a:lnL>
-                    <a:lnR w="9525" cap="flat" cmpd="sng" algn="ctr">
-                      <a:solidFill>
-                        <a:srgbClr val="000000"/>
-                      </a:solidFill>
-                      <a:prstDash val="solid"/>
-                      <a:round/>
-                      <a:headEnd type="none" w="med" len="med"/>
-                      <a:tailEnd type="none" w="med" len="med"/>
-                    </a:lnR>
-                    <a:lnT w="9525" cap="flat" cmpd="sng" algn="ctr">
-                      <a:solidFill>
-                        <a:srgbClr val="000000"/>
-                      </a:solidFill>
-                      <a:prstDash val="solid"/>
-                      <a:round/>
-                      <a:headEnd type="none" w="med" len="med"/>
-                      <a:tailEnd type="none" w="med" len="med"/>
-                    </a:lnT>
-                    <a:lnB w="9525" cap="flat" cmpd="sng" algn="ctr">
-                      <a:solidFill>
-                        <a:srgbClr val="000000"/>
-                      </a:solidFill>
-                      <a:prstDash val="solid"/>
-                      <a:round/>
-                      <a:headEnd type="none" w="med" len="med"/>
-                      <a:tailEnd type="none" w="med" len="med"/>
-                    </a:lnB>
-                  </a:tcPr>
-                </a:tc>
-                <a:extLst>
-                  <a:ext uri="{0D108BD9-81ED-4DB2-BD59-A6C34878D82A}">
-                    <a16:rowId xmlns:a16="http://schemas.microsoft.com/office/drawing/2014/main" val="2107808659"/>
-                  </a:ext>
-                </a:extLst>
-              </a:tr>
-              <a:tr h="299554">
-                <a:tc>
-                  <a:txBody>
-                    <a:bodyPr/>
-                    <a:lstStyle/>
-                    <a:p>
-                      <a:r>
-                        <a:rPr lang="en-US" altLang="ja-JP" sz="1100" b="1">
-                          <a:solidFill>
-                            <a:srgbClr val="000000"/>
-                          </a:solidFill>
-                          <a:effectLst/>
-                          <a:latin typeface="Hiragino Kaku Gothic ProN" panose="020B0300000000000000" pitchFamily="34" charset="-128"/>
-                          <a:ea typeface="Hiragino Kaku Gothic ProN" panose="020B0300000000000000" pitchFamily="34" charset="-128"/>
-                        </a:rPr>
-                        <a:t>3</a:t>
-                      </a:r>
-                      <a:endParaRPr lang="ja-JP" altLang="en-US" sz="1100">
-                        <a:effectLst/>
-                      </a:endParaRPr>
-                    </a:p>
-                  </a:txBody>
-                  <a:tcPr marL="23047" marR="23047" marT="23047" marB="23047">
-                    <a:lnL w="9525" cap="flat" cmpd="sng" algn="ctr">
-                      <a:solidFill>
-                        <a:srgbClr val="000000"/>
-                      </a:solidFill>
-                      <a:prstDash val="solid"/>
-                      <a:round/>
-                      <a:headEnd type="none" w="med" len="med"/>
-                      <a:tailEnd type="none" w="med" len="med"/>
-                    </a:lnL>
-                    <a:lnR w="9525" cap="flat" cmpd="sng" algn="ctr">
-                      <a:solidFill>
-                        <a:srgbClr val="000000"/>
-                      </a:solidFill>
-                      <a:prstDash val="solid"/>
-                      <a:round/>
-                      <a:headEnd type="none" w="med" len="med"/>
-                      <a:tailEnd type="none" w="med" len="med"/>
-                    </a:lnR>
-                    <a:lnT w="9525" cap="flat" cmpd="sng" algn="ctr">
-                      <a:solidFill>
-                        <a:srgbClr val="000000"/>
-                      </a:solidFill>
-                      <a:prstDash val="solid"/>
-                      <a:round/>
-                      <a:headEnd type="none" w="med" len="med"/>
-                      <a:tailEnd type="none" w="med" len="med"/>
-                    </a:lnT>
-                    <a:lnB w="9525" cap="flat" cmpd="sng" algn="ctr">
-                      <a:solidFill>
-                        <a:srgbClr val="000000"/>
-                      </a:solidFill>
-                      <a:prstDash val="solid"/>
-                      <a:round/>
-                      <a:headEnd type="none" w="med" len="med"/>
-                      <a:tailEnd type="none" w="med" len="med"/>
-                    </a:lnB>
-                    <a:solidFill>
-                      <a:srgbClr val="D4D4D4"/>
-                    </a:solidFill>
-                  </a:tcPr>
-                </a:tc>
-                <a:tc>
-                  <a:txBody>
-                    <a:bodyPr/>
-                    <a:lstStyle/>
-                    <a:p>
-                      <a:r>
-                        <a:rPr lang="en" sz="1100">
-                          <a:solidFill>
-                            <a:srgbClr val="000000"/>
-                          </a:solidFill>
-                          <a:effectLst/>
-                          <a:latin typeface="Hiragino Kaku Gothic ProN" panose="020B0300000000000000" pitchFamily="34" charset="-128"/>
-                          <a:ea typeface="Hiragino Kaku Gothic ProN" panose="020B0300000000000000" pitchFamily="34" charset="-128"/>
-                        </a:rPr>
-                        <a:t>AIC</a:t>
-                      </a:r>
-                      <a:endParaRPr lang="en" sz="1100">
-                        <a:effectLst/>
-                      </a:endParaRPr>
-                    </a:p>
-                  </a:txBody>
-                  <a:tcPr marL="23047" marR="23047" marT="23047" marB="23047">
-                    <a:lnL w="9525" cap="flat" cmpd="sng" algn="ctr">
-                      <a:solidFill>
-                        <a:srgbClr val="000000"/>
-                      </a:solidFill>
-                      <a:prstDash val="solid"/>
-                      <a:round/>
-                      <a:headEnd type="none" w="med" len="med"/>
-                      <a:tailEnd type="none" w="med" len="med"/>
-                    </a:lnL>
-                    <a:lnR w="9525" cap="flat" cmpd="sng" algn="ctr">
-                      <a:solidFill>
-                        <a:srgbClr val="000000"/>
-                      </a:solidFill>
-                      <a:prstDash val="solid"/>
-                      <a:round/>
-                      <a:headEnd type="none" w="med" len="med"/>
-                      <a:tailEnd type="none" w="med" len="med"/>
-                    </a:lnR>
-                    <a:lnT w="9525" cap="flat" cmpd="sng" algn="ctr">
-                      <a:solidFill>
-                        <a:srgbClr val="000000"/>
-                      </a:solidFill>
-                      <a:prstDash val="solid"/>
-                      <a:round/>
-                      <a:headEnd type="none" w="med" len="med"/>
-                      <a:tailEnd type="none" w="med" len="med"/>
-                    </a:lnT>
-                    <a:lnB w="9525" cap="flat" cmpd="sng" algn="ctr">
-                      <a:solidFill>
-                        <a:srgbClr val="000000"/>
-                      </a:solidFill>
-                      <a:prstDash val="solid"/>
-                      <a:round/>
-                      <a:headEnd type="none" w="med" len="med"/>
-                      <a:tailEnd type="none" w="med" len="med"/>
-                    </a:lnB>
-                  </a:tcPr>
-                </a:tc>
-                <a:tc>
-                  <a:txBody>
-                    <a:bodyPr/>
-                    <a:lstStyle/>
-                    <a:p>
-                      <a:r>
-                        <a:rPr lang="en" sz="1100">
-                          <a:solidFill>
-                            <a:srgbClr val="000000"/>
-                          </a:solidFill>
-                          <a:effectLst/>
-                          <a:latin typeface="Hiragino Kaku Gothic ProN" panose="020B0300000000000000" pitchFamily="34" charset="-128"/>
-                          <a:ea typeface="Hiragino Kaku Gothic ProN" panose="020B0300000000000000" pitchFamily="34" charset="-128"/>
-                        </a:rPr>
-                        <a:t>BIC</a:t>
-                      </a:r>
-                      <a:endParaRPr lang="en" sz="1100">
-                        <a:effectLst/>
-                      </a:endParaRPr>
-                    </a:p>
-                  </a:txBody>
-                  <a:tcPr marL="23047" marR="23047" marT="23047" marB="23047">
-                    <a:lnL w="9525" cap="flat" cmpd="sng" algn="ctr">
-                      <a:solidFill>
-                        <a:srgbClr val="000000"/>
-                      </a:solidFill>
-                      <a:prstDash val="solid"/>
-                      <a:round/>
-                      <a:headEnd type="none" w="med" len="med"/>
-                      <a:tailEnd type="none" w="med" len="med"/>
-                    </a:lnL>
-                    <a:lnR w="9525" cap="flat" cmpd="sng" algn="ctr">
-                      <a:solidFill>
-                        <a:srgbClr val="000000"/>
-                      </a:solidFill>
-                      <a:prstDash val="solid"/>
-                      <a:round/>
-                      <a:headEnd type="none" w="med" len="med"/>
-                      <a:tailEnd type="none" w="med" len="med"/>
-                    </a:lnR>
-                    <a:lnT w="9525" cap="flat" cmpd="sng" algn="ctr">
-                      <a:solidFill>
-                        <a:srgbClr val="000000"/>
-                      </a:solidFill>
-                      <a:prstDash val="solid"/>
-                      <a:round/>
-                      <a:headEnd type="none" w="med" len="med"/>
-                      <a:tailEnd type="none" w="med" len="med"/>
-                    </a:lnT>
-                    <a:lnB w="9525" cap="flat" cmpd="sng" algn="ctr">
-                      <a:solidFill>
-                        <a:srgbClr val="000000"/>
-                      </a:solidFill>
-                      <a:prstDash val="solid"/>
-                      <a:round/>
-                      <a:headEnd type="none" w="med" len="med"/>
-                      <a:tailEnd type="none" w="med" len="med"/>
-                    </a:lnB>
-                  </a:tcPr>
-                </a:tc>
-                <a:extLst>
-                  <a:ext uri="{0D108BD9-81ED-4DB2-BD59-A6C34878D82A}">
-                    <a16:rowId xmlns:a16="http://schemas.microsoft.com/office/drawing/2014/main" val="3506121688"/>
-                  </a:ext>
-                </a:extLst>
-              </a:tr>
-              <a:tr h="562904">
-                <a:tc>
-                  <a:txBody>
-                    <a:bodyPr/>
-                    <a:lstStyle/>
-                    <a:p>
-                      <a:r>
-                        <a:rPr lang="en-US" altLang="ja-JP" sz="1100" b="1">
-                          <a:solidFill>
-                            <a:srgbClr val="000000"/>
-                          </a:solidFill>
-                          <a:effectLst/>
-                          <a:latin typeface="Hiragino Kaku Gothic ProN" panose="020B0300000000000000" pitchFamily="34" charset="-128"/>
-                          <a:ea typeface="Hiragino Kaku Gothic ProN" panose="020B0300000000000000" pitchFamily="34" charset="-128"/>
-                        </a:rPr>
-                        <a:t>4</a:t>
-                      </a:r>
-                      <a:endParaRPr lang="ja-JP" altLang="en-US" sz="1100">
-                        <a:effectLst/>
-                      </a:endParaRPr>
-                    </a:p>
-                  </a:txBody>
-                  <a:tcPr marL="23047" marR="23047" marT="23047" marB="23047">
-                    <a:lnL w="9525" cap="flat" cmpd="sng" algn="ctr">
-                      <a:solidFill>
-                        <a:srgbClr val="000000"/>
-                      </a:solidFill>
-                      <a:prstDash val="solid"/>
-                      <a:round/>
-                      <a:headEnd type="none" w="med" len="med"/>
-                      <a:tailEnd type="none" w="med" len="med"/>
-                    </a:lnL>
-                    <a:lnR w="9525" cap="flat" cmpd="sng" algn="ctr">
-                      <a:solidFill>
-                        <a:srgbClr val="000000"/>
-                      </a:solidFill>
-                      <a:prstDash val="solid"/>
-                      <a:round/>
-                      <a:headEnd type="none" w="med" len="med"/>
-                      <a:tailEnd type="none" w="med" len="med"/>
-                    </a:lnR>
-                    <a:lnT w="9525" cap="flat" cmpd="sng" algn="ctr">
-                      <a:solidFill>
-                        <a:srgbClr val="000000"/>
-                      </a:solidFill>
-                      <a:prstDash val="solid"/>
-                      <a:round/>
-                      <a:headEnd type="none" w="med" len="med"/>
-                      <a:tailEnd type="none" w="med" len="med"/>
-                    </a:lnT>
-                    <a:lnB w="9525" cap="flat" cmpd="sng" algn="ctr">
-                      <a:solidFill>
-                        <a:srgbClr val="000000"/>
-                      </a:solidFill>
-                      <a:prstDash val="solid"/>
-                      <a:round/>
-                      <a:headEnd type="none" w="med" len="med"/>
-                      <a:tailEnd type="none" w="med" len="med"/>
-                    </a:lnB>
-                    <a:solidFill>
-                      <a:srgbClr val="D4D4D4"/>
-                    </a:solidFill>
-                  </a:tcPr>
-                </a:tc>
-                <a:tc>
-                  <a:txBody>
-                    <a:bodyPr/>
-                    <a:lstStyle/>
-                    <a:p>
-                      <a:r>
-                        <a:rPr lang="en" sz="1100">
-                          <a:solidFill>
-                            <a:srgbClr val="000000"/>
-                          </a:solidFill>
-                          <a:effectLst/>
-                          <a:latin typeface="Hiragino Kaku Gothic ProN" panose="020B0300000000000000" pitchFamily="34" charset="-128"/>
-                          <a:ea typeface="Hiragino Kaku Gothic ProN" panose="020B0300000000000000" pitchFamily="34" charset="-128"/>
-                        </a:rPr>
-                        <a:t>RhatMax</a:t>
-                      </a:r>
-                      <a:endParaRPr lang="en" sz="1100">
-                        <a:effectLst/>
-                      </a:endParaRPr>
-                    </a:p>
-                  </a:txBody>
-                  <a:tcPr marL="23047" marR="23047" marT="23047" marB="23047">
-                    <a:lnL w="9525" cap="flat" cmpd="sng" algn="ctr">
-                      <a:solidFill>
-                        <a:srgbClr val="000000"/>
-                      </a:solidFill>
-                      <a:prstDash val="solid"/>
-                      <a:round/>
-                      <a:headEnd type="none" w="med" len="med"/>
-                      <a:tailEnd type="none" w="med" len="med"/>
-                    </a:lnL>
-                    <a:lnR w="9525" cap="flat" cmpd="sng" algn="ctr">
-                      <a:solidFill>
-                        <a:srgbClr val="000000"/>
-                      </a:solidFill>
-                      <a:prstDash val="solid"/>
-                      <a:round/>
-                      <a:headEnd type="none" w="med" len="med"/>
-                      <a:tailEnd type="none" w="med" len="med"/>
-                    </a:lnR>
-                    <a:lnT w="9525" cap="flat" cmpd="sng" algn="ctr">
-                      <a:solidFill>
-                        <a:srgbClr val="000000"/>
-                      </a:solidFill>
-                      <a:prstDash val="solid"/>
-                      <a:round/>
-                      <a:headEnd type="none" w="med" len="med"/>
-                      <a:tailEnd type="none" w="med" len="med"/>
-                    </a:lnT>
-                    <a:lnB w="9525" cap="flat" cmpd="sng" algn="ctr">
-                      <a:solidFill>
-                        <a:srgbClr val="000000"/>
-                      </a:solidFill>
-                      <a:prstDash val="solid"/>
-                      <a:round/>
-                      <a:headEnd type="none" w="med" len="med"/>
-                      <a:tailEnd type="none" w="med" len="med"/>
-                    </a:lnB>
-                  </a:tcPr>
-                </a:tc>
-                <a:tc>
-                  <a:txBody>
-                    <a:bodyPr/>
-                    <a:lstStyle/>
-                    <a:p>
-                      <a:r>
-                        <a:rPr lang="en-US" altLang="ja-JP" sz="1100">
-                          <a:solidFill>
-                            <a:srgbClr val="000000"/>
-                          </a:solidFill>
-                          <a:effectLst/>
-                          <a:latin typeface="Hiragino Kaku Gothic ProN" panose="020B0300000000000000" pitchFamily="34" charset="-128"/>
-                          <a:ea typeface="Hiragino Kaku Gothic ProN" panose="020B0300000000000000" pitchFamily="34" charset="-128"/>
-                        </a:rPr>
-                        <a:t>1.00955992098852</a:t>
-                      </a:r>
-                      <a:endParaRPr lang="ja-JP" altLang="en-US" sz="1100">
-                        <a:effectLst/>
-                      </a:endParaRPr>
-                    </a:p>
-                  </a:txBody>
-                  <a:tcPr marL="23047" marR="23047" marT="23047" marB="23047">
-                    <a:lnL w="9525" cap="flat" cmpd="sng" algn="ctr">
-                      <a:solidFill>
-                        <a:srgbClr val="000000"/>
-                      </a:solidFill>
-                      <a:prstDash val="solid"/>
-                      <a:round/>
-                      <a:headEnd type="none" w="med" len="med"/>
-                      <a:tailEnd type="none" w="med" len="med"/>
-                    </a:lnL>
-                    <a:lnR w="9525" cap="flat" cmpd="sng" algn="ctr">
-                      <a:solidFill>
-                        <a:srgbClr val="000000"/>
-                      </a:solidFill>
-                      <a:prstDash val="solid"/>
-                      <a:round/>
-                      <a:headEnd type="none" w="med" len="med"/>
-                      <a:tailEnd type="none" w="med" len="med"/>
-                    </a:lnR>
-                    <a:lnT w="9525" cap="flat" cmpd="sng" algn="ctr">
-                      <a:solidFill>
-                        <a:srgbClr val="000000"/>
-                      </a:solidFill>
-                      <a:prstDash val="solid"/>
-                      <a:round/>
-                      <a:headEnd type="none" w="med" len="med"/>
-                      <a:tailEnd type="none" w="med" len="med"/>
-                    </a:lnT>
-                    <a:lnB w="9525" cap="flat" cmpd="sng" algn="ctr">
-                      <a:solidFill>
-                        <a:srgbClr val="000000"/>
-                      </a:solidFill>
-                      <a:prstDash val="solid"/>
-                      <a:round/>
-                      <a:headEnd type="none" w="med" len="med"/>
-                      <a:tailEnd type="none" w="med" len="med"/>
-                    </a:lnB>
-                  </a:tcPr>
-                </a:tc>
-                <a:extLst>
-                  <a:ext uri="{0D108BD9-81ED-4DB2-BD59-A6C34878D82A}">
-                    <a16:rowId xmlns:a16="http://schemas.microsoft.com/office/drawing/2014/main" val="517128415"/>
-                  </a:ext>
-                </a:extLst>
-              </a:tr>
-              <a:tr h="562904">
-                <a:tc>
-                  <a:txBody>
-                    <a:bodyPr/>
-                    <a:lstStyle/>
-                    <a:p>
-                      <a:r>
-                        <a:rPr lang="en-US" altLang="ja-JP" sz="1100" b="1">
-                          <a:solidFill>
-                            <a:srgbClr val="000000"/>
-                          </a:solidFill>
-                          <a:effectLst/>
-                          <a:latin typeface="Hiragino Kaku Gothic ProN" panose="020B0300000000000000" pitchFamily="34" charset="-128"/>
-                          <a:ea typeface="Hiragino Kaku Gothic ProN" panose="020B0300000000000000" pitchFamily="34" charset="-128"/>
-                        </a:rPr>
-                        <a:t>5</a:t>
-                      </a:r>
-                      <a:endParaRPr lang="ja-JP" altLang="en-US" sz="1100">
-                        <a:effectLst/>
-                      </a:endParaRPr>
-                    </a:p>
-                  </a:txBody>
-                  <a:tcPr marL="23047" marR="23047" marT="23047" marB="23047">
-                    <a:lnL w="9525" cap="flat" cmpd="sng" algn="ctr">
-                      <a:solidFill>
-                        <a:srgbClr val="000000"/>
-                      </a:solidFill>
-                      <a:prstDash val="solid"/>
-                      <a:round/>
-                      <a:headEnd type="none" w="med" len="med"/>
-                      <a:tailEnd type="none" w="med" len="med"/>
-                    </a:lnL>
-                    <a:lnR w="9525" cap="flat" cmpd="sng" algn="ctr">
-                      <a:solidFill>
-                        <a:srgbClr val="000000"/>
-                      </a:solidFill>
-                      <a:prstDash val="solid"/>
-                      <a:round/>
-                      <a:headEnd type="none" w="med" len="med"/>
-                      <a:tailEnd type="none" w="med" len="med"/>
-                    </a:lnR>
-                    <a:lnT w="9525" cap="flat" cmpd="sng" algn="ctr">
-                      <a:solidFill>
-                        <a:srgbClr val="000000"/>
-                      </a:solidFill>
-                      <a:prstDash val="solid"/>
-                      <a:round/>
-                      <a:headEnd type="none" w="med" len="med"/>
-                      <a:tailEnd type="none" w="med" len="med"/>
-                    </a:lnT>
-                    <a:lnB w="9525" cap="flat" cmpd="sng" algn="ctr">
-                      <a:solidFill>
-                        <a:srgbClr val="000000"/>
-                      </a:solidFill>
-                      <a:prstDash val="solid"/>
-                      <a:round/>
-                      <a:headEnd type="none" w="med" len="med"/>
-                      <a:tailEnd type="none" w="med" len="med"/>
-                    </a:lnB>
-                    <a:solidFill>
-                      <a:srgbClr val="D4D4D4"/>
-                    </a:solidFill>
-                  </a:tcPr>
-                </a:tc>
-                <a:tc>
-                  <a:txBody>
-                    <a:bodyPr/>
-                    <a:lstStyle/>
-                    <a:p>
-                      <a:r>
-                        <a:rPr lang="en" sz="1100">
-                          <a:solidFill>
-                            <a:srgbClr val="000000"/>
-                          </a:solidFill>
-                          <a:effectLst/>
-                          <a:latin typeface="Hiragino Kaku Gothic ProN" panose="020B0300000000000000" pitchFamily="34" charset="-128"/>
-                          <a:ea typeface="Hiragino Kaku Gothic ProN" panose="020B0300000000000000" pitchFamily="34" charset="-128"/>
-                        </a:rPr>
-                        <a:t>RhatMean</a:t>
-                      </a:r>
-                      <a:endParaRPr lang="en" sz="1100">
-                        <a:effectLst/>
-                      </a:endParaRPr>
-                    </a:p>
-                  </a:txBody>
-                  <a:tcPr marL="23047" marR="23047" marT="23047" marB="23047">
-                    <a:lnL w="9525" cap="flat" cmpd="sng" algn="ctr">
-                      <a:solidFill>
-                        <a:srgbClr val="000000"/>
-                      </a:solidFill>
-                      <a:prstDash val="solid"/>
-                      <a:round/>
-                      <a:headEnd type="none" w="med" len="med"/>
-                      <a:tailEnd type="none" w="med" len="med"/>
-                    </a:lnL>
-                    <a:lnR w="9525" cap="flat" cmpd="sng" algn="ctr">
-                      <a:solidFill>
-                        <a:srgbClr val="000000"/>
-                      </a:solidFill>
-                      <a:prstDash val="solid"/>
-                      <a:round/>
-                      <a:headEnd type="none" w="med" len="med"/>
-                      <a:tailEnd type="none" w="med" len="med"/>
-                    </a:lnR>
-                    <a:lnT w="9525" cap="flat" cmpd="sng" algn="ctr">
-                      <a:solidFill>
-                        <a:srgbClr val="000000"/>
-                      </a:solidFill>
-                      <a:prstDash val="solid"/>
-                      <a:round/>
-                      <a:headEnd type="none" w="med" len="med"/>
-                      <a:tailEnd type="none" w="med" len="med"/>
-                    </a:lnT>
-                    <a:lnB w="9525" cap="flat" cmpd="sng" algn="ctr">
-                      <a:solidFill>
-                        <a:srgbClr val="000000"/>
-                      </a:solidFill>
-                      <a:prstDash val="solid"/>
-                      <a:round/>
-                      <a:headEnd type="none" w="med" len="med"/>
-                      <a:tailEnd type="none" w="med" len="med"/>
-                    </a:lnB>
-                  </a:tcPr>
-                </a:tc>
-                <a:tc>
-                  <a:txBody>
-                    <a:bodyPr/>
-                    <a:lstStyle/>
-                    <a:p>
-                      <a:r>
-                        <a:rPr lang="en-US" altLang="ja-JP" sz="1100">
-                          <a:solidFill>
-                            <a:srgbClr val="000000"/>
-                          </a:solidFill>
-                          <a:effectLst/>
-                          <a:latin typeface="Hiragino Kaku Gothic ProN" panose="020B0300000000000000" pitchFamily="34" charset="-128"/>
-                          <a:ea typeface="Hiragino Kaku Gothic ProN" panose="020B0300000000000000" pitchFamily="34" charset="-128"/>
-                        </a:rPr>
-                        <a:t>1.00163361781587</a:t>
-                      </a:r>
-                      <a:endParaRPr lang="ja-JP" altLang="en-US" sz="1100">
-                        <a:effectLst/>
-                      </a:endParaRPr>
-                    </a:p>
-                  </a:txBody>
-                  <a:tcPr marL="23047" marR="23047" marT="23047" marB="23047">
-                    <a:lnL w="9525" cap="flat" cmpd="sng" algn="ctr">
-                      <a:solidFill>
-                        <a:srgbClr val="000000"/>
-                      </a:solidFill>
-                      <a:prstDash val="solid"/>
-                      <a:round/>
-                      <a:headEnd type="none" w="med" len="med"/>
-                      <a:tailEnd type="none" w="med" len="med"/>
-                    </a:lnL>
-                    <a:lnR w="9525" cap="flat" cmpd="sng" algn="ctr">
-                      <a:solidFill>
-                        <a:srgbClr val="000000"/>
-                      </a:solidFill>
-                      <a:prstDash val="solid"/>
-                      <a:round/>
-                      <a:headEnd type="none" w="med" len="med"/>
-                      <a:tailEnd type="none" w="med" len="med"/>
-                    </a:lnR>
-                    <a:lnT w="9525" cap="flat" cmpd="sng" algn="ctr">
-                      <a:solidFill>
-                        <a:srgbClr val="000000"/>
-                      </a:solidFill>
-                      <a:prstDash val="solid"/>
-                      <a:round/>
-                      <a:headEnd type="none" w="med" len="med"/>
-                      <a:tailEnd type="none" w="med" len="med"/>
-                    </a:lnT>
-                    <a:lnB w="9525" cap="flat" cmpd="sng" algn="ctr">
-                      <a:solidFill>
-                        <a:srgbClr val="000000"/>
-                      </a:solidFill>
-                      <a:prstDash val="solid"/>
-                      <a:round/>
-                      <a:headEnd type="none" w="med" len="med"/>
-                      <a:tailEnd type="none" w="med" len="med"/>
-                    </a:lnB>
-                  </a:tcPr>
-                </a:tc>
-                <a:extLst>
-                  <a:ext uri="{0D108BD9-81ED-4DB2-BD59-A6C34878D82A}">
-                    <a16:rowId xmlns:a16="http://schemas.microsoft.com/office/drawing/2014/main" val="2850665155"/>
-                  </a:ext>
-                </a:extLst>
-              </a:tr>
-              <a:tr h="431229">
-                <a:tc>
-                  <a:txBody>
-                    <a:bodyPr/>
-                    <a:lstStyle/>
-                    <a:p>
-                      <a:r>
-                        <a:rPr lang="en-US" altLang="ja-JP" sz="1100" b="1">
-                          <a:solidFill>
-                            <a:srgbClr val="000000"/>
-                          </a:solidFill>
-                          <a:effectLst/>
-                          <a:latin typeface="Hiragino Kaku Gothic ProN" panose="020B0300000000000000" pitchFamily="34" charset="-128"/>
-                          <a:ea typeface="Hiragino Kaku Gothic ProN" panose="020B0300000000000000" pitchFamily="34" charset="-128"/>
-                        </a:rPr>
-                        <a:t>6</a:t>
-                      </a:r>
-                      <a:endParaRPr lang="ja-JP" altLang="en-US" sz="1100">
-                        <a:effectLst/>
-                      </a:endParaRPr>
-                    </a:p>
-                  </a:txBody>
-                  <a:tcPr marL="23047" marR="23047" marT="23047" marB="23047">
-                    <a:lnL w="9525" cap="flat" cmpd="sng" algn="ctr">
-                      <a:solidFill>
-                        <a:srgbClr val="000000"/>
-                      </a:solidFill>
-                      <a:prstDash val="solid"/>
-                      <a:round/>
-                      <a:headEnd type="none" w="med" len="med"/>
-                      <a:tailEnd type="none" w="med" len="med"/>
-                    </a:lnL>
-                    <a:lnR w="9525" cap="flat" cmpd="sng" algn="ctr">
-                      <a:solidFill>
-                        <a:srgbClr val="000000"/>
-                      </a:solidFill>
-                      <a:prstDash val="solid"/>
-                      <a:round/>
-                      <a:headEnd type="none" w="med" len="med"/>
-                      <a:tailEnd type="none" w="med" len="med"/>
-                    </a:lnR>
-                    <a:lnT w="9525" cap="flat" cmpd="sng" algn="ctr">
-                      <a:solidFill>
-                        <a:srgbClr val="000000"/>
-                      </a:solidFill>
-                      <a:prstDash val="solid"/>
-                      <a:round/>
-                      <a:headEnd type="none" w="med" len="med"/>
-                      <a:tailEnd type="none" w="med" len="med"/>
-                    </a:lnT>
-                    <a:lnB w="9525" cap="flat" cmpd="sng" algn="ctr">
-                      <a:solidFill>
-                        <a:srgbClr val="000000"/>
-                      </a:solidFill>
-                      <a:prstDash val="solid"/>
-                      <a:round/>
-                      <a:headEnd type="none" w="med" len="med"/>
-                      <a:tailEnd type="none" w="med" len="med"/>
-                    </a:lnB>
-                    <a:solidFill>
-                      <a:srgbClr val="D4D4D4"/>
-                    </a:solidFill>
-                  </a:tcPr>
-                </a:tc>
-                <a:tc>
-                  <a:txBody>
-                    <a:bodyPr/>
-                    <a:lstStyle/>
-                    <a:p>
-                      <a:r>
-                        <a:rPr lang="en" sz="1100">
-                          <a:solidFill>
-                            <a:srgbClr val="000000"/>
-                          </a:solidFill>
-                          <a:effectLst/>
-                          <a:latin typeface="Hiragino Kaku Gothic ProN" panose="020B0300000000000000" pitchFamily="34" charset="-128"/>
-                          <a:ea typeface="Hiragino Kaku Gothic ProN" panose="020B0300000000000000" pitchFamily="34" charset="-128"/>
-                        </a:rPr>
-                        <a:t>SE Mean</a:t>
-                      </a:r>
-                      <a:endParaRPr lang="en" sz="1100">
-                        <a:effectLst/>
-                      </a:endParaRPr>
-                    </a:p>
-                  </a:txBody>
-                  <a:tcPr marL="23047" marR="23047" marT="23047" marB="23047">
-                    <a:lnL w="9525" cap="flat" cmpd="sng" algn="ctr">
-                      <a:solidFill>
-                        <a:srgbClr val="000000"/>
-                      </a:solidFill>
-                      <a:prstDash val="solid"/>
-                      <a:round/>
-                      <a:headEnd type="none" w="med" len="med"/>
-                      <a:tailEnd type="none" w="med" len="med"/>
-                    </a:lnL>
-                    <a:lnR w="9525" cap="flat" cmpd="sng" algn="ctr">
-                      <a:solidFill>
-                        <a:srgbClr val="000000"/>
-                      </a:solidFill>
-                      <a:prstDash val="solid"/>
-                      <a:round/>
-                      <a:headEnd type="none" w="med" len="med"/>
-                      <a:tailEnd type="none" w="med" len="med"/>
-                    </a:lnR>
-                    <a:lnT w="9525" cap="flat" cmpd="sng" algn="ctr">
-                      <a:solidFill>
-                        <a:srgbClr val="000000"/>
-                      </a:solidFill>
-                      <a:prstDash val="solid"/>
-                      <a:round/>
-                      <a:headEnd type="none" w="med" len="med"/>
-                      <a:tailEnd type="none" w="med" len="med"/>
-                    </a:lnT>
-                    <a:lnB w="9525" cap="flat" cmpd="sng" algn="ctr">
-                      <a:solidFill>
-                        <a:srgbClr val="000000"/>
-                      </a:solidFill>
-                      <a:prstDash val="solid"/>
-                      <a:round/>
-                      <a:headEnd type="none" w="med" len="med"/>
-                      <a:tailEnd type="none" w="med" len="med"/>
-                    </a:lnB>
-                  </a:tcPr>
-                </a:tc>
-                <a:tc>
-                  <a:txBody>
-                    <a:bodyPr/>
-                    <a:lstStyle/>
-                    <a:p>
-                      <a:r>
-                        <a:rPr lang="en-US" altLang="ja-JP" sz="1100">
-                          <a:solidFill>
-                            <a:srgbClr val="000000"/>
-                          </a:solidFill>
-                          <a:effectLst/>
-                          <a:latin typeface="Hiragino Kaku Gothic ProN" panose="020B0300000000000000" pitchFamily="34" charset="-128"/>
-                          <a:ea typeface="Hiragino Kaku Gothic ProN" panose="020B0300000000000000" pitchFamily="34" charset="-128"/>
-                        </a:rPr>
-                        <a:t>0.140279390602611</a:t>
-                      </a:r>
-                      <a:endParaRPr lang="ja-JP" altLang="en-US" sz="1100">
-                        <a:effectLst/>
-                      </a:endParaRPr>
-                    </a:p>
-                  </a:txBody>
-                  <a:tcPr marL="23047" marR="23047" marT="23047" marB="23047">
-                    <a:lnL w="9525" cap="flat" cmpd="sng" algn="ctr">
-                      <a:solidFill>
-                        <a:srgbClr val="000000"/>
-                      </a:solidFill>
-                      <a:prstDash val="solid"/>
-                      <a:round/>
-                      <a:headEnd type="none" w="med" len="med"/>
-                      <a:tailEnd type="none" w="med" len="med"/>
-                    </a:lnL>
-                    <a:lnR w="9525" cap="flat" cmpd="sng" algn="ctr">
-                      <a:solidFill>
-                        <a:srgbClr val="000000"/>
-                      </a:solidFill>
-                      <a:prstDash val="solid"/>
-                      <a:round/>
-                      <a:headEnd type="none" w="med" len="med"/>
-                      <a:tailEnd type="none" w="med" len="med"/>
-                    </a:lnR>
-                    <a:lnT w="9525" cap="flat" cmpd="sng" algn="ctr">
-                      <a:solidFill>
-                        <a:srgbClr val="000000"/>
-                      </a:solidFill>
-                      <a:prstDash val="solid"/>
-                      <a:round/>
-                      <a:headEnd type="none" w="med" len="med"/>
-                      <a:tailEnd type="none" w="med" len="med"/>
-                    </a:lnT>
-                    <a:lnB w="9525" cap="flat" cmpd="sng" algn="ctr">
-                      <a:solidFill>
-                        <a:srgbClr val="000000"/>
-                      </a:solidFill>
-                      <a:prstDash val="solid"/>
-                      <a:round/>
-                      <a:headEnd type="none" w="med" len="med"/>
-                      <a:tailEnd type="none" w="med" len="med"/>
-                    </a:lnB>
-                  </a:tcPr>
-                </a:tc>
-                <a:extLst>
-                  <a:ext uri="{0D108BD9-81ED-4DB2-BD59-A6C34878D82A}">
-                    <a16:rowId xmlns:a16="http://schemas.microsoft.com/office/drawing/2014/main" val="2595834399"/>
-                  </a:ext>
-                </a:extLst>
-              </a:tr>
-              <a:tr h="431229">
-                <a:tc>
-                  <a:txBody>
-                    <a:bodyPr/>
-                    <a:lstStyle/>
-                    <a:p>
-                      <a:r>
-                        <a:rPr lang="en-US" altLang="ja-JP" sz="1100" b="1">
-                          <a:solidFill>
-                            <a:srgbClr val="000000"/>
-                          </a:solidFill>
-                          <a:effectLst/>
-                          <a:latin typeface="Hiragino Kaku Gothic ProN" panose="020B0300000000000000" pitchFamily="34" charset="-128"/>
-                          <a:ea typeface="Hiragino Kaku Gothic ProN" panose="020B0300000000000000" pitchFamily="34" charset="-128"/>
-                        </a:rPr>
-                        <a:t>7</a:t>
-                      </a:r>
-                      <a:endParaRPr lang="ja-JP" altLang="en-US" sz="1100">
-                        <a:effectLst/>
-                      </a:endParaRPr>
-                    </a:p>
-                  </a:txBody>
-                  <a:tcPr marL="23047" marR="23047" marT="23047" marB="23047">
-                    <a:lnL w="9525" cap="flat" cmpd="sng" algn="ctr">
-                      <a:solidFill>
-                        <a:srgbClr val="000000"/>
-                      </a:solidFill>
-                      <a:prstDash val="solid"/>
-                      <a:round/>
-                      <a:headEnd type="none" w="med" len="med"/>
-                      <a:tailEnd type="none" w="med" len="med"/>
-                    </a:lnL>
-                    <a:lnR w="9525" cap="flat" cmpd="sng" algn="ctr">
-                      <a:solidFill>
-                        <a:srgbClr val="000000"/>
-                      </a:solidFill>
-                      <a:prstDash val="solid"/>
-                      <a:round/>
-                      <a:headEnd type="none" w="med" len="med"/>
-                      <a:tailEnd type="none" w="med" len="med"/>
-                    </a:lnR>
-                    <a:lnT w="9525" cap="flat" cmpd="sng" algn="ctr">
-                      <a:solidFill>
-                        <a:srgbClr val="000000"/>
-                      </a:solidFill>
-                      <a:prstDash val="solid"/>
-                      <a:round/>
-                      <a:headEnd type="none" w="med" len="med"/>
-                      <a:tailEnd type="none" w="med" len="med"/>
-                    </a:lnT>
-                    <a:lnB w="9525" cap="flat" cmpd="sng" algn="ctr">
-                      <a:solidFill>
-                        <a:srgbClr val="000000"/>
-                      </a:solidFill>
-                      <a:prstDash val="solid"/>
-                      <a:round/>
-                      <a:headEnd type="none" w="med" len="med"/>
-                      <a:tailEnd type="none" w="med" len="med"/>
-                    </a:lnB>
-                    <a:solidFill>
-                      <a:srgbClr val="D4D4D4"/>
-                    </a:solidFill>
-                  </a:tcPr>
-                </a:tc>
-                <a:tc>
-                  <a:txBody>
-                    <a:bodyPr/>
-                    <a:lstStyle/>
-                    <a:p>
-                      <a:r>
-                        <a:rPr lang="en" sz="1100">
-                          <a:solidFill>
-                            <a:srgbClr val="000000"/>
-                          </a:solidFill>
-                          <a:effectLst/>
-                          <a:latin typeface="Hiragino Kaku Gothic ProN" panose="020B0300000000000000" pitchFamily="34" charset="-128"/>
-                          <a:ea typeface="Hiragino Kaku Gothic ProN" panose="020B0300000000000000" pitchFamily="34" charset="-128"/>
-                        </a:rPr>
-                        <a:t>SE SD</a:t>
-                      </a:r>
-                      <a:endParaRPr lang="en" sz="1100">
-                        <a:effectLst/>
-                      </a:endParaRPr>
-                    </a:p>
-                  </a:txBody>
-                  <a:tcPr marL="23047" marR="23047" marT="23047" marB="23047">
-                    <a:lnL w="9525" cap="flat" cmpd="sng" algn="ctr">
-                      <a:solidFill>
-                        <a:srgbClr val="000000"/>
-                      </a:solidFill>
-                      <a:prstDash val="solid"/>
-                      <a:round/>
-                      <a:headEnd type="none" w="med" len="med"/>
-                      <a:tailEnd type="none" w="med" len="med"/>
-                    </a:lnL>
-                    <a:lnR w="9525" cap="flat" cmpd="sng" algn="ctr">
-                      <a:solidFill>
-                        <a:srgbClr val="000000"/>
-                      </a:solidFill>
-                      <a:prstDash val="solid"/>
-                      <a:round/>
-                      <a:headEnd type="none" w="med" len="med"/>
-                      <a:tailEnd type="none" w="med" len="med"/>
-                    </a:lnR>
-                    <a:lnT w="9525" cap="flat" cmpd="sng" algn="ctr">
-                      <a:solidFill>
-                        <a:srgbClr val="000000"/>
-                      </a:solidFill>
-                      <a:prstDash val="solid"/>
-                      <a:round/>
-                      <a:headEnd type="none" w="med" len="med"/>
-                      <a:tailEnd type="none" w="med" len="med"/>
-                    </a:lnT>
-                    <a:lnB w="9525" cap="flat" cmpd="sng" algn="ctr">
-                      <a:solidFill>
-                        <a:srgbClr val="000000"/>
-                      </a:solidFill>
-                      <a:prstDash val="solid"/>
-                      <a:round/>
-                      <a:headEnd type="none" w="med" len="med"/>
-                      <a:tailEnd type="none" w="med" len="med"/>
-                    </a:lnB>
-                  </a:tcPr>
-                </a:tc>
-                <a:tc>
-                  <a:txBody>
-                    <a:bodyPr/>
-                    <a:lstStyle/>
-                    <a:p>
-                      <a:r>
-                        <a:rPr lang="en-US" altLang="ja-JP" sz="1100" dirty="0">
-                          <a:solidFill>
-                            <a:srgbClr val="000000"/>
-                          </a:solidFill>
-                          <a:effectLst/>
-                          <a:latin typeface="Hiragino Kaku Gothic ProN" panose="020B0300000000000000" pitchFamily="34" charset="-128"/>
-                          <a:ea typeface="Hiragino Kaku Gothic ProN" panose="020B0300000000000000" pitchFamily="34" charset="-128"/>
-                        </a:rPr>
-                        <a:t>0.0105881404445261</a:t>
-                      </a:r>
-                      <a:endParaRPr lang="ja-JP" altLang="en-US" sz="1100">
-                        <a:effectLst/>
-                      </a:endParaRPr>
-                    </a:p>
-                  </a:txBody>
-                  <a:tcPr marL="23047" marR="23047" marT="23047" marB="23047">
-                    <a:lnL w="9525" cap="flat" cmpd="sng" algn="ctr">
-                      <a:solidFill>
-                        <a:srgbClr val="000000"/>
-                      </a:solidFill>
-                      <a:prstDash val="solid"/>
-                      <a:round/>
-                      <a:headEnd type="none" w="med" len="med"/>
-                      <a:tailEnd type="none" w="med" len="med"/>
-                    </a:lnL>
-                    <a:lnR w="9525" cap="flat" cmpd="sng" algn="ctr">
-                      <a:solidFill>
-                        <a:srgbClr val="000000"/>
-                      </a:solidFill>
-                      <a:prstDash val="solid"/>
-                      <a:round/>
-                      <a:headEnd type="none" w="med" len="med"/>
-                      <a:tailEnd type="none" w="med" len="med"/>
-                    </a:lnR>
-                    <a:lnT w="9525" cap="flat" cmpd="sng" algn="ctr">
-                      <a:solidFill>
-                        <a:srgbClr val="000000"/>
-                      </a:solidFill>
-                      <a:prstDash val="solid"/>
-                      <a:round/>
-                      <a:headEnd type="none" w="med" len="med"/>
-                      <a:tailEnd type="none" w="med" len="med"/>
-                    </a:lnT>
-                    <a:lnB w="9525" cap="flat" cmpd="sng" algn="ctr">
-                      <a:solidFill>
-                        <a:srgbClr val="000000"/>
-                      </a:solidFill>
-                      <a:prstDash val="solid"/>
-                      <a:round/>
-                      <a:headEnd type="none" w="med" len="med"/>
-                      <a:tailEnd type="none" w="med" len="med"/>
-                    </a:lnB>
-                  </a:tcPr>
-                </a:tc>
-                <a:extLst>
-                  <a:ext uri="{0D108BD9-81ED-4DB2-BD59-A6C34878D82A}">
-                    <a16:rowId xmlns:a16="http://schemas.microsoft.com/office/drawing/2014/main" val="3340297639"/>
                   </a:ext>
                 </a:extLst>
               </a:tr>
@@ -7468,6 +4955,1319 @@
           </a:p>
           <a:p>
             <a:endParaRPr lang="ja-JP" altLang="en-US"/>
+          </a:p>
+        </p:txBody>
+      </p:sp>
+      <p:graphicFrame>
+        <p:nvGraphicFramePr>
+          <p:cNvPr id="4" name="表 3">
+            <a:extLst>
+              <a:ext uri="{FF2B5EF4-FFF2-40B4-BE49-F238E27FC236}">
+                <a16:creationId xmlns:a16="http://schemas.microsoft.com/office/drawing/2014/main" id="{541056D5-E726-FA4F-9AAC-FAA0118D37C3}"/>
+              </a:ext>
+            </a:extLst>
+          </p:cNvPr>
+          <p:cNvGraphicFramePr>
+            <a:graphicFrameLocks noGrp="1"/>
+          </p:cNvGraphicFramePr>
+          <p:nvPr>
+            <p:extLst>
+              <p:ext uri="{D42A27DB-BD31-4B8C-83A1-F6EECF244321}">
+                <p14:modId xmlns:p14="http://schemas.microsoft.com/office/powerpoint/2010/main" val="3339965689"/>
+              </p:ext>
+            </p:extLst>
+          </p:nvPr>
+        </p:nvGraphicFramePr>
+        <p:xfrm>
+          <a:off x="8207547" y="2376883"/>
+          <a:ext cx="3402250" cy="1907438"/>
+        </p:xfrm>
+        <a:graphic>
+          <a:graphicData uri="http://schemas.openxmlformats.org/drawingml/2006/table">
+            <a:tbl>
+              <a:tblPr/>
+              <a:tblGrid>
+                <a:gridCol w="587132">
+                  <a:extLst>
+                    <a:ext uri="{9D8B030D-6E8A-4147-A177-3AD203B41FA5}">
+                      <a16:colId xmlns:a16="http://schemas.microsoft.com/office/drawing/2014/main" val="2979176494"/>
+                    </a:ext>
+                  </a:extLst>
+                </a:gridCol>
+                <a:gridCol w="1139132">
+                  <a:extLst>
+                    <a:ext uri="{9D8B030D-6E8A-4147-A177-3AD203B41FA5}">
+                      <a16:colId xmlns:a16="http://schemas.microsoft.com/office/drawing/2014/main" val="3382858176"/>
+                    </a:ext>
+                  </a:extLst>
+                </a:gridCol>
+                <a:gridCol w="1675986">
+                  <a:extLst>
+                    <a:ext uri="{9D8B030D-6E8A-4147-A177-3AD203B41FA5}">
+                      <a16:colId xmlns:a16="http://schemas.microsoft.com/office/drawing/2014/main" val="3709021222"/>
+                    </a:ext>
+                  </a:extLst>
+                </a:gridCol>
+              </a:tblGrid>
+              <a:tr h="588640">
+                <a:tc>
+                  <a:txBody>
+                    <a:bodyPr/>
+                    <a:lstStyle/>
+                    <a:p>
+                      <a:br>
+                        <a:rPr lang="ja-JP" altLang="en-US" sz="1100">
+                          <a:effectLst/>
+                          <a:latin typeface="Helvetica" pitchFamily="2" charset="0"/>
+                        </a:rPr>
+                      </a:br>
+                      <a:endParaRPr lang="ja-JP" altLang="en-US" sz="1100">
+                        <a:effectLst/>
+                        <a:latin typeface="Helvetica" pitchFamily="2" charset="0"/>
+                      </a:endParaRPr>
+                    </a:p>
+                  </a:txBody>
+                  <a:tcPr marL="23047" marR="23047" marT="23047" marB="23047">
+                    <a:lnL w="9525" cap="flat" cmpd="sng" algn="ctr">
+                      <a:solidFill>
+                        <a:srgbClr val="000000"/>
+                      </a:solidFill>
+                      <a:prstDash val="solid"/>
+                      <a:round/>
+                      <a:headEnd type="none" w="med" len="med"/>
+                      <a:tailEnd type="none" w="med" len="med"/>
+                    </a:lnL>
+                    <a:lnR w="9525" cap="flat" cmpd="sng" algn="ctr">
+                      <a:solidFill>
+                        <a:srgbClr val="000000"/>
+                      </a:solidFill>
+                      <a:prstDash val="solid"/>
+                      <a:round/>
+                      <a:headEnd type="none" w="med" len="med"/>
+                      <a:tailEnd type="none" w="med" len="med"/>
+                    </a:lnR>
+                    <a:lnT w="9525" cap="flat" cmpd="sng" algn="ctr">
+                      <a:solidFill>
+                        <a:srgbClr val="000000"/>
+                      </a:solidFill>
+                      <a:prstDash val="solid"/>
+                      <a:round/>
+                      <a:headEnd type="none" w="med" len="med"/>
+                      <a:tailEnd type="none" w="med" len="med"/>
+                    </a:lnT>
+                    <a:lnB w="9525" cap="flat" cmpd="sng" algn="ctr">
+                      <a:solidFill>
+                        <a:srgbClr val="000000"/>
+                      </a:solidFill>
+                      <a:prstDash val="solid"/>
+                      <a:round/>
+                      <a:headEnd type="none" w="med" len="med"/>
+                      <a:tailEnd type="none" w="med" len="med"/>
+                    </a:lnB>
+                    <a:solidFill>
+                      <a:srgbClr val="B0B3B2"/>
+                    </a:solidFill>
+                  </a:tcPr>
+                </a:tc>
+                <a:tc>
+                  <a:txBody>
+                    <a:bodyPr/>
+                    <a:lstStyle/>
+                    <a:p>
+                      <a:r>
+                        <a:rPr lang="en" sz="1100" b="1">
+                          <a:solidFill>
+                            <a:srgbClr val="000000"/>
+                          </a:solidFill>
+                          <a:effectLst/>
+                          <a:latin typeface="Hiragino Kaku Gothic ProN" panose="020B0300000000000000" pitchFamily="34" charset="-128"/>
+                          <a:ea typeface="Hiragino Kaku Gothic ProN" panose="020B0300000000000000" pitchFamily="34" charset="-128"/>
+                        </a:rPr>
+                        <a:t>V1</a:t>
+                      </a:r>
+                      <a:endParaRPr lang="en" sz="1100">
+                        <a:effectLst/>
+                      </a:endParaRPr>
+                    </a:p>
+                  </a:txBody>
+                  <a:tcPr marL="23047" marR="23047" marT="23047" marB="23047">
+                    <a:lnL w="9525" cap="flat" cmpd="sng" algn="ctr">
+                      <a:solidFill>
+                        <a:srgbClr val="000000"/>
+                      </a:solidFill>
+                      <a:prstDash val="solid"/>
+                      <a:round/>
+                      <a:headEnd type="none" w="med" len="med"/>
+                      <a:tailEnd type="none" w="med" len="med"/>
+                    </a:lnL>
+                    <a:lnR w="9525" cap="flat" cmpd="sng" algn="ctr">
+                      <a:solidFill>
+                        <a:srgbClr val="000000"/>
+                      </a:solidFill>
+                      <a:prstDash val="solid"/>
+                      <a:round/>
+                      <a:headEnd type="none" w="med" len="med"/>
+                      <a:tailEnd type="none" w="med" len="med"/>
+                    </a:lnR>
+                    <a:lnT w="9525" cap="flat" cmpd="sng" algn="ctr">
+                      <a:solidFill>
+                        <a:srgbClr val="000000"/>
+                      </a:solidFill>
+                      <a:prstDash val="solid"/>
+                      <a:round/>
+                      <a:headEnd type="none" w="med" len="med"/>
+                      <a:tailEnd type="none" w="med" len="med"/>
+                    </a:lnT>
+                    <a:lnB w="9525" cap="flat" cmpd="sng" algn="ctr">
+                      <a:solidFill>
+                        <a:srgbClr val="000000"/>
+                      </a:solidFill>
+                      <a:prstDash val="solid"/>
+                      <a:round/>
+                      <a:headEnd type="none" w="med" len="med"/>
+                      <a:tailEnd type="none" w="med" len="med"/>
+                    </a:lnB>
+                    <a:solidFill>
+                      <a:srgbClr val="B0B3B2"/>
+                    </a:solidFill>
+                  </a:tcPr>
+                </a:tc>
+                <a:tc>
+                  <a:txBody>
+                    <a:bodyPr/>
+                    <a:lstStyle/>
+                    <a:p>
+                      <a:r>
+                        <a:rPr lang="en" sz="1100" b="1">
+                          <a:solidFill>
+                            <a:srgbClr val="000000"/>
+                          </a:solidFill>
+                          <a:effectLst/>
+                          <a:latin typeface="Hiragino Kaku Gothic ProN" panose="020B0300000000000000" pitchFamily="34" charset="-128"/>
+                          <a:ea typeface="Hiragino Kaku Gothic ProN" panose="020B0300000000000000" pitchFamily="34" charset="-128"/>
+                        </a:rPr>
+                        <a:t>V2</a:t>
+                      </a:r>
+                      <a:endParaRPr lang="en" sz="1100">
+                        <a:effectLst/>
+                      </a:endParaRPr>
+                    </a:p>
+                  </a:txBody>
+                  <a:tcPr marL="23047" marR="23047" marT="23047" marB="23047">
+                    <a:lnL w="9525" cap="flat" cmpd="sng" algn="ctr">
+                      <a:solidFill>
+                        <a:srgbClr val="000000"/>
+                      </a:solidFill>
+                      <a:prstDash val="solid"/>
+                      <a:round/>
+                      <a:headEnd type="none" w="med" len="med"/>
+                      <a:tailEnd type="none" w="med" len="med"/>
+                    </a:lnL>
+                    <a:lnR w="9525" cap="flat" cmpd="sng" algn="ctr">
+                      <a:solidFill>
+                        <a:srgbClr val="000000"/>
+                      </a:solidFill>
+                      <a:prstDash val="solid"/>
+                      <a:round/>
+                      <a:headEnd type="none" w="med" len="med"/>
+                      <a:tailEnd type="none" w="med" len="med"/>
+                    </a:lnR>
+                    <a:lnT w="9525" cap="flat" cmpd="sng" algn="ctr">
+                      <a:solidFill>
+                        <a:srgbClr val="000000"/>
+                      </a:solidFill>
+                      <a:prstDash val="solid"/>
+                      <a:round/>
+                      <a:headEnd type="none" w="med" len="med"/>
+                      <a:tailEnd type="none" w="med" len="med"/>
+                    </a:lnT>
+                    <a:lnB w="9525" cap="flat" cmpd="sng" algn="ctr">
+                      <a:solidFill>
+                        <a:srgbClr val="000000"/>
+                      </a:solidFill>
+                      <a:prstDash val="solid"/>
+                      <a:round/>
+                      <a:headEnd type="none" w="med" len="med"/>
+                      <a:tailEnd type="none" w="med" len="med"/>
+                    </a:lnB>
+                    <a:solidFill>
+                      <a:srgbClr val="B0B3B2"/>
+                    </a:solidFill>
+                  </a:tcPr>
+                </a:tc>
+                <a:extLst>
+                  <a:ext uri="{0D108BD9-81ED-4DB2-BD59-A6C34878D82A}">
+                    <a16:rowId xmlns:a16="http://schemas.microsoft.com/office/drawing/2014/main" val="1216279592"/>
+                  </a:ext>
+                </a:extLst>
+              </a:tr>
+              <a:tr h="659399">
+                <a:tc>
+                  <a:txBody>
+                    <a:bodyPr/>
+                    <a:lstStyle/>
+                    <a:p>
+                      <a:r>
+                        <a:rPr lang="en-US" altLang="ja-JP" sz="1100" b="1" dirty="0">
+                          <a:solidFill>
+                            <a:srgbClr val="000000"/>
+                          </a:solidFill>
+                          <a:effectLst/>
+                          <a:latin typeface="Hiragino Kaku Gothic ProN" panose="020B0300000000000000" pitchFamily="34" charset="-128"/>
+                          <a:ea typeface="Hiragino Kaku Gothic ProN" panose="020B0300000000000000" pitchFamily="34" charset="-128"/>
+                        </a:rPr>
+                        <a:t>1</a:t>
+                      </a:r>
+                      <a:endParaRPr lang="ja-JP" altLang="en-US" sz="1100">
+                        <a:effectLst/>
+                      </a:endParaRPr>
+                    </a:p>
+                  </a:txBody>
+                  <a:tcPr marL="23047" marR="23047" marT="23047" marB="23047">
+                    <a:lnL w="9525" cap="flat" cmpd="sng" algn="ctr">
+                      <a:solidFill>
+                        <a:srgbClr val="000000"/>
+                      </a:solidFill>
+                      <a:prstDash val="solid"/>
+                      <a:round/>
+                      <a:headEnd type="none" w="med" len="med"/>
+                      <a:tailEnd type="none" w="med" len="med"/>
+                    </a:lnL>
+                    <a:lnR w="9525" cap="flat" cmpd="sng" algn="ctr">
+                      <a:solidFill>
+                        <a:srgbClr val="000000"/>
+                      </a:solidFill>
+                      <a:prstDash val="solid"/>
+                      <a:round/>
+                      <a:headEnd type="none" w="med" len="med"/>
+                      <a:tailEnd type="none" w="med" len="med"/>
+                    </a:lnR>
+                    <a:lnT w="9525" cap="flat" cmpd="sng" algn="ctr">
+                      <a:solidFill>
+                        <a:srgbClr val="000000"/>
+                      </a:solidFill>
+                      <a:prstDash val="solid"/>
+                      <a:round/>
+                      <a:headEnd type="none" w="med" len="med"/>
+                      <a:tailEnd type="none" w="med" len="med"/>
+                    </a:lnT>
+                    <a:lnB w="9525" cap="flat" cmpd="sng" algn="ctr">
+                      <a:solidFill>
+                        <a:srgbClr val="000000"/>
+                      </a:solidFill>
+                      <a:prstDash val="solid"/>
+                      <a:round/>
+                      <a:headEnd type="none" w="med" len="med"/>
+                      <a:tailEnd type="none" w="med" len="med"/>
+                    </a:lnB>
+                    <a:solidFill>
+                      <a:srgbClr val="D4D4D4"/>
+                    </a:solidFill>
+                  </a:tcPr>
+                </a:tc>
+                <a:tc>
+                  <a:txBody>
+                    <a:bodyPr/>
+                    <a:lstStyle/>
+                    <a:p>
+                      <a:r>
+                        <a:rPr lang="en" sz="1100">
+                          <a:solidFill>
+                            <a:srgbClr val="000000"/>
+                          </a:solidFill>
+                          <a:effectLst/>
+                          <a:latin typeface="Hiragino Kaku Gothic ProN" panose="020B0300000000000000" pitchFamily="34" charset="-128"/>
+                          <a:ea typeface="Hiragino Kaku Gothic ProN" panose="020B0300000000000000" pitchFamily="34" charset="-128"/>
+                        </a:rPr>
+                        <a:t>WAIC</a:t>
+                      </a:r>
+                      <a:endParaRPr lang="en" sz="1100">
+                        <a:effectLst/>
+                      </a:endParaRPr>
+                    </a:p>
+                  </a:txBody>
+                  <a:tcPr marL="23047" marR="23047" marT="23047" marB="23047">
+                    <a:lnL w="9525" cap="flat" cmpd="sng" algn="ctr">
+                      <a:solidFill>
+                        <a:srgbClr val="000000"/>
+                      </a:solidFill>
+                      <a:prstDash val="solid"/>
+                      <a:round/>
+                      <a:headEnd type="none" w="med" len="med"/>
+                      <a:tailEnd type="none" w="med" len="med"/>
+                    </a:lnL>
+                    <a:lnR w="9525" cap="flat" cmpd="sng" algn="ctr">
+                      <a:solidFill>
+                        <a:srgbClr val="000000"/>
+                      </a:solidFill>
+                      <a:prstDash val="solid"/>
+                      <a:round/>
+                      <a:headEnd type="none" w="med" len="med"/>
+                      <a:tailEnd type="none" w="med" len="med"/>
+                    </a:lnR>
+                    <a:lnT w="9525" cap="flat" cmpd="sng" algn="ctr">
+                      <a:solidFill>
+                        <a:srgbClr val="000000"/>
+                      </a:solidFill>
+                      <a:prstDash val="solid"/>
+                      <a:round/>
+                      <a:headEnd type="none" w="med" len="med"/>
+                      <a:tailEnd type="none" w="med" len="med"/>
+                    </a:lnT>
+                    <a:lnB w="9525" cap="flat" cmpd="sng" algn="ctr">
+                      <a:solidFill>
+                        <a:srgbClr val="000000"/>
+                      </a:solidFill>
+                      <a:prstDash val="solid"/>
+                      <a:round/>
+                      <a:headEnd type="none" w="med" len="med"/>
+                      <a:tailEnd type="none" w="med" len="med"/>
+                    </a:lnB>
+                  </a:tcPr>
+                </a:tc>
+                <a:tc>
+                  <a:txBody>
+                    <a:bodyPr/>
+                    <a:lstStyle/>
+                    <a:p>
+                      <a:r>
+                        <a:rPr lang="en-US" altLang="ja-JP" sz="1100" dirty="0">
+                          <a:solidFill>
+                            <a:srgbClr val="000000"/>
+                          </a:solidFill>
+                          <a:effectLst/>
+                          <a:latin typeface="Hiragino Kaku Gothic ProN" panose="020B0300000000000000" pitchFamily="34" charset="-128"/>
+                          <a:ea typeface="Hiragino Kaku Gothic ProN" panose="020B0300000000000000" pitchFamily="34" charset="-128"/>
+                        </a:rPr>
+                        <a:t>3008.71066185824</a:t>
+                      </a:r>
+                      <a:endParaRPr lang="ja-JP" altLang="en-US" sz="1100">
+                        <a:effectLst/>
+                      </a:endParaRPr>
+                    </a:p>
+                  </a:txBody>
+                  <a:tcPr marL="23047" marR="23047" marT="23047" marB="23047">
+                    <a:lnL w="9525" cap="flat" cmpd="sng" algn="ctr">
+                      <a:solidFill>
+                        <a:srgbClr val="000000"/>
+                      </a:solidFill>
+                      <a:prstDash val="solid"/>
+                      <a:round/>
+                      <a:headEnd type="none" w="med" len="med"/>
+                      <a:tailEnd type="none" w="med" len="med"/>
+                    </a:lnL>
+                    <a:lnR w="9525" cap="flat" cmpd="sng" algn="ctr">
+                      <a:solidFill>
+                        <a:srgbClr val="000000"/>
+                      </a:solidFill>
+                      <a:prstDash val="solid"/>
+                      <a:round/>
+                      <a:headEnd type="none" w="med" len="med"/>
+                      <a:tailEnd type="none" w="med" len="med"/>
+                    </a:lnR>
+                    <a:lnT w="9525" cap="flat" cmpd="sng" algn="ctr">
+                      <a:solidFill>
+                        <a:srgbClr val="000000"/>
+                      </a:solidFill>
+                      <a:prstDash val="solid"/>
+                      <a:round/>
+                      <a:headEnd type="none" w="med" len="med"/>
+                      <a:tailEnd type="none" w="med" len="med"/>
+                    </a:lnT>
+                    <a:lnB w="9525" cap="flat" cmpd="sng" algn="ctr">
+                      <a:solidFill>
+                        <a:srgbClr val="000000"/>
+                      </a:solidFill>
+                      <a:prstDash val="solid"/>
+                      <a:round/>
+                      <a:headEnd type="none" w="med" len="med"/>
+                      <a:tailEnd type="none" w="med" len="med"/>
+                    </a:lnB>
+                  </a:tcPr>
+                </a:tc>
+                <a:extLst>
+                  <a:ext uri="{0D108BD9-81ED-4DB2-BD59-A6C34878D82A}">
+                    <a16:rowId xmlns:a16="http://schemas.microsoft.com/office/drawing/2014/main" val="2612820642"/>
+                  </a:ext>
+                </a:extLst>
+              </a:tr>
+              <a:tr h="659399">
+                <a:tc>
+                  <a:txBody>
+                    <a:bodyPr/>
+                    <a:lstStyle/>
+                    <a:p>
+                      <a:r>
+                        <a:rPr lang="en-US" altLang="ja-JP" sz="1100" b="1">
+                          <a:solidFill>
+                            <a:srgbClr val="000000"/>
+                          </a:solidFill>
+                          <a:effectLst/>
+                          <a:latin typeface="Hiragino Kaku Gothic ProN" panose="020B0300000000000000" pitchFamily="34" charset="-128"/>
+                          <a:ea typeface="Hiragino Kaku Gothic ProN" panose="020B0300000000000000" pitchFamily="34" charset="-128"/>
+                        </a:rPr>
+                        <a:t>2</a:t>
+                      </a:r>
+                      <a:endParaRPr lang="ja-JP" altLang="en-US" sz="1100">
+                        <a:effectLst/>
+                      </a:endParaRPr>
+                    </a:p>
+                  </a:txBody>
+                  <a:tcPr marL="23047" marR="23047" marT="23047" marB="23047">
+                    <a:lnL w="9525" cap="flat" cmpd="sng" algn="ctr">
+                      <a:solidFill>
+                        <a:srgbClr val="000000"/>
+                      </a:solidFill>
+                      <a:prstDash val="solid"/>
+                      <a:round/>
+                      <a:headEnd type="none" w="med" len="med"/>
+                      <a:tailEnd type="none" w="med" len="med"/>
+                    </a:lnL>
+                    <a:lnR w="9525" cap="flat" cmpd="sng" algn="ctr">
+                      <a:solidFill>
+                        <a:srgbClr val="000000"/>
+                      </a:solidFill>
+                      <a:prstDash val="solid"/>
+                      <a:round/>
+                      <a:headEnd type="none" w="med" len="med"/>
+                      <a:tailEnd type="none" w="med" len="med"/>
+                    </a:lnR>
+                    <a:lnT w="9525" cap="flat" cmpd="sng" algn="ctr">
+                      <a:solidFill>
+                        <a:srgbClr val="000000"/>
+                      </a:solidFill>
+                      <a:prstDash val="solid"/>
+                      <a:round/>
+                      <a:headEnd type="none" w="med" len="med"/>
+                      <a:tailEnd type="none" w="med" len="med"/>
+                    </a:lnT>
+                    <a:lnB w="9525" cap="flat" cmpd="sng" algn="ctr">
+                      <a:solidFill>
+                        <a:srgbClr val="000000"/>
+                      </a:solidFill>
+                      <a:prstDash val="solid"/>
+                      <a:round/>
+                      <a:headEnd type="none" w="med" len="med"/>
+                      <a:tailEnd type="none" w="med" len="med"/>
+                    </a:lnB>
+                    <a:solidFill>
+                      <a:srgbClr val="D4D4D4"/>
+                    </a:solidFill>
+                  </a:tcPr>
+                </a:tc>
+                <a:tc>
+                  <a:txBody>
+                    <a:bodyPr/>
+                    <a:lstStyle/>
+                    <a:p>
+                      <a:r>
+                        <a:rPr lang="en" sz="1100">
+                          <a:solidFill>
+                            <a:srgbClr val="000000"/>
+                          </a:solidFill>
+                          <a:effectLst/>
+                          <a:latin typeface="Hiragino Kaku Gothic ProN" panose="020B0300000000000000" pitchFamily="34" charset="-128"/>
+                          <a:ea typeface="Hiragino Kaku Gothic ProN" panose="020B0300000000000000" pitchFamily="34" charset="-128"/>
+                        </a:rPr>
+                        <a:t>ML</a:t>
+                      </a:r>
+                      <a:endParaRPr lang="en" sz="1100">
+                        <a:effectLst/>
+                      </a:endParaRPr>
+                    </a:p>
+                  </a:txBody>
+                  <a:tcPr marL="23047" marR="23047" marT="23047" marB="23047">
+                    <a:lnL w="9525" cap="flat" cmpd="sng" algn="ctr">
+                      <a:solidFill>
+                        <a:srgbClr val="000000"/>
+                      </a:solidFill>
+                      <a:prstDash val="solid"/>
+                      <a:round/>
+                      <a:headEnd type="none" w="med" len="med"/>
+                      <a:tailEnd type="none" w="med" len="med"/>
+                    </a:lnL>
+                    <a:lnR w="9525" cap="flat" cmpd="sng" algn="ctr">
+                      <a:solidFill>
+                        <a:srgbClr val="000000"/>
+                      </a:solidFill>
+                      <a:prstDash val="solid"/>
+                      <a:round/>
+                      <a:headEnd type="none" w="med" len="med"/>
+                      <a:tailEnd type="none" w="med" len="med"/>
+                    </a:lnR>
+                    <a:lnT w="9525" cap="flat" cmpd="sng" algn="ctr">
+                      <a:solidFill>
+                        <a:srgbClr val="000000"/>
+                      </a:solidFill>
+                      <a:prstDash val="solid"/>
+                      <a:round/>
+                      <a:headEnd type="none" w="med" len="med"/>
+                      <a:tailEnd type="none" w="med" len="med"/>
+                    </a:lnT>
+                    <a:lnB w="9525" cap="flat" cmpd="sng" algn="ctr">
+                      <a:solidFill>
+                        <a:srgbClr val="000000"/>
+                      </a:solidFill>
+                      <a:prstDash val="solid"/>
+                      <a:round/>
+                      <a:headEnd type="none" w="med" len="med"/>
+                      <a:tailEnd type="none" w="med" len="med"/>
+                    </a:lnB>
+                  </a:tcPr>
+                </a:tc>
+                <a:tc>
+                  <a:txBody>
+                    <a:bodyPr/>
+                    <a:lstStyle/>
+                    <a:p>
+                      <a:r>
+                        <a:rPr lang="en-US" altLang="ja-JP" sz="1100" dirty="0">
+                          <a:solidFill>
+                            <a:srgbClr val="000000"/>
+                          </a:solidFill>
+                          <a:effectLst/>
+                          <a:latin typeface="Hiragino Kaku Gothic ProN" panose="020B0300000000000000" pitchFamily="34" charset="-128"/>
+                          <a:ea typeface="Hiragino Kaku Gothic ProN" panose="020B0300000000000000" pitchFamily="34" charset="-128"/>
+                        </a:rPr>
+                        <a:t>2867.28750062606</a:t>
+                      </a:r>
+                      <a:endParaRPr lang="ja-JP" altLang="en-US" sz="1100">
+                        <a:effectLst/>
+                      </a:endParaRPr>
+                    </a:p>
+                  </a:txBody>
+                  <a:tcPr marL="23047" marR="23047" marT="23047" marB="23047">
+                    <a:lnL w="9525" cap="flat" cmpd="sng" algn="ctr">
+                      <a:solidFill>
+                        <a:srgbClr val="000000"/>
+                      </a:solidFill>
+                      <a:prstDash val="solid"/>
+                      <a:round/>
+                      <a:headEnd type="none" w="med" len="med"/>
+                      <a:tailEnd type="none" w="med" len="med"/>
+                    </a:lnL>
+                    <a:lnR w="9525" cap="flat" cmpd="sng" algn="ctr">
+                      <a:solidFill>
+                        <a:srgbClr val="000000"/>
+                      </a:solidFill>
+                      <a:prstDash val="solid"/>
+                      <a:round/>
+                      <a:headEnd type="none" w="med" len="med"/>
+                      <a:tailEnd type="none" w="med" len="med"/>
+                    </a:lnR>
+                    <a:lnT w="9525" cap="flat" cmpd="sng" algn="ctr">
+                      <a:solidFill>
+                        <a:srgbClr val="000000"/>
+                      </a:solidFill>
+                      <a:prstDash val="solid"/>
+                      <a:round/>
+                      <a:headEnd type="none" w="med" len="med"/>
+                      <a:tailEnd type="none" w="med" len="med"/>
+                    </a:lnT>
+                    <a:lnB w="9525" cap="flat" cmpd="sng" algn="ctr">
+                      <a:solidFill>
+                        <a:srgbClr val="000000"/>
+                      </a:solidFill>
+                      <a:prstDash val="solid"/>
+                      <a:round/>
+                      <a:headEnd type="none" w="med" len="med"/>
+                      <a:tailEnd type="none" w="med" len="med"/>
+                    </a:lnB>
+                  </a:tcPr>
+                </a:tc>
+                <a:extLst>
+                  <a:ext uri="{0D108BD9-81ED-4DB2-BD59-A6C34878D82A}">
+                    <a16:rowId xmlns:a16="http://schemas.microsoft.com/office/drawing/2014/main" val="757629386"/>
+                  </a:ext>
+                </a:extLst>
+              </a:tr>
+            </a:tbl>
+          </a:graphicData>
+        </a:graphic>
+      </p:graphicFrame>
+      <p:graphicFrame>
+        <p:nvGraphicFramePr>
+          <p:cNvPr id="5" name="表 4">
+            <a:extLst>
+              <a:ext uri="{FF2B5EF4-FFF2-40B4-BE49-F238E27FC236}">
+                <a16:creationId xmlns:a16="http://schemas.microsoft.com/office/drawing/2014/main" id="{A9F5F043-CA07-CF4E-8823-4FCDC1F35AD3}"/>
+              </a:ext>
+            </a:extLst>
+          </p:cNvPr>
+          <p:cNvGraphicFramePr>
+            <a:graphicFrameLocks noGrp="1"/>
+          </p:cNvGraphicFramePr>
+          <p:nvPr>
+            <p:extLst>
+              <p:ext uri="{D42A27DB-BD31-4B8C-83A1-F6EECF244321}">
+                <p14:modId xmlns:p14="http://schemas.microsoft.com/office/powerpoint/2010/main" val="1892116246"/>
+              </p:ext>
+            </p:extLst>
+          </p:nvPr>
+        </p:nvGraphicFramePr>
+        <p:xfrm>
+          <a:off x="4489808" y="2428535"/>
+          <a:ext cx="3051423" cy="1855789"/>
+        </p:xfrm>
+        <a:graphic>
+          <a:graphicData uri="http://schemas.openxmlformats.org/drawingml/2006/table">
+            <a:tbl>
+              <a:tblPr/>
+              <a:tblGrid>
+                <a:gridCol w="197777">
+                  <a:extLst>
+                    <a:ext uri="{9D8B030D-6E8A-4147-A177-3AD203B41FA5}">
+                      <a16:colId xmlns:a16="http://schemas.microsoft.com/office/drawing/2014/main" val="3466744076"/>
+                    </a:ext>
+                  </a:extLst>
+                </a:gridCol>
+                <a:gridCol w="1426823">
+                  <a:extLst>
+                    <a:ext uri="{9D8B030D-6E8A-4147-A177-3AD203B41FA5}">
+                      <a16:colId xmlns:a16="http://schemas.microsoft.com/office/drawing/2014/main" val="1330299517"/>
+                    </a:ext>
+                  </a:extLst>
+                </a:gridCol>
+                <a:gridCol w="1426823">
+                  <a:extLst>
+                    <a:ext uri="{9D8B030D-6E8A-4147-A177-3AD203B41FA5}">
+                      <a16:colId xmlns:a16="http://schemas.microsoft.com/office/drawing/2014/main" val="2575966266"/>
+                    </a:ext>
+                  </a:extLst>
+                </a:gridCol>
+              </a:tblGrid>
+              <a:tr h="478537">
+                <a:tc>
+                  <a:txBody>
+                    <a:bodyPr/>
+                    <a:lstStyle/>
+                    <a:p>
+                      <a:br>
+                        <a:rPr lang="ja-JP" altLang="en-US" sz="1050">
+                          <a:effectLst/>
+                          <a:latin typeface="Helvetica" pitchFamily="2" charset="0"/>
+                        </a:rPr>
+                      </a:br>
+                      <a:endParaRPr lang="ja-JP" altLang="en-US" sz="1050">
+                        <a:effectLst/>
+                        <a:latin typeface="Helvetica" pitchFamily="2" charset="0"/>
+                      </a:endParaRPr>
+                    </a:p>
+                  </a:txBody>
+                  <a:tcPr marL="38100" marR="38100" marT="38100" marB="38100">
+                    <a:lnL w="9525" cap="flat" cmpd="sng" algn="ctr">
+                      <a:solidFill>
+                        <a:srgbClr val="000000"/>
+                      </a:solidFill>
+                      <a:prstDash val="solid"/>
+                      <a:round/>
+                      <a:headEnd type="none" w="med" len="med"/>
+                      <a:tailEnd type="none" w="med" len="med"/>
+                    </a:lnL>
+                    <a:lnR w="9525" cap="flat" cmpd="sng" algn="ctr">
+                      <a:solidFill>
+                        <a:srgbClr val="000000"/>
+                      </a:solidFill>
+                      <a:prstDash val="solid"/>
+                      <a:round/>
+                      <a:headEnd type="none" w="med" len="med"/>
+                      <a:tailEnd type="none" w="med" len="med"/>
+                    </a:lnR>
+                    <a:lnT w="9525" cap="flat" cmpd="sng" algn="ctr">
+                      <a:solidFill>
+                        <a:srgbClr val="000000"/>
+                      </a:solidFill>
+                      <a:prstDash val="solid"/>
+                      <a:round/>
+                      <a:headEnd type="none" w="med" len="med"/>
+                      <a:tailEnd type="none" w="med" len="med"/>
+                    </a:lnT>
+                    <a:lnB w="9525" cap="flat" cmpd="sng" algn="ctr">
+                      <a:solidFill>
+                        <a:srgbClr val="000000"/>
+                      </a:solidFill>
+                      <a:prstDash val="solid"/>
+                      <a:round/>
+                      <a:headEnd type="none" w="med" len="med"/>
+                      <a:tailEnd type="none" w="med" len="med"/>
+                    </a:lnB>
+                    <a:solidFill>
+                      <a:srgbClr val="B0B3B2"/>
+                    </a:solidFill>
+                  </a:tcPr>
+                </a:tc>
+                <a:tc>
+                  <a:txBody>
+                    <a:bodyPr/>
+                    <a:lstStyle/>
+                    <a:p>
+                      <a:r>
+                        <a:rPr lang="en" sz="1050" b="1">
+                          <a:solidFill>
+                            <a:srgbClr val="000000"/>
+                          </a:solidFill>
+                          <a:effectLst/>
+                          <a:latin typeface="Hiragino Kaku Gothic ProN" panose="020B0300000000000000" pitchFamily="34" charset="-128"/>
+                          <a:ea typeface="Hiragino Kaku Gothic ProN" panose="020B0300000000000000" pitchFamily="34" charset="-128"/>
+                        </a:rPr>
+                        <a:t>V1</a:t>
+                      </a:r>
+                      <a:endParaRPr lang="en" sz="1050">
+                        <a:effectLst/>
+                      </a:endParaRPr>
+                    </a:p>
+                  </a:txBody>
+                  <a:tcPr marL="38100" marR="38100" marT="38100" marB="38100">
+                    <a:lnL w="9525" cap="flat" cmpd="sng" algn="ctr">
+                      <a:solidFill>
+                        <a:srgbClr val="000000"/>
+                      </a:solidFill>
+                      <a:prstDash val="solid"/>
+                      <a:round/>
+                      <a:headEnd type="none" w="med" len="med"/>
+                      <a:tailEnd type="none" w="med" len="med"/>
+                    </a:lnL>
+                    <a:lnR w="9525" cap="flat" cmpd="sng" algn="ctr">
+                      <a:solidFill>
+                        <a:srgbClr val="000000"/>
+                      </a:solidFill>
+                      <a:prstDash val="solid"/>
+                      <a:round/>
+                      <a:headEnd type="none" w="med" len="med"/>
+                      <a:tailEnd type="none" w="med" len="med"/>
+                    </a:lnR>
+                    <a:lnT w="9525" cap="flat" cmpd="sng" algn="ctr">
+                      <a:solidFill>
+                        <a:srgbClr val="000000"/>
+                      </a:solidFill>
+                      <a:prstDash val="solid"/>
+                      <a:round/>
+                      <a:headEnd type="none" w="med" len="med"/>
+                      <a:tailEnd type="none" w="med" len="med"/>
+                    </a:lnT>
+                    <a:lnB w="9525" cap="flat" cmpd="sng" algn="ctr">
+                      <a:solidFill>
+                        <a:srgbClr val="000000"/>
+                      </a:solidFill>
+                      <a:prstDash val="solid"/>
+                      <a:round/>
+                      <a:headEnd type="none" w="med" len="med"/>
+                      <a:tailEnd type="none" w="med" len="med"/>
+                    </a:lnB>
+                    <a:solidFill>
+                      <a:srgbClr val="B0B3B2"/>
+                    </a:solidFill>
+                  </a:tcPr>
+                </a:tc>
+                <a:tc>
+                  <a:txBody>
+                    <a:bodyPr/>
+                    <a:lstStyle/>
+                    <a:p>
+                      <a:r>
+                        <a:rPr lang="en" sz="1050" b="1">
+                          <a:solidFill>
+                            <a:srgbClr val="000000"/>
+                          </a:solidFill>
+                          <a:effectLst/>
+                          <a:latin typeface="Hiragino Kaku Gothic ProN" panose="020B0300000000000000" pitchFamily="34" charset="-128"/>
+                          <a:ea typeface="Hiragino Kaku Gothic ProN" panose="020B0300000000000000" pitchFamily="34" charset="-128"/>
+                        </a:rPr>
+                        <a:t>V2</a:t>
+                      </a:r>
+                      <a:endParaRPr lang="en" sz="1050">
+                        <a:effectLst/>
+                      </a:endParaRPr>
+                    </a:p>
+                  </a:txBody>
+                  <a:tcPr marL="38100" marR="38100" marT="38100" marB="38100">
+                    <a:lnL w="9525" cap="flat" cmpd="sng" algn="ctr">
+                      <a:solidFill>
+                        <a:srgbClr val="000000"/>
+                      </a:solidFill>
+                      <a:prstDash val="solid"/>
+                      <a:round/>
+                      <a:headEnd type="none" w="med" len="med"/>
+                      <a:tailEnd type="none" w="med" len="med"/>
+                    </a:lnL>
+                    <a:lnR w="9525" cap="flat" cmpd="sng" algn="ctr">
+                      <a:solidFill>
+                        <a:srgbClr val="000000"/>
+                      </a:solidFill>
+                      <a:prstDash val="solid"/>
+                      <a:round/>
+                      <a:headEnd type="none" w="med" len="med"/>
+                      <a:tailEnd type="none" w="med" len="med"/>
+                    </a:lnR>
+                    <a:lnT w="9525" cap="flat" cmpd="sng" algn="ctr">
+                      <a:solidFill>
+                        <a:srgbClr val="000000"/>
+                      </a:solidFill>
+                      <a:prstDash val="solid"/>
+                      <a:round/>
+                      <a:headEnd type="none" w="med" len="med"/>
+                      <a:tailEnd type="none" w="med" len="med"/>
+                    </a:lnT>
+                    <a:lnB w="9525" cap="flat" cmpd="sng" algn="ctr">
+                      <a:solidFill>
+                        <a:srgbClr val="000000"/>
+                      </a:solidFill>
+                      <a:prstDash val="solid"/>
+                      <a:round/>
+                      <a:headEnd type="none" w="med" len="med"/>
+                      <a:tailEnd type="none" w="med" len="med"/>
+                    </a:lnB>
+                    <a:solidFill>
+                      <a:srgbClr val="B0B3B2"/>
+                    </a:solidFill>
+                  </a:tcPr>
+                </a:tc>
+                <a:extLst>
+                  <a:ext uri="{0D108BD9-81ED-4DB2-BD59-A6C34878D82A}">
+                    <a16:rowId xmlns:a16="http://schemas.microsoft.com/office/drawing/2014/main" val="485722113"/>
+                  </a:ext>
+                </a:extLst>
+              </a:tr>
+              <a:tr h="688626">
+                <a:tc>
+                  <a:txBody>
+                    <a:bodyPr/>
+                    <a:lstStyle/>
+                    <a:p>
+                      <a:r>
+                        <a:rPr lang="en-US" altLang="ja-JP" sz="1050" b="1">
+                          <a:solidFill>
+                            <a:srgbClr val="000000"/>
+                          </a:solidFill>
+                          <a:effectLst/>
+                          <a:latin typeface="Hiragino Kaku Gothic ProN" panose="020B0300000000000000" pitchFamily="34" charset="-128"/>
+                          <a:ea typeface="Hiragino Kaku Gothic ProN" panose="020B0300000000000000" pitchFamily="34" charset="-128"/>
+                        </a:rPr>
+                        <a:t>1</a:t>
+                      </a:r>
+                      <a:endParaRPr lang="ja-JP" altLang="en-US" sz="1050">
+                        <a:effectLst/>
+                      </a:endParaRPr>
+                    </a:p>
+                  </a:txBody>
+                  <a:tcPr marL="38100" marR="38100" marT="38100" marB="38100">
+                    <a:lnL w="9525" cap="flat" cmpd="sng" algn="ctr">
+                      <a:solidFill>
+                        <a:srgbClr val="000000"/>
+                      </a:solidFill>
+                      <a:prstDash val="solid"/>
+                      <a:round/>
+                      <a:headEnd type="none" w="med" len="med"/>
+                      <a:tailEnd type="none" w="med" len="med"/>
+                    </a:lnL>
+                    <a:lnR w="9525" cap="flat" cmpd="sng" algn="ctr">
+                      <a:solidFill>
+                        <a:srgbClr val="000000"/>
+                      </a:solidFill>
+                      <a:prstDash val="solid"/>
+                      <a:round/>
+                      <a:headEnd type="none" w="med" len="med"/>
+                      <a:tailEnd type="none" w="med" len="med"/>
+                    </a:lnR>
+                    <a:lnT w="9525" cap="flat" cmpd="sng" algn="ctr">
+                      <a:solidFill>
+                        <a:srgbClr val="000000"/>
+                      </a:solidFill>
+                      <a:prstDash val="solid"/>
+                      <a:round/>
+                      <a:headEnd type="none" w="med" len="med"/>
+                      <a:tailEnd type="none" w="med" len="med"/>
+                    </a:lnT>
+                    <a:lnB w="9525" cap="flat" cmpd="sng" algn="ctr">
+                      <a:solidFill>
+                        <a:srgbClr val="000000"/>
+                      </a:solidFill>
+                      <a:prstDash val="solid"/>
+                      <a:round/>
+                      <a:headEnd type="none" w="med" len="med"/>
+                      <a:tailEnd type="none" w="med" len="med"/>
+                    </a:lnB>
+                    <a:solidFill>
+                      <a:srgbClr val="D4D4D4"/>
+                    </a:solidFill>
+                  </a:tcPr>
+                </a:tc>
+                <a:tc>
+                  <a:txBody>
+                    <a:bodyPr/>
+                    <a:lstStyle/>
+                    <a:p>
+                      <a:r>
+                        <a:rPr lang="en" sz="1050">
+                          <a:solidFill>
+                            <a:srgbClr val="000000"/>
+                          </a:solidFill>
+                          <a:effectLst/>
+                          <a:latin typeface="Hiragino Kaku Gothic ProN" panose="020B0300000000000000" pitchFamily="34" charset="-128"/>
+                          <a:ea typeface="Hiragino Kaku Gothic ProN" panose="020B0300000000000000" pitchFamily="34" charset="-128"/>
+                        </a:rPr>
+                        <a:t>WAIC</a:t>
+                      </a:r>
+                      <a:endParaRPr lang="en" sz="1050">
+                        <a:effectLst/>
+                      </a:endParaRPr>
+                    </a:p>
+                  </a:txBody>
+                  <a:tcPr marL="38100" marR="38100" marT="38100" marB="38100">
+                    <a:lnL w="9525" cap="flat" cmpd="sng" algn="ctr">
+                      <a:solidFill>
+                        <a:srgbClr val="000000"/>
+                      </a:solidFill>
+                      <a:prstDash val="solid"/>
+                      <a:round/>
+                      <a:headEnd type="none" w="med" len="med"/>
+                      <a:tailEnd type="none" w="med" len="med"/>
+                    </a:lnL>
+                    <a:lnR w="9525" cap="flat" cmpd="sng" algn="ctr">
+                      <a:solidFill>
+                        <a:srgbClr val="000000"/>
+                      </a:solidFill>
+                      <a:prstDash val="solid"/>
+                      <a:round/>
+                      <a:headEnd type="none" w="med" len="med"/>
+                      <a:tailEnd type="none" w="med" len="med"/>
+                    </a:lnR>
+                    <a:lnT w="9525" cap="flat" cmpd="sng" algn="ctr">
+                      <a:solidFill>
+                        <a:srgbClr val="000000"/>
+                      </a:solidFill>
+                      <a:prstDash val="solid"/>
+                      <a:round/>
+                      <a:headEnd type="none" w="med" len="med"/>
+                      <a:tailEnd type="none" w="med" len="med"/>
+                    </a:lnT>
+                    <a:lnB w="9525" cap="flat" cmpd="sng" algn="ctr">
+                      <a:solidFill>
+                        <a:srgbClr val="000000"/>
+                      </a:solidFill>
+                      <a:prstDash val="solid"/>
+                      <a:round/>
+                      <a:headEnd type="none" w="med" len="med"/>
+                      <a:tailEnd type="none" w="med" len="med"/>
+                    </a:lnB>
+                  </a:tcPr>
+                </a:tc>
+                <a:tc>
+                  <a:txBody>
+                    <a:bodyPr/>
+                    <a:lstStyle/>
+                    <a:p>
+                      <a:r>
+                        <a:rPr lang="en-US" altLang="ja-JP" sz="1050">
+                          <a:solidFill>
+                            <a:srgbClr val="000000"/>
+                          </a:solidFill>
+                          <a:effectLst/>
+                          <a:latin typeface="Hiragino Kaku Gothic ProN" panose="020B0300000000000000" pitchFamily="34" charset="-128"/>
+                          <a:ea typeface="Hiragino Kaku Gothic ProN" panose="020B0300000000000000" pitchFamily="34" charset="-128"/>
+                        </a:rPr>
+                        <a:t>3006.0947765273</a:t>
+                      </a:r>
+                      <a:endParaRPr lang="ja-JP" altLang="en-US" sz="1050">
+                        <a:effectLst/>
+                      </a:endParaRPr>
+                    </a:p>
+                  </a:txBody>
+                  <a:tcPr marL="38100" marR="38100" marT="38100" marB="38100">
+                    <a:lnL w="9525" cap="flat" cmpd="sng" algn="ctr">
+                      <a:solidFill>
+                        <a:srgbClr val="000000"/>
+                      </a:solidFill>
+                      <a:prstDash val="solid"/>
+                      <a:round/>
+                      <a:headEnd type="none" w="med" len="med"/>
+                      <a:tailEnd type="none" w="med" len="med"/>
+                    </a:lnL>
+                    <a:lnR w="9525" cap="flat" cmpd="sng" algn="ctr">
+                      <a:solidFill>
+                        <a:srgbClr val="000000"/>
+                      </a:solidFill>
+                      <a:prstDash val="solid"/>
+                      <a:round/>
+                      <a:headEnd type="none" w="med" len="med"/>
+                      <a:tailEnd type="none" w="med" len="med"/>
+                    </a:lnR>
+                    <a:lnT w="9525" cap="flat" cmpd="sng" algn="ctr">
+                      <a:solidFill>
+                        <a:srgbClr val="000000"/>
+                      </a:solidFill>
+                      <a:prstDash val="solid"/>
+                      <a:round/>
+                      <a:headEnd type="none" w="med" len="med"/>
+                      <a:tailEnd type="none" w="med" len="med"/>
+                    </a:lnT>
+                    <a:lnB w="9525" cap="flat" cmpd="sng" algn="ctr">
+                      <a:solidFill>
+                        <a:srgbClr val="000000"/>
+                      </a:solidFill>
+                      <a:prstDash val="solid"/>
+                      <a:round/>
+                      <a:headEnd type="none" w="med" len="med"/>
+                      <a:tailEnd type="none" w="med" len="med"/>
+                    </a:lnB>
+                  </a:tcPr>
+                </a:tc>
+                <a:extLst>
+                  <a:ext uri="{0D108BD9-81ED-4DB2-BD59-A6C34878D82A}">
+                    <a16:rowId xmlns:a16="http://schemas.microsoft.com/office/drawing/2014/main" val="2187758304"/>
+                  </a:ext>
+                </a:extLst>
+              </a:tr>
+              <a:tr h="688626">
+                <a:tc>
+                  <a:txBody>
+                    <a:bodyPr/>
+                    <a:lstStyle/>
+                    <a:p>
+                      <a:r>
+                        <a:rPr lang="en-US" altLang="ja-JP" sz="1050" b="1">
+                          <a:solidFill>
+                            <a:srgbClr val="000000"/>
+                          </a:solidFill>
+                          <a:effectLst/>
+                          <a:latin typeface="Hiragino Kaku Gothic ProN" panose="020B0300000000000000" pitchFamily="34" charset="-128"/>
+                          <a:ea typeface="Hiragino Kaku Gothic ProN" panose="020B0300000000000000" pitchFamily="34" charset="-128"/>
+                        </a:rPr>
+                        <a:t>2</a:t>
+                      </a:r>
+                      <a:endParaRPr lang="ja-JP" altLang="en-US" sz="1050">
+                        <a:effectLst/>
+                      </a:endParaRPr>
+                    </a:p>
+                  </a:txBody>
+                  <a:tcPr marL="38100" marR="38100" marT="38100" marB="38100">
+                    <a:lnL w="9525" cap="flat" cmpd="sng" algn="ctr">
+                      <a:solidFill>
+                        <a:srgbClr val="000000"/>
+                      </a:solidFill>
+                      <a:prstDash val="solid"/>
+                      <a:round/>
+                      <a:headEnd type="none" w="med" len="med"/>
+                      <a:tailEnd type="none" w="med" len="med"/>
+                    </a:lnL>
+                    <a:lnR w="9525" cap="flat" cmpd="sng" algn="ctr">
+                      <a:solidFill>
+                        <a:srgbClr val="000000"/>
+                      </a:solidFill>
+                      <a:prstDash val="solid"/>
+                      <a:round/>
+                      <a:headEnd type="none" w="med" len="med"/>
+                      <a:tailEnd type="none" w="med" len="med"/>
+                    </a:lnR>
+                    <a:lnT w="9525" cap="flat" cmpd="sng" algn="ctr">
+                      <a:solidFill>
+                        <a:srgbClr val="000000"/>
+                      </a:solidFill>
+                      <a:prstDash val="solid"/>
+                      <a:round/>
+                      <a:headEnd type="none" w="med" len="med"/>
+                      <a:tailEnd type="none" w="med" len="med"/>
+                    </a:lnT>
+                    <a:lnB w="9525" cap="flat" cmpd="sng" algn="ctr">
+                      <a:solidFill>
+                        <a:srgbClr val="000000"/>
+                      </a:solidFill>
+                      <a:prstDash val="solid"/>
+                      <a:round/>
+                      <a:headEnd type="none" w="med" len="med"/>
+                      <a:tailEnd type="none" w="med" len="med"/>
+                    </a:lnB>
+                    <a:solidFill>
+                      <a:srgbClr val="D4D4D4"/>
+                    </a:solidFill>
+                  </a:tcPr>
+                </a:tc>
+                <a:tc>
+                  <a:txBody>
+                    <a:bodyPr/>
+                    <a:lstStyle/>
+                    <a:p>
+                      <a:r>
+                        <a:rPr lang="en" sz="1050">
+                          <a:solidFill>
+                            <a:srgbClr val="000000"/>
+                          </a:solidFill>
+                          <a:effectLst/>
+                          <a:latin typeface="Hiragino Kaku Gothic ProN" panose="020B0300000000000000" pitchFamily="34" charset="-128"/>
+                          <a:ea typeface="Hiragino Kaku Gothic ProN" panose="020B0300000000000000" pitchFamily="34" charset="-128"/>
+                        </a:rPr>
+                        <a:t>ML</a:t>
+                      </a:r>
+                      <a:endParaRPr lang="en" sz="1050">
+                        <a:effectLst/>
+                      </a:endParaRPr>
+                    </a:p>
+                  </a:txBody>
+                  <a:tcPr marL="38100" marR="38100" marT="38100" marB="38100">
+                    <a:lnL w="9525" cap="flat" cmpd="sng" algn="ctr">
+                      <a:solidFill>
+                        <a:srgbClr val="000000"/>
+                      </a:solidFill>
+                      <a:prstDash val="solid"/>
+                      <a:round/>
+                      <a:headEnd type="none" w="med" len="med"/>
+                      <a:tailEnd type="none" w="med" len="med"/>
+                    </a:lnL>
+                    <a:lnR w="9525" cap="flat" cmpd="sng" algn="ctr">
+                      <a:solidFill>
+                        <a:srgbClr val="000000"/>
+                      </a:solidFill>
+                      <a:prstDash val="solid"/>
+                      <a:round/>
+                      <a:headEnd type="none" w="med" len="med"/>
+                      <a:tailEnd type="none" w="med" len="med"/>
+                    </a:lnR>
+                    <a:lnT w="9525" cap="flat" cmpd="sng" algn="ctr">
+                      <a:solidFill>
+                        <a:srgbClr val="000000"/>
+                      </a:solidFill>
+                      <a:prstDash val="solid"/>
+                      <a:round/>
+                      <a:headEnd type="none" w="med" len="med"/>
+                      <a:tailEnd type="none" w="med" len="med"/>
+                    </a:lnT>
+                    <a:lnB w="9525" cap="flat" cmpd="sng" algn="ctr">
+                      <a:solidFill>
+                        <a:srgbClr val="000000"/>
+                      </a:solidFill>
+                      <a:prstDash val="solid"/>
+                      <a:round/>
+                      <a:headEnd type="none" w="med" len="med"/>
+                      <a:tailEnd type="none" w="med" len="med"/>
+                    </a:lnB>
+                  </a:tcPr>
+                </a:tc>
+                <a:tc>
+                  <a:txBody>
+                    <a:bodyPr/>
+                    <a:lstStyle/>
+                    <a:p>
+                      <a:r>
+                        <a:rPr lang="en-US" altLang="ja-JP" sz="1050" dirty="0">
+                          <a:solidFill>
+                            <a:srgbClr val="000000"/>
+                          </a:solidFill>
+                          <a:effectLst/>
+                          <a:latin typeface="Hiragino Kaku Gothic ProN" panose="020B0300000000000000" pitchFamily="34" charset="-128"/>
+                          <a:ea typeface="Hiragino Kaku Gothic ProN" panose="020B0300000000000000" pitchFamily="34" charset="-128"/>
+                        </a:rPr>
+                        <a:t>2865.96896387135</a:t>
+                      </a:r>
+                      <a:endParaRPr lang="ja-JP" altLang="en-US" sz="1050">
+                        <a:effectLst/>
+                      </a:endParaRPr>
+                    </a:p>
+                  </a:txBody>
+                  <a:tcPr marL="38100" marR="38100" marT="38100" marB="38100">
+                    <a:lnL w="9525" cap="flat" cmpd="sng" algn="ctr">
+                      <a:solidFill>
+                        <a:srgbClr val="000000"/>
+                      </a:solidFill>
+                      <a:prstDash val="solid"/>
+                      <a:round/>
+                      <a:headEnd type="none" w="med" len="med"/>
+                      <a:tailEnd type="none" w="med" len="med"/>
+                    </a:lnL>
+                    <a:lnR w="9525" cap="flat" cmpd="sng" algn="ctr">
+                      <a:solidFill>
+                        <a:srgbClr val="000000"/>
+                      </a:solidFill>
+                      <a:prstDash val="solid"/>
+                      <a:round/>
+                      <a:headEnd type="none" w="med" len="med"/>
+                      <a:tailEnd type="none" w="med" len="med"/>
+                    </a:lnR>
+                    <a:lnT w="9525" cap="flat" cmpd="sng" algn="ctr">
+                      <a:solidFill>
+                        <a:srgbClr val="000000"/>
+                      </a:solidFill>
+                      <a:prstDash val="solid"/>
+                      <a:round/>
+                      <a:headEnd type="none" w="med" len="med"/>
+                      <a:tailEnd type="none" w="med" len="med"/>
+                    </a:lnT>
+                    <a:lnB w="9525" cap="flat" cmpd="sng" algn="ctr">
+                      <a:solidFill>
+                        <a:srgbClr val="000000"/>
+                      </a:solidFill>
+                      <a:prstDash val="solid"/>
+                      <a:round/>
+                      <a:headEnd type="none" w="med" len="med"/>
+                      <a:tailEnd type="none" w="med" len="med"/>
+                    </a:lnB>
+                  </a:tcPr>
+                </a:tc>
+                <a:extLst>
+                  <a:ext uri="{0D108BD9-81ED-4DB2-BD59-A6C34878D82A}">
+                    <a16:rowId xmlns:a16="http://schemas.microsoft.com/office/drawing/2014/main" val="541651197"/>
+                  </a:ext>
+                </a:extLst>
+              </a:tr>
+            </a:tbl>
+          </a:graphicData>
+        </a:graphic>
+      </p:graphicFrame>
+      <p:sp>
+        <p:nvSpPr>
+          <p:cNvPr id="9" name="テキスト ボックス 8">
+            <a:extLst>
+              <a:ext uri="{FF2B5EF4-FFF2-40B4-BE49-F238E27FC236}">
+                <a16:creationId xmlns:a16="http://schemas.microsoft.com/office/drawing/2014/main" id="{D76D4349-078D-F046-A5DC-2C5A86C9EF84}"/>
+              </a:ext>
+            </a:extLst>
+          </p:cNvPr>
+          <p:cNvSpPr txBox="1"/>
+          <p:nvPr/>
+        </p:nvSpPr>
+        <p:spPr>
+          <a:xfrm>
+            <a:off x="1697590" y="5207058"/>
+            <a:ext cx="3976099" cy="923330"/>
+          </a:xfrm>
+          <a:prstGeom prst="rect">
+            <a:avLst/>
+          </a:prstGeom>
+          <a:noFill/>
+        </p:spPr>
+        <p:txBody>
+          <a:bodyPr wrap="square" rtlCol="0">
+            <a:spAutoFit/>
+          </a:bodyPr>
+          <a:lstStyle/>
+          <a:p>
+            <a:r>
+              <a:rPr kumimoji="1" lang="ja-JP" altLang="en-US"/>
+              <a:t>急に</a:t>
+            </a:r>
+            <a:r>
+              <a:rPr kumimoji="1" lang="en-US" altLang="ja-JP" dirty="0"/>
+              <a:t>3</a:t>
+            </a:r>
+            <a:r>
+              <a:rPr kumimoji="1" lang="ja-JP" altLang="en-US"/>
+              <a:t>行目以降がバグって出力されるようになってしまったので</a:t>
+            </a:r>
+            <a:r>
+              <a:rPr kumimoji="1" lang="en-US" altLang="ja-JP" dirty="0"/>
+              <a:t>WAIC</a:t>
+            </a:r>
+            <a:r>
+              <a:rPr kumimoji="1" lang="ja-JP" altLang="en-US"/>
+              <a:t>と</a:t>
+            </a:r>
+            <a:r>
+              <a:rPr kumimoji="1" lang="en-US" altLang="ja-JP" dirty="0"/>
+              <a:t>ML</a:t>
+            </a:r>
+            <a:r>
+              <a:rPr kumimoji="1" lang="ja-JP" altLang="en-US"/>
+              <a:t>のみを載せています</a:t>
+            </a:r>
           </a:p>
         </p:txBody>
       </p:sp>

--- a/ゼミ0720.pptx
+++ b/ゼミ0720.pptx
@@ -4132,14 +4132,14 @@
           <p:nvPr>
             <p:extLst>
               <p:ext uri="{D42A27DB-BD31-4B8C-83A1-F6EECF244321}">
-                <p14:modId xmlns:p14="http://schemas.microsoft.com/office/powerpoint/2010/main" val="2614048901"/>
+                <p14:modId xmlns:p14="http://schemas.microsoft.com/office/powerpoint/2010/main" val="1365331770"/>
               </p:ext>
             </p:extLst>
           </p:nvPr>
         </p:nvGraphicFramePr>
         <p:xfrm>
           <a:off x="922534" y="2428534"/>
-          <a:ext cx="2743199" cy="1855789"/>
+          <a:ext cx="3053565" cy="1855789"/>
         </p:xfrm>
         <a:graphic>
           <a:graphicData uri="http://schemas.openxmlformats.org/drawingml/2006/table">
@@ -4160,7 +4160,7 @@
                     </a:ext>
                   </a:extLst>
                 </a:gridCol>
-                <a:gridCol w="1304818">
+                <a:gridCol w="1615184">
                   <a:extLst>
                     <a:ext uri="{9D8B030D-6E8A-4147-A177-3AD203B41FA5}">
                       <a16:colId xmlns:a16="http://schemas.microsoft.com/office/drawing/2014/main" val="2806955985"/>
@@ -6241,10 +6241,6 @@
           <a:lstStyle/>
           <a:p>
             <a:r>
-              <a:rPr kumimoji="1" lang="ja-JP" altLang="en-US"/>
-              <a:t>急に</a:t>
-            </a:r>
-            <a:r>
               <a:rPr kumimoji="1" lang="en-US" altLang="ja-JP" dirty="0"/>
               <a:t>3</a:t>
             </a:r>
@@ -6264,6 +6260,8 @@
               <a:rPr kumimoji="1" lang="en-US" altLang="ja-JP" dirty="0"/>
               <a:t>ML</a:t>
             </a:r>
+          </a:p>
+          <a:p>
             <a:r>
               <a:rPr kumimoji="1" lang="ja-JP" altLang="en-US"/>
               <a:t>のみを載せています</a:t>
